--- a/notes/csc402-ln003.pptx
+++ b/notes/csc402-ln003.pptx
@@ -222,17 +222,17 @@
           </a:ln>
           <a:extLst>
             <a:ext uri="{FAA26D3D-D897-4be2-8F04-BA451C77F1D7}">
-              <ma14:placeholderFlag xmlns:ma14="http://schemas.microsoft.com/office/mac/drawingml/2011/main" val="1"/>
+              <ma14:placeholderFlag xmlns:ma14="http://schemas.microsoft.com/office/mac/drawingml/2011/main" xmlns="" val="1"/>
             </a:ext>
             <a:ext uri="{909E8E84-426E-40dd-AFC4-6F175D3DCCD1}">
-              <a14:hiddenFill xmlns:a14="http://schemas.microsoft.com/office/drawing/2010/main" xmlns="">
+              <a14:hiddenFill xmlns="" xmlns:a14="http://schemas.microsoft.com/office/drawing/2010/main">
                 <a:solidFill>
                   <a:schemeClr val="accent1"/>
                 </a:solidFill>
               </a14:hiddenFill>
             </a:ext>
             <a:ext uri="{91240B29-F687-4f45-9708-019B960494DF}">
-              <a14:hiddenLine xmlns:a14="http://schemas.microsoft.com/office/drawing/2010/main" xmlns="" w="9525">
+              <a14:hiddenLine xmlns="" xmlns:a14="http://schemas.microsoft.com/office/drawing/2010/main" w="9525">
                 <a:solidFill>
                   <a:schemeClr val="tx1"/>
                 </a:solidFill>
@@ -283,17 +283,17 @@
           </a:ln>
           <a:extLst>
             <a:ext uri="{FAA26D3D-D897-4be2-8F04-BA451C77F1D7}">
-              <ma14:placeholderFlag xmlns:ma14="http://schemas.microsoft.com/office/mac/drawingml/2011/main" val="1"/>
+              <ma14:placeholderFlag xmlns:ma14="http://schemas.microsoft.com/office/mac/drawingml/2011/main" xmlns="" val="1"/>
             </a:ext>
             <a:ext uri="{909E8E84-426E-40dd-AFC4-6F175D3DCCD1}">
-              <a14:hiddenFill xmlns:a14="http://schemas.microsoft.com/office/drawing/2010/main" xmlns="">
+              <a14:hiddenFill xmlns="" xmlns:a14="http://schemas.microsoft.com/office/drawing/2010/main">
                 <a:solidFill>
                   <a:schemeClr val="accent1"/>
                 </a:solidFill>
               </a14:hiddenFill>
             </a:ext>
             <a:ext uri="{91240B29-F687-4f45-9708-019B960494DF}">
-              <a14:hiddenLine xmlns:a14="http://schemas.microsoft.com/office/drawing/2010/main" xmlns="" w="9525">
+              <a14:hiddenLine xmlns="" xmlns:a14="http://schemas.microsoft.com/office/drawing/2010/main" w="9525">
                 <a:solidFill>
                   <a:schemeClr val="tx1"/>
                 </a:solidFill>
@@ -350,7 +350,7 @@
           <a:effectLst/>
           <a:extLst>
             <a:ext uri="{AF507438-7753-43e0-B8FC-AC1667EBCBE1}">
-              <a14:hiddenEffects xmlns:a14="http://schemas.microsoft.com/office/drawing/2010/main" xmlns="">
+              <a14:hiddenEffects xmlns="" xmlns:a14="http://schemas.microsoft.com/office/drawing/2010/main">
                 <a:effectLst>
                   <a:outerShdw blurRad="63500" dist="38099" dir="2700000" algn="ctr" rotWithShape="0">
                     <a:srgbClr val="000000">
@@ -361,7 +361,7 @@
               </a14:hiddenEffects>
             </a:ext>
             <a:ext uri="{53640926-AAD7-44d8-BBD7-CCE9431645EC}">
-              <a14:shadowObscured xmlns:a14="http://schemas.microsoft.com/office/drawing/2010/main" xmlns="" val="1"/>
+              <a14:shadowObscured xmlns="" xmlns:a14="http://schemas.microsoft.com/office/drawing/2010/main" val="1"/>
             </a:ext>
           </a:extLst>
         </p:spPr>
@@ -390,17 +390,17 @@
           </a:ln>
           <a:extLst>
             <a:ext uri="{FAA26D3D-D897-4be2-8F04-BA451C77F1D7}">
-              <ma14:placeholderFlag xmlns:ma14="http://schemas.microsoft.com/office/mac/drawingml/2011/main" val="1"/>
+              <ma14:placeholderFlag xmlns:ma14="http://schemas.microsoft.com/office/mac/drawingml/2011/main" xmlns="" val="1"/>
             </a:ext>
             <a:ext uri="{909E8E84-426E-40dd-AFC4-6F175D3DCCD1}">
-              <a14:hiddenFill xmlns:a14="http://schemas.microsoft.com/office/drawing/2010/main" xmlns="">
+              <a14:hiddenFill xmlns="" xmlns:a14="http://schemas.microsoft.com/office/drawing/2010/main">
                 <a:solidFill>
                   <a:schemeClr val="accent1"/>
                 </a:solidFill>
               </a14:hiddenFill>
             </a:ext>
             <a:ext uri="{91240B29-F687-4f45-9708-019B960494DF}">
-              <a14:hiddenLine xmlns:a14="http://schemas.microsoft.com/office/drawing/2010/main" xmlns="" w="9525">
+              <a14:hiddenLine xmlns="" xmlns:a14="http://schemas.microsoft.com/office/drawing/2010/main" w="9525">
                 <a:solidFill>
                   <a:schemeClr val="tx1"/>
                 </a:solidFill>
@@ -479,17 +479,17 @@
           </a:ln>
           <a:extLst>
             <a:ext uri="{FAA26D3D-D897-4be2-8F04-BA451C77F1D7}">
-              <ma14:placeholderFlag xmlns:ma14="http://schemas.microsoft.com/office/mac/drawingml/2011/main" val="1"/>
+              <ma14:placeholderFlag xmlns:ma14="http://schemas.microsoft.com/office/mac/drawingml/2011/main" xmlns="" val="1"/>
             </a:ext>
             <a:ext uri="{909E8E84-426E-40dd-AFC4-6F175D3DCCD1}">
-              <a14:hiddenFill xmlns:a14="http://schemas.microsoft.com/office/drawing/2010/main" xmlns="">
+              <a14:hiddenFill xmlns="" xmlns:a14="http://schemas.microsoft.com/office/drawing/2010/main">
                 <a:solidFill>
                   <a:schemeClr val="accent1"/>
                 </a:solidFill>
               </a14:hiddenFill>
             </a:ext>
             <a:ext uri="{91240B29-F687-4f45-9708-019B960494DF}">
-              <a14:hiddenLine xmlns:a14="http://schemas.microsoft.com/office/drawing/2010/main" xmlns="" w="9525">
+              <a14:hiddenLine xmlns="" xmlns:a14="http://schemas.microsoft.com/office/drawing/2010/main" w="9525">
                 <a:solidFill>
                   <a:schemeClr val="tx1"/>
                 </a:solidFill>
@@ -540,17 +540,17 @@
           </a:ln>
           <a:extLst>
             <a:ext uri="{FAA26D3D-D897-4be2-8F04-BA451C77F1D7}">
-              <ma14:placeholderFlag xmlns:ma14="http://schemas.microsoft.com/office/mac/drawingml/2011/main" val="1"/>
+              <ma14:placeholderFlag xmlns:ma14="http://schemas.microsoft.com/office/mac/drawingml/2011/main" xmlns="" val="1"/>
             </a:ext>
             <a:ext uri="{909E8E84-426E-40dd-AFC4-6F175D3DCCD1}">
-              <a14:hiddenFill xmlns:a14="http://schemas.microsoft.com/office/drawing/2010/main" xmlns="">
+              <a14:hiddenFill xmlns="" xmlns:a14="http://schemas.microsoft.com/office/drawing/2010/main">
                 <a:solidFill>
                   <a:schemeClr val="accent1"/>
                 </a:solidFill>
               </a14:hiddenFill>
             </a:ext>
             <a:ext uri="{91240B29-F687-4f45-9708-019B960494DF}">
-              <a14:hiddenLine xmlns:a14="http://schemas.microsoft.com/office/drawing/2010/main" xmlns="" w="9525">
+              <a14:hiddenLine xmlns="" xmlns:a14="http://schemas.microsoft.com/office/drawing/2010/main" w="9525">
                 <a:solidFill>
                   <a:schemeClr val="tx1"/>
                 </a:solidFill>
@@ -760,16 +760,12 @@
           <a:lstStyle/>
           <a:p>
             <a:r>
-              <a:rPr lang="en-US" dirty="0" smtClean="0"/>
-              <a:t>Add </a:t>
-            </a:r>
-            <a:r>
-              <a:rPr lang="en-US" smtClean="0"/>
-              <a:t>algorithm box</a:t>
-            </a:r>
-          </a:p>
-          <a:p>
-            <a:endParaRPr lang="en-US"/>
+              <a:rPr lang="en-US" dirty="0"/>
+              <a:t>Add algorithm box</a:t>
+            </a:r>
+          </a:p>
+          <a:p>
+            <a:endParaRPr lang="en-US" dirty="0"/>
           </a:p>
         </p:txBody>
       </p:sp>
@@ -855,11 +851,11 @@
           <a:lstStyle/>
           <a:p>
             <a:r>
-              <a:rPr lang="en-US" dirty="0" smtClean="0"/>
+              <a:rPr lang="en-US" dirty="0"/>
               <a:t>In</a:t>
             </a:r>
             <a:r>
-              <a:rPr lang="en-US" baseline="0" dirty="0" smtClean="0"/>
+              <a:rPr lang="en-US" baseline="0" dirty="0"/>
               <a:t> what other way could we make this grammar LR(1)?</a:t>
             </a:r>
             <a:endParaRPr lang="en-US" dirty="0"/>
@@ -948,12 +944,12 @@
           <a:effectLst/>
           <a:extLst>
             <a:ext uri="{909E8E84-426E-40dd-AFC4-6F175D3DCCD1}">
-              <a14:hiddenFill xmlns:a14="http://schemas.microsoft.com/office/drawing/2010/main" xmlns="">
+              <a14:hiddenFill xmlns="" xmlns:a14="http://schemas.microsoft.com/office/drawing/2010/main">
                 <a:noFill/>
               </a14:hiddenFill>
             </a:ext>
             <a:ext uri="{AF507438-7753-43e0-B8FC-AC1667EBCBE1}">
-              <a14:hiddenEffects xmlns:a14="http://schemas.microsoft.com/office/drawing/2010/main" xmlns="">
+              <a14:hiddenEffects xmlns="" xmlns:a14="http://schemas.microsoft.com/office/drawing/2010/main">
                 <a:effectLst>
                   <a:outerShdw blurRad="63500" dist="38099" dir="2700000" algn="ctr" rotWithShape="0">
                     <a:schemeClr val="bg2">
@@ -999,7 +995,7 @@
           <a:p>
             <a:pPr lvl="0"/>
             <a:r>
-              <a:rPr lang="en-US" noProof="0" smtClean="0"/>
+              <a:rPr lang="en-US" noProof="0"/>
               <a:t>Click to edit Master title style</a:t>
             </a:r>
           </a:p>
@@ -1033,7 +1029,7 @@
           <a:p>
             <a:pPr lvl="0"/>
             <a:r>
-              <a:rPr lang="en-US" noProof="0" smtClean="0"/>
+              <a:rPr lang="en-US" noProof="0"/>
               <a:t>Click to edit Master subtitle style</a:t>
             </a:r>
           </a:p>
@@ -1154,7 +1150,7 @@
             <a:effectLst/>
             <a:extLst>
               <a:ext uri="{91240B29-F687-4f45-9708-019B960494DF}">
-                <a14:hiddenLine xmlns:a14="http://schemas.microsoft.com/office/drawing/2010/main" xmlns="" w="9525">
+                <a14:hiddenLine xmlns="" xmlns:a14="http://schemas.microsoft.com/office/drawing/2010/main" w="9525">
                   <a:solidFill>
                     <a:schemeClr val="tx1"/>
                   </a:solidFill>
@@ -1164,7 +1160,7 @@
                 </a14:hiddenLine>
               </a:ext>
               <a:ext uri="{AF507438-7753-43e0-B8FC-AC1667EBCBE1}">
-                <a14:hiddenEffects xmlns:a14="http://schemas.microsoft.com/office/drawing/2010/main" xmlns="">
+                <a14:hiddenEffects xmlns="" xmlns:a14="http://schemas.microsoft.com/office/drawing/2010/main">
                   <a:effectLst>
                     <a:outerShdw blurRad="63500" dist="38099" dir="2700000" algn="ctr" rotWithShape="0">
                       <a:schemeClr val="bg2">
@@ -1209,7 +1205,7 @@
             <a:effectLst/>
             <a:extLst>
               <a:ext uri="{91240B29-F687-4f45-9708-019B960494DF}">
-                <a14:hiddenLine xmlns:a14="http://schemas.microsoft.com/office/drawing/2010/main" xmlns="" w="9525">
+                <a14:hiddenLine xmlns="" xmlns:a14="http://schemas.microsoft.com/office/drawing/2010/main" w="9525">
                   <a:solidFill>
                     <a:schemeClr val="tx1"/>
                   </a:solidFill>
@@ -1219,7 +1215,7 @@
                 </a14:hiddenLine>
               </a:ext>
               <a:ext uri="{AF507438-7753-43e0-B8FC-AC1667EBCBE1}">
-                <a14:hiddenEffects xmlns:a14="http://schemas.microsoft.com/office/drawing/2010/main" xmlns="">
+                <a14:hiddenEffects xmlns="" xmlns:a14="http://schemas.microsoft.com/office/drawing/2010/main">
                   <a:effectLst>
                     <a:outerShdw blurRad="63500" dist="38099" dir="2700000" algn="ctr" rotWithShape="0">
                       <a:schemeClr val="bg2">
@@ -1264,7 +1260,7 @@
             <a:effectLst/>
             <a:extLst>
               <a:ext uri="{91240B29-F687-4f45-9708-019B960494DF}">
-                <a14:hiddenLine xmlns:a14="http://schemas.microsoft.com/office/drawing/2010/main" xmlns="" w="9525">
+                <a14:hiddenLine xmlns="" xmlns:a14="http://schemas.microsoft.com/office/drawing/2010/main" w="9525">
                   <a:solidFill>
                     <a:schemeClr val="tx1"/>
                   </a:solidFill>
@@ -1274,7 +1270,7 @@
                 </a14:hiddenLine>
               </a:ext>
               <a:ext uri="{AF507438-7753-43e0-B8FC-AC1667EBCBE1}">
-                <a14:hiddenEffects xmlns:a14="http://schemas.microsoft.com/office/drawing/2010/main" xmlns="">
+                <a14:hiddenEffects xmlns="" xmlns:a14="http://schemas.microsoft.com/office/drawing/2010/main">
                   <a:effectLst>
                     <a:outerShdw blurRad="63500" dist="38099" dir="2700000" algn="ctr" rotWithShape="0">
                       <a:schemeClr val="bg2">
@@ -1319,7 +1315,7 @@
             <a:effectLst/>
             <a:extLst>
               <a:ext uri="{91240B29-F687-4f45-9708-019B960494DF}">
-                <a14:hiddenLine xmlns:a14="http://schemas.microsoft.com/office/drawing/2010/main" xmlns="" w="9525">
+                <a14:hiddenLine xmlns="" xmlns:a14="http://schemas.microsoft.com/office/drawing/2010/main" w="9525">
                   <a:solidFill>
                     <a:schemeClr val="tx1"/>
                   </a:solidFill>
@@ -1329,7 +1325,7 @@
                 </a14:hiddenLine>
               </a:ext>
               <a:ext uri="{AF507438-7753-43e0-B8FC-AC1667EBCBE1}">
-                <a14:hiddenEffects xmlns:a14="http://schemas.microsoft.com/office/drawing/2010/main" xmlns="">
+                <a14:hiddenEffects xmlns="" xmlns:a14="http://schemas.microsoft.com/office/drawing/2010/main">
                   <a:effectLst>
                     <a:outerShdw blurRad="63500" dist="38099" dir="2700000" algn="ctr" rotWithShape="0">
                       <a:schemeClr val="bg2">
@@ -1374,7 +1370,7 @@
             <a:effectLst/>
             <a:extLst>
               <a:ext uri="{91240B29-F687-4f45-9708-019B960494DF}">
-                <a14:hiddenLine xmlns:a14="http://schemas.microsoft.com/office/drawing/2010/main" xmlns="" w="9525">
+                <a14:hiddenLine xmlns="" xmlns:a14="http://schemas.microsoft.com/office/drawing/2010/main" w="9525">
                   <a:solidFill>
                     <a:schemeClr val="tx1"/>
                   </a:solidFill>
@@ -1384,7 +1380,7 @@
                 </a14:hiddenLine>
               </a:ext>
               <a:ext uri="{AF507438-7753-43e0-B8FC-AC1667EBCBE1}">
-                <a14:hiddenEffects xmlns:a14="http://schemas.microsoft.com/office/drawing/2010/main" xmlns="">
+                <a14:hiddenEffects xmlns="" xmlns:a14="http://schemas.microsoft.com/office/drawing/2010/main">
                   <a:effectLst>
                     <a:outerShdw blurRad="63500" dist="38099" dir="2700000" algn="ctr" rotWithShape="0">
                       <a:schemeClr val="bg2">
@@ -1429,7 +1425,7 @@
             <a:effectLst/>
             <a:extLst>
               <a:ext uri="{91240B29-F687-4f45-9708-019B960494DF}">
-                <a14:hiddenLine xmlns:a14="http://schemas.microsoft.com/office/drawing/2010/main" xmlns="" w="9525">
+                <a14:hiddenLine xmlns="" xmlns:a14="http://schemas.microsoft.com/office/drawing/2010/main" w="9525">
                   <a:solidFill>
                     <a:schemeClr val="tx1"/>
                   </a:solidFill>
@@ -1439,7 +1435,7 @@
                 </a14:hiddenLine>
               </a:ext>
               <a:ext uri="{AF507438-7753-43e0-B8FC-AC1667EBCBE1}">
-                <a14:hiddenEffects xmlns:a14="http://schemas.microsoft.com/office/drawing/2010/main" xmlns="">
+                <a14:hiddenEffects xmlns="" xmlns:a14="http://schemas.microsoft.com/office/drawing/2010/main">
                   <a:effectLst>
                     <a:outerShdw blurRad="63500" dist="38099" dir="2700000" algn="ctr" rotWithShape="0">
                       <a:schemeClr val="bg2">
@@ -1484,7 +1480,7 @@
             <a:effectLst/>
             <a:extLst>
               <a:ext uri="{91240B29-F687-4f45-9708-019B960494DF}">
-                <a14:hiddenLine xmlns:a14="http://schemas.microsoft.com/office/drawing/2010/main" xmlns="" w="9525">
+                <a14:hiddenLine xmlns="" xmlns:a14="http://schemas.microsoft.com/office/drawing/2010/main" w="9525">
                   <a:solidFill>
                     <a:schemeClr val="tx1"/>
                   </a:solidFill>
@@ -1494,7 +1490,7 @@
                 </a14:hiddenLine>
               </a:ext>
               <a:ext uri="{AF507438-7753-43e0-B8FC-AC1667EBCBE1}">
-                <a14:hiddenEffects xmlns:a14="http://schemas.microsoft.com/office/drawing/2010/main" xmlns="">
+                <a14:hiddenEffects xmlns="" xmlns:a14="http://schemas.microsoft.com/office/drawing/2010/main">
                   <a:effectLst>
                     <a:outerShdw blurRad="63500" dist="38099" dir="2700000" algn="ctr" rotWithShape="0">
                       <a:schemeClr val="bg2">
@@ -1539,7 +1535,7 @@
             <a:effectLst/>
             <a:extLst>
               <a:ext uri="{91240B29-F687-4f45-9708-019B960494DF}">
-                <a14:hiddenLine xmlns:a14="http://schemas.microsoft.com/office/drawing/2010/main" xmlns="" w="9525">
+                <a14:hiddenLine xmlns="" xmlns:a14="http://schemas.microsoft.com/office/drawing/2010/main" w="9525">
                   <a:solidFill>
                     <a:schemeClr val="tx1"/>
                   </a:solidFill>
@@ -1549,7 +1545,7 @@
                 </a14:hiddenLine>
               </a:ext>
               <a:ext uri="{AF507438-7753-43e0-B8FC-AC1667EBCBE1}">
-                <a14:hiddenEffects xmlns:a14="http://schemas.microsoft.com/office/drawing/2010/main" xmlns="">
+                <a14:hiddenEffects xmlns="" xmlns:a14="http://schemas.microsoft.com/office/drawing/2010/main">
                   <a:effectLst>
                     <a:outerShdw blurRad="63500" dist="38099" dir="2700000" algn="ctr" rotWithShape="0">
                       <a:schemeClr val="bg2">
@@ -1594,7 +1590,7 @@
             <a:effectLst/>
             <a:extLst>
               <a:ext uri="{91240B29-F687-4f45-9708-019B960494DF}">
-                <a14:hiddenLine xmlns:a14="http://schemas.microsoft.com/office/drawing/2010/main" xmlns="" w="9525">
+                <a14:hiddenLine xmlns="" xmlns:a14="http://schemas.microsoft.com/office/drawing/2010/main" w="9525">
                   <a:solidFill>
                     <a:schemeClr val="tx1"/>
                   </a:solidFill>
@@ -1604,7 +1600,7 @@
                 </a14:hiddenLine>
               </a:ext>
               <a:ext uri="{AF507438-7753-43e0-B8FC-AC1667EBCBE1}">
-                <a14:hiddenEffects xmlns:a14="http://schemas.microsoft.com/office/drawing/2010/main" xmlns="">
+                <a14:hiddenEffects xmlns="" xmlns:a14="http://schemas.microsoft.com/office/drawing/2010/main">
                   <a:effectLst>
                     <a:outerShdw blurRad="63500" dist="38099" dir="2700000" algn="ctr" rotWithShape="0">
                       <a:schemeClr val="bg2">
@@ -1649,7 +1645,7 @@
             <a:effectLst/>
             <a:extLst>
               <a:ext uri="{91240B29-F687-4f45-9708-019B960494DF}">
-                <a14:hiddenLine xmlns:a14="http://schemas.microsoft.com/office/drawing/2010/main" xmlns="" w="9525">
+                <a14:hiddenLine xmlns="" xmlns:a14="http://schemas.microsoft.com/office/drawing/2010/main" w="9525">
                   <a:solidFill>
                     <a:schemeClr val="tx1"/>
                   </a:solidFill>
@@ -1659,7 +1655,7 @@
                 </a14:hiddenLine>
               </a:ext>
               <a:ext uri="{AF507438-7753-43e0-B8FC-AC1667EBCBE1}">
-                <a14:hiddenEffects xmlns:a14="http://schemas.microsoft.com/office/drawing/2010/main" xmlns="">
+                <a14:hiddenEffects xmlns="" xmlns:a14="http://schemas.microsoft.com/office/drawing/2010/main">
                   <a:effectLst>
                     <a:outerShdw blurRad="63500" dist="38099" dir="2700000" algn="ctr" rotWithShape="0">
                       <a:schemeClr val="bg2">
@@ -1704,7 +1700,7 @@
             <a:effectLst/>
             <a:extLst>
               <a:ext uri="{91240B29-F687-4f45-9708-019B960494DF}">
-                <a14:hiddenLine xmlns:a14="http://schemas.microsoft.com/office/drawing/2010/main" xmlns="" w="9525">
+                <a14:hiddenLine xmlns="" xmlns:a14="http://schemas.microsoft.com/office/drawing/2010/main" w="9525">
                   <a:solidFill>
                     <a:schemeClr val="tx1"/>
                   </a:solidFill>
@@ -1714,7 +1710,7 @@
                 </a14:hiddenLine>
               </a:ext>
               <a:ext uri="{AF507438-7753-43e0-B8FC-AC1667EBCBE1}">
-                <a14:hiddenEffects xmlns:a14="http://schemas.microsoft.com/office/drawing/2010/main" xmlns="">
+                <a14:hiddenEffects xmlns="" xmlns:a14="http://schemas.microsoft.com/office/drawing/2010/main">
                   <a:effectLst>
                     <a:outerShdw blurRad="63500" dist="38099" dir="2700000" algn="ctr" rotWithShape="0">
                       <a:schemeClr val="bg2">
@@ -1759,7 +1755,7 @@
             <a:effectLst/>
             <a:extLst>
               <a:ext uri="{91240B29-F687-4f45-9708-019B960494DF}">
-                <a14:hiddenLine xmlns:a14="http://schemas.microsoft.com/office/drawing/2010/main" xmlns="" w="9525">
+                <a14:hiddenLine xmlns="" xmlns:a14="http://schemas.microsoft.com/office/drawing/2010/main" w="9525">
                   <a:solidFill>
                     <a:schemeClr val="tx1"/>
                   </a:solidFill>
@@ -1769,7 +1765,7 @@
                 </a14:hiddenLine>
               </a:ext>
               <a:ext uri="{AF507438-7753-43e0-B8FC-AC1667EBCBE1}">
-                <a14:hiddenEffects xmlns:a14="http://schemas.microsoft.com/office/drawing/2010/main" xmlns="">
+                <a14:hiddenEffects xmlns="" xmlns:a14="http://schemas.microsoft.com/office/drawing/2010/main">
                   <a:effectLst>
                     <a:outerShdw blurRad="63500" dist="38099" dir="2700000" algn="ctr" rotWithShape="0">
                       <a:schemeClr val="bg2">
@@ -1814,7 +1810,7 @@
             <a:effectLst/>
             <a:extLst>
               <a:ext uri="{91240B29-F687-4f45-9708-019B960494DF}">
-                <a14:hiddenLine xmlns:a14="http://schemas.microsoft.com/office/drawing/2010/main" xmlns="" w="9525">
+                <a14:hiddenLine xmlns="" xmlns:a14="http://schemas.microsoft.com/office/drawing/2010/main" w="9525">
                   <a:solidFill>
                     <a:schemeClr val="tx1"/>
                   </a:solidFill>
@@ -1824,7 +1820,7 @@
                 </a14:hiddenLine>
               </a:ext>
               <a:ext uri="{AF507438-7753-43e0-B8FC-AC1667EBCBE1}">
-                <a14:hiddenEffects xmlns:a14="http://schemas.microsoft.com/office/drawing/2010/main" xmlns="">
+                <a14:hiddenEffects xmlns="" xmlns:a14="http://schemas.microsoft.com/office/drawing/2010/main">
                   <a:effectLst>
                     <a:outerShdw blurRad="63500" dist="38099" dir="2700000" algn="ctr" rotWithShape="0">
                       <a:schemeClr val="bg2">
@@ -1869,7 +1865,7 @@
             <a:effectLst/>
             <a:extLst>
               <a:ext uri="{91240B29-F687-4f45-9708-019B960494DF}">
-                <a14:hiddenLine xmlns:a14="http://schemas.microsoft.com/office/drawing/2010/main" xmlns="" w="9525">
+                <a14:hiddenLine xmlns="" xmlns:a14="http://schemas.microsoft.com/office/drawing/2010/main" w="9525">
                   <a:solidFill>
                     <a:schemeClr val="tx1"/>
                   </a:solidFill>
@@ -1879,7 +1875,7 @@
                 </a14:hiddenLine>
               </a:ext>
               <a:ext uri="{AF507438-7753-43e0-B8FC-AC1667EBCBE1}">
-                <a14:hiddenEffects xmlns:a14="http://schemas.microsoft.com/office/drawing/2010/main" xmlns="">
+                <a14:hiddenEffects xmlns="" xmlns:a14="http://schemas.microsoft.com/office/drawing/2010/main">
                   <a:effectLst>
                     <a:outerShdw blurRad="63500" dist="38099" dir="2700000" algn="ctr" rotWithShape="0">
                       <a:schemeClr val="bg2">
@@ -1924,7 +1920,7 @@
             <a:effectLst/>
             <a:extLst>
               <a:ext uri="{91240B29-F687-4f45-9708-019B960494DF}">
-                <a14:hiddenLine xmlns:a14="http://schemas.microsoft.com/office/drawing/2010/main" xmlns="" w="9525">
+                <a14:hiddenLine xmlns="" xmlns:a14="http://schemas.microsoft.com/office/drawing/2010/main" w="9525">
                   <a:solidFill>
                     <a:schemeClr val="tx1"/>
                   </a:solidFill>
@@ -1934,7 +1930,7 @@
                 </a14:hiddenLine>
               </a:ext>
               <a:ext uri="{AF507438-7753-43e0-B8FC-AC1667EBCBE1}">
-                <a14:hiddenEffects xmlns:a14="http://schemas.microsoft.com/office/drawing/2010/main" xmlns="">
+                <a14:hiddenEffects xmlns="" xmlns:a14="http://schemas.microsoft.com/office/drawing/2010/main">
                   <a:effectLst>
                     <a:outerShdw blurRad="63500" dist="38099" dir="2700000" algn="ctr" rotWithShape="0">
                       <a:schemeClr val="bg2">
@@ -1979,7 +1975,7 @@
             <a:effectLst/>
             <a:extLst>
               <a:ext uri="{91240B29-F687-4f45-9708-019B960494DF}">
-                <a14:hiddenLine xmlns:a14="http://schemas.microsoft.com/office/drawing/2010/main" xmlns="" w="9525">
+                <a14:hiddenLine xmlns="" xmlns:a14="http://schemas.microsoft.com/office/drawing/2010/main" w="9525">
                   <a:solidFill>
                     <a:schemeClr val="tx1"/>
                   </a:solidFill>
@@ -1989,7 +1985,7 @@
                 </a14:hiddenLine>
               </a:ext>
               <a:ext uri="{AF507438-7753-43e0-B8FC-AC1667EBCBE1}">
-                <a14:hiddenEffects xmlns:a14="http://schemas.microsoft.com/office/drawing/2010/main" xmlns="">
+                <a14:hiddenEffects xmlns="" xmlns:a14="http://schemas.microsoft.com/office/drawing/2010/main">
                   <a:effectLst>
                     <a:outerShdw blurRad="63500" dist="38099" dir="2700000" algn="ctr" rotWithShape="0">
                       <a:schemeClr val="bg2">
@@ -2034,7 +2030,7 @@
             <a:effectLst/>
             <a:extLst>
               <a:ext uri="{91240B29-F687-4f45-9708-019B960494DF}">
-                <a14:hiddenLine xmlns:a14="http://schemas.microsoft.com/office/drawing/2010/main" xmlns="" w="9525">
+                <a14:hiddenLine xmlns="" xmlns:a14="http://schemas.microsoft.com/office/drawing/2010/main" w="9525">
                   <a:solidFill>
                     <a:schemeClr val="tx1"/>
                   </a:solidFill>
@@ -2044,7 +2040,7 @@
                 </a14:hiddenLine>
               </a:ext>
               <a:ext uri="{AF507438-7753-43e0-B8FC-AC1667EBCBE1}">
-                <a14:hiddenEffects xmlns:a14="http://schemas.microsoft.com/office/drawing/2010/main" xmlns="">
+                <a14:hiddenEffects xmlns="" xmlns:a14="http://schemas.microsoft.com/office/drawing/2010/main">
                   <a:effectLst>
                     <a:outerShdw blurRad="63500" dist="38099" dir="2700000" algn="ctr" rotWithShape="0">
                       <a:schemeClr val="bg2">
@@ -2089,7 +2085,7 @@
             <a:effectLst/>
             <a:extLst>
               <a:ext uri="{91240B29-F687-4f45-9708-019B960494DF}">
-                <a14:hiddenLine xmlns:a14="http://schemas.microsoft.com/office/drawing/2010/main" xmlns="" w="9525">
+                <a14:hiddenLine xmlns="" xmlns:a14="http://schemas.microsoft.com/office/drawing/2010/main" w="9525">
                   <a:solidFill>
                     <a:schemeClr val="tx1"/>
                   </a:solidFill>
@@ -2099,7 +2095,7 @@
                 </a14:hiddenLine>
               </a:ext>
               <a:ext uri="{AF507438-7753-43e0-B8FC-AC1667EBCBE1}">
-                <a14:hiddenEffects xmlns:a14="http://schemas.microsoft.com/office/drawing/2010/main" xmlns="">
+                <a14:hiddenEffects xmlns="" xmlns:a14="http://schemas.microsoft.com/office/drawing/2010/main">
                   <a:effectLst>
                     <a:outerShdw blurRad="63500" dist="38099" dir="2700000" algn="ctr" rotWithShape="0">
                       <a:schemeClr val="bg2">
@@ -2144,7 +2140,7 @@
             <a:effectLst/>
             <a:extLst>
               <a:ext uri="{91240B29-F687-4f45-9708-019B960494DF}">
-                <a14:hiddenLine xmlns:a14="http://schemas.microsoft.com/office/drawing/2010/main" xmlns="" w="9525">
+                <a14:hiddenLine xmlns="" xmlns:a14="http://schemas.microsoft.com/office/drawing/2010/main" w="9525">
                   <a:solidFill>
                     <a:schemeClr val="tx1"/>
                   </a:solidFill>
@@ -2154,7 +2150,7 @@
                 </a14:hiddenLine>
               </a:ext>
               <a:ext uri="{AF507438-7753-43e0-B8FC-AC1667EBCBE1}">
-                <a14:hiddenEffects xmlns:a14="http://schemas.microsoft.com/office/drawing/2010/main" xmlns="">
+                <a14:hiddenEffects xmlns="" xmlns:a14="http://schemas.microsoft.com/office/drawing/2010/main">
                   <a:effectLst>
                     <a:outerShdw blurRad="63500" dist="38099" dir="2700000" algn="ctr" rotWithShape="0">
                       <a:schemeClr val="bg2">
@@ -2199,7 +2195,7 @@
             <a:effectLst/>
             <a:extLst>
               <a:ext uri="{91240B29-F687-4f45-9708-019B960494DF}">
-                <a14:hiddenLine xmlns:a14="http://schemas.microsoft.com/office/drawing/2010/main" xmlns="" w="9525">
+                <a14:hiddenLine xmlns="" xmlns:a14="http://schemas.microsoft.com/office/drawing/2010/main" w="9525">
                   <a:solidFill>
                     <a:schemeClr val="tx1"/>
                   </a:solidFill>
@@ -2209,7 +2205,7 @@
                 </a14:hiddenLine>
               </a:ext>
               <a:ext uri="{AF507438-7753-43e0-B8FC-AC1667EBCBE1}">
-                <a14:hiddenEffects xmlns:a14="http://schemas.microsoft.com/office/drawing/2010/main" xmlns="">
+                <a14:hiddenEffects xmlns="" xmlns:a14="http://schemas.microsoft.com/office/drawing/2010/main">
                   <a:effectLst>
                     <a:outerShdw blurRad="63500" dist="38099" dir="2700000" algn="ctr" rotWithShape="0">
                       <a:schemeClr val="bg2">
@@ -2254,7 +2250,7 @@
             <a:effectLst/>
             <a:extLst>
               <a:ext uri="{91240B29-F687-4f45-9708-019B960494DF}">
-                <a14:hiddenLine xmlns:a14="http://schemas.microsoft.com/office/drawing/2010/main" xmlns="" w="9525">
+                <a14:hiddenLine xmlns="" xmlns:a14="http://schemas.microsoft.com/office/drawing/2010/main" w="9525">
                   <a:solidFill>
                     <a:schemeClr val="tx1"/>
                   </a:solidFill>
@@ -2264,7 +2260,7 @@
                 </a14:hiddenLine>
               </a:ext>
               <a:ext uri="{AF507438-7753-43e0-B8FC-AC1667EBCBE1}">
-                <a14:hiddenEffects xmlns:a14="http://schemas.microsoft.com/office/drawing/2010/main" xmlns="">
+                <a14:hiddenEffects xmlns="" xmlns:a14="http://schemas.microsoft.com/office/drawing/2010/main">
                   <a:effectLst>
                     <a:outerShdw blurRad="63500" dist="38099" dir="2700000" algn="ctr" rotWithShape="0">
                       <a:schemeClr val="bg2">
@@ -2309,7 +2305,7 @@
             <a:effectLst/>
             <a:extLst>
               <a:ext uri="{91240B29-F687-4f45-9708-019B960494DF}">
-                <a14:hiddenLine xmlns:a14="http://schemas.microsoft.com/office/drawing/2010/main" xmlns="" w="9525">
+                <a14:hiddenLine xmlns="" xmlns:a14="http://schemas.microsoft.com/office/drawing/2010/main" w="9525">
                   <a:solidFill>
                     <a:schemeClr val="tx1"/>
                   </a:solidFill>
@@ -2319,7 +2315,7 @@
                 </a14:hiddenLine>
               </a:ext>
               <a:ext uri="{AF507438-7753-43e0-B8FC-AC1667EBCBE1}">
-                <a14:hiddenEffects xmlns:a14="http://schemas.microsoft.com/office/drawing/2010/main" xmlns="">
+                <a14:hiddenEffects xmlns="" xmlns:a14="http://schemas.microsoft.com/office/drawing/2010/main">
                   <a:effectLst>
                     <a:outerShdw blurRad="63500" dist="38099" dir="2700000" algn="ctr" rotWithShape="0">
                       <a:schemeClr val="bg2">
@@ -2364,7 +2360,7 @@
             <a:effectLst/>
             <a:extLst>
               <a:ext uri="{91240B29-F687-4f45-9708-019B960494DF}">
-                <a14:hiddenLine xmlns:a14="http://schemas.microsoft.com/office/drawing/2010/main" xmlns="" w="9525">
+                <a14:hiddenLine xmlns="" xmlns:a14="http://schemas.microsoft.com/office/drawing/2010/main" w="9525">
                   <a:solidFill>
                     <a:schemeClr val="tx1"/>
                   </a:solidFill>
@@ -2374,7 +2370,7 @@
                 </a14:hiddenLine>
               </a:ext>
               <a:ext uri="{AF507438-7753-43e0-B8FC-AC1667EBCBE1}">
-                <a14:hiddenEffects xmlns:a14="http://schemas.microsoft.com/office/drawing/2010/main" xmlns="">
+                <a14:hiddenEffects xmlns="" xmlns:a14="http://schemas.microsoft.com/office/drawing/2010/main">
                   <a:effectLst>
                     <a:outerShdw blurRad="63500" dist="38099" dir="2700000" algn="ctr" rotWithShape="0">
                       <a:schemeClr val="bg2">
@@ -2419,7 +2415,7 @@
             <a:effectLst/>
             <a:extLst>
               <a:ext uri="{91240B29-F687-4f45-9708-019B960494DF}">
-                <a14:hiddenLine xmlns:a14="http://schemas.microsoft.com/office/drawing/2010/main" xmlns="" w="9525">
+                <a14:hiddenLine xmlns="" xmlns:a14="http://schemas.microsoft.com/office/drawing/2010/main" w="9525">
                   <a:solidFill>
                     <a:schemeClr val="tx1"/>
                   </a:solidFill>
@@ -2429,7 +2425,7 @@
                 </a14:hiddenLine>
               </a:ext>
               <a:ext uri="{AF507438-7753-43e0-B8FC-AC1667EBCBE1}">
-                <a14:hiddenEffects xmlns:a14="http://schemas.microsoft.com/office/drawing/2010/main" xmlns="">
+                <a14:hiddenEffects xmlns="" xmlns:a14="http://schemas.microsoft.com/office/drawing/2010/main">
                   <a:effectLst>
                     <a:outerShdw blurRad="63500" dist="38099" dir="2700000" algn="ctr" rotWithShape="0">
                       <a:schemeClr val="bg2">
@@ -2474,7 +2470,7 @@
             <a:effectLst/>
             <a:extLst>
               <a:ext uri="{91240B29-F687-4f45-9708-019B960494DF}">
-                <a14:hiddenLine xmlns:a14="http://schemas.microsoft.com/office/drawing/2010/main" xmlns="" w="9525">
+                <a14:hiddenLine xmlns="" xmlns:a14="http://schemas.microsoft.com/office/drawing/2010/main" w="9525">
                   <a:solidFill>
                     <a:schemeClr val="tx1"/>
                   </a:solidFill>
@@ -2484,7 +2480,7 @@
                 </a14:hiddenLine>
               </a:ext>
               <a:ext uri="{AF507438-7753-43e0-B8FC-AC1667EBCBE1}">
-                <a14:hiddenEffects xmlns:a14="http://schemas.microsoft.com/office/drawing/2010/main" xmlns="">
+                <a14:hiddenEffects xmlns="" xmlns:a14="http://schemas.microsoft.com/office/drawing/2010/main">
                   <a:effectLst>
                     <a:outerShdw blurRad="63500" dist="38099" dir="2700000" algn="ctr" rotWithShape="0">
                       <a:schemeClr val="bg2">
@@ -2529,7 +2525,7 @@
             <a:effectLst/>
             <a:extLst>
               <a:ext uri="{91240B29-F687-4f45-9708-019B960494DF}">
-                <a14:hiddenLine xmlns:a14="http://schemas.microsoft.com/office/drawing/2010/main" xmlns="" w="9525">
+                <a14:hiddenLine xmlns="" xmlns:a14="http://schemas.microsoft.com/office/drawing/2010/main" w="9525">
                   <a:solidFill>
                     <a:schemeClr val="tx1"/>
                   </a:solidFill>
@@ -2539,7 +2535,7 @@
                 </a14:hiddenLine>
               </a:ext>
               <a:ext uri="{AF507438-7753-43e0-B8FC-AC1667EBCBE1}">
-                <a14:hiddenEffects xmlns:a14="http://schemas.microsoft.com/office/drawing/2010/main" xmlns="">
+                <a14:hiddenEffects xmlns="" xmlns:a14="http://schemas.microsoft.com/office/drawing/2010/main">
                   <a:effectLst>
                     <a:outerShdw blurRad="63500" dist="38099" dir="2700000" algn="ctr" rotWithShape="0">
                       <a:schemeClr val="bg2">
@@ -2584,7 +2580,7 @@
             <a:effectLst/>
             <a:extLst>
               <a:ext uri="{91240B29-F687-4f45-9708-019B960494DF}">
-                <a14:hiddenLine xmlns:a14="http://schemas.microsoft.com/office/drawing/2010/main" xmlns="" w="9525">
+                <a14:hiddenLine xmlns="" xmlns:a14="http://schemas.microsoft.com/office/drawing/2010/main" w="9525">
                   <a:solidFill>
                     <a:schemeClr val="tx1"/>
                   </a:solidFill>
@@ -2594,7 +2590,7 @@
                 </a14:hiddenLine>
               </a:ext>
               <a:ext uri="{AF507438-7753-43e0-B8FC-AC1667EBCBE1}">
-                <a14:hiddenEffects xmlns:a14="http://schemas.microsoft.com/office/drawing/2010/main" xmlns="">
+                <a14:hiddenEffects xmlns="" xmlns:a14="http://schemas.microsoft.com/office/drawing/2010/main">
                   <a:effectLst>
                     <a:outerShdw blurRad="63500" dist="38099" dir="2700000" algn="ctr" rotWithShape="0">
                       <a:schemeClr val="bg2">
@@ -2639,7 +2635,7 @@
             <a:effectLst/>
             <a:extLst>
               <a:ext uri="{91240B29-F687-4f45-9708-019B960494DF}">
-                <a14:hiddenLine xmlns:a14="http://schemas.microsoft.com/office/drawing/2010/main" xmlns="" w="9525">
+                <a14:hiddenLine xmlns="" xmlns:a14="http://schemas.microsoft.com/office/drawing/2010/main" w="9525">
                   <a:solidFill>
                     <a:schemeClr val="tx1"/>
                   </a:solidFill>
@@ -2649,7 +2645,7 @@
                 </a14:hiddenLine>
               </a:ext>
               <a:ext uri="{AF507438-7753-43e0-B8FC-AC1667EBCBE1}">
-                <a14:hiddenEffects xmlns:a14="http://schemas.microsoft.com/office/drawing/2010/main" xmlns="">
+                <a14:hiddenEffects xmlns="" xmlns:a14="http://schemas.microsoft.com/office/drawing/2010/main">
                   <a:effectLst>
                     <a:outerShdw blurRad="63500" dist="38099" dir="2700000" algn="ctr" rotWithShape="0">
                       <a:schemeClr val="bg2">
@@ -2694,7 +2690,7 @@
             <a:effectLst/>
             <a:extLst>
               <a:ext uri="{91240B29-F687-4f45-9708-019B960494DF}">
-                <a14:hiddenLine xmlns:a14="http://schemas.microsoft.com/office/drawing/2010/main" xmlns="" w="9525">
+                <a14:hiddenLine xmlns="" xmlns:a14="http://schemas.microsoft.com/office/drawing/2010/main" w="9525">
                   <a:solidFill>
                     <a:schemeClr val="tx1"/>
                   </a:solidFill>
@@ -2704,7 +2700,7 @@
                 </a14:hiddenLine>
               </a:ext>
               <a:ext uri="{AF507438-7753-43e0-B8FC-AC1667EBCBE1}">
-                <a14:hiddenEffects xmlns:a14="http://schemas.microsoft.com/office/drawing/2010/main" xmlns="">
+                <a14:hiddenEffects xmlns="" xmlns:a14="http://schemas.microsoft.com/office/drawing/2010/main">
                   <a:effectLst>
                     <a:outerShdw blurRad="63500" dist="38099" dir="2700000" algn="ctr" rotWithShape="0">
                       <a:schemeClr val="bg2">
@@ -2749,7 +2745,7 @@
             <a:effectLst/>
             <a:extLst>
               <a:ext uri="{91240B29-F687-4f45-9708-019B960494DF}">
-                <a14:hiddenLine xmlns:a14="http://schemas.microsoft.com/office/drawing/2010/main" xmlns="" w="9525">
+                <a14:hiddenLine xmlns="" xmlns:a14="http://schemas.microsoft.com/office/drawing/2010/main" w="9525">
                   <a:solidFill>
                     <a:schemeClr val="tx1"/>
                   </a:solidFill>
@@ -2759,7 +2755,7 @@
                 </a14:hiddenLine>
               </a:ext>
               <a:ext uri="{AF507438-7753-43e0-B8FC-AC1667EBCBE1}">
-                <a14:hiddenEffects xmlns:a14="http://schemas.microsoft.com/office/drawing/2010/main" xmlns="">
+                <a14:hiddenEffects xmlns="" xmlns:a14="http://schemas.microsoft.com/office/drawing/2010/main">
                   <a:effectLst>
                     <a:outerShdw blurRad="63500" dist="38099" dir="2700000" algn="ctr" rotWithShape="0">
                       <a:schemeClr val="bg2">
@@ -2804,7 +2800,7 @@
             <a:effectLst/>
             <a:extLst>
               <a:ext uri="{91240B29-F687-4f45-9708-019B960494DF}">
-                <a14:hiddenLine xmlns:a14="http://schemas.microsoft.com/office/drawing/2010/main" xmlns="" w="9525">
+                <a14:hiddenLine xmlns="" xmlns:a14="http://schemas.microsoft.com/office/drawing/2010/main" w="9525">
                   <a:solidFill>
                     <a:schemeClr val="tx1"/>
                   </a:solidFill>
@@ -2814,7 +2810,7 @@
                 </a14:hiddenLine>
               </a:ext>
               <a:ext uri="{AF507438-7753-43e0-B8FC-AC1667EBCBE1}">
-                <a14:hiddenEffects xmlns:a14="http://schemas.microsoft.com/office/drawing/2010/main" xmlns="">
+                <a14:hiddenEffects xmlns="" xmlns:a14="http://schemas.microsoft.com/office/drawing/2010/main">
                   <a:effectLst>
                     <a:outerShdw blurRad="63500" dist="38099" dir="2700000" algn="ctr" rotWithShape="0">
                       <a:schemeClr val="bg2">
@@ -2863,12 +2859,12 @@
           <a:effectLst/>
           <a:extLst>
             <a:ext uri="{909E8E84-426E-40dd-AFC4-6F175D3DCCD1}">
-              <a14:hiddenFill xmlns:a14="http://schemas.microsoft.com/office/drawing/2010/main" xmlns="">
+              <a14:hiddenFill xmlns="" xmlns:a14="http://schemas.microsoft.com/office/drawing/2010/main">
                 <a:noFill/>
               </a14:hiddenFill>
             </a:ext>
             <a:ext uri="{AF507438-7753-43e0-B8FC-AC1667EBCBE1}">
-              <a14:hiddenEffects xmlns:a14="http://schemas.microsoft.com/office/drawing/2010/main" xmlns="">
+              <a14:hiddenEffects xmlns="" xmlns:a14="http://schemas.microsoft.com/office/drawing/2010/main">
                 <a:effectLst>
                   <a:outerShdw blurRad="63500" dist="38099" dir="2700000" algn="ctr" rotWithShape="0">
                     <a:schemeClr val="bg2">
@@ -2893,13 +2889,6 @@
   <p:clrMapOvr>
     <a:masterClrMapping/>
   </p:clrMapOvr>
-  <p:timing>
-    <p:tnLst>
-      <p:par>
-        <p:cTn id="1" dur="indefinite" restart="never" nodeType="tmRoot"/>
-      </p:par>
-    </p:tnLst>
-  </p:timing>
 </p:sldLayout>
 </file>
 
@@ -2936,10 +2925,9 @@
           <a:lstStyle/>
           <a:p>
             <a:r>
-              <a:rPr lang="en-US" smtClean="0"/>
+              <a:rPr lang="en-US"/>
               <a:t>Click to edit Master title style</a:t>
             </a:r>
-            <a:endParaRPr lang="en-US"/>
           </a:p>
         </p:txBody>
       </p:sp>
@@ -2960,38 +2948,37 @@
           <a:p>
             <a:pPr lvl="0"/>
             <a:r>
-              <a:rPr lang="en-US" smtClean="0"/>
+              <a:rPr lang="en-US"/>
               <a:t>Click to edit Master text styles</a:t>
             </a:r>
           </a:p>
           <a:p>
             <a:pPr lvl="1"/>
             <a:r>
-              <a:rPr lang="en-US" smtClean="0"/>
+              <a:rPr lang="en-US"/>
               <a:t>Second level</a:t>
             </a:r>
           </a:p>
           <a:p>
             <a:pPr lvl="2"/>
             <a:r>
-              <a:rPr lang="en-US" smtClean="0"/>
+              <a:rPr lang="en-US"/>
               <a:t>Third level</a:t>
             </a:r>
           </a:p>
           <a:p>
             <a:pPr lvl="3"/>
             <a:r>
-              <a:rPr lang="en-US" smtClean="0"/>
+              <a:rPr lang="en-US"/>
               <a:t>Fourth level</a:t>
             </a:r>
           </a:p>
           <a:p>
             <a:pPr lvl="4"/>
             <a:r>
-              <a:rPr lang="en-US" smtClean="0"/>
+              <a:rPr lang="en-US"/>
               <a:t>Fifth level</a:t>
             </a:r>
-            <a:endParaRPr lang="en-US"/>
           </a:p>
         </p:txBody>
       </p:sp>
@@ -3120,10 +3107,9 @@
           <a:lstStyle/>
           <a:p>
             <a:r>
-              <a:rPr lang="en-US" smtClean="0"/>
+              <a:rPr lang="en-US"/>
               <a:t>Click to edit Master title style</a:t>
             </a:r>
-            <a:endParaRPr lang="en-US"/>
           </a:p>
         </p:txBody>
       </p:sp>
@@ -3149,38 +3135,37 @@
           <a:p>
             <a:pPr lvl="0"/>
             <a:r>
-              <a:rPr lang="en-US" smtClean="0"/>
+              <a:rPr lang="en-US"/>
               <a:t>Click to edit Master text styles</a:t>
             </a:r>
           </a:p>
           <a:p>
             <a:pPr lvl="1"/>
             <a:r>
-              <a:rPr lang="en-US" smtClean="0"/>
+              <a:rPr lang="en-US"/>
               <a:t>Second level</a:t>
             </a:r>
           </a:p>
           <a:p>
             <a:pPr lvl="2"/>
             <a:r>
-              <a:rPr lang="en-US" smtClean="0"/>
+              <a:rPr lang="en-US"/>
               <a:t>Third level</a:t>
             </a:r>
           </a:p>
           <a:p>
             <a:pPr lvl="3"/>
             <a:r>
-              <a:rPr lang="en-US" smtClean="0"/>
+              <a:rPr lang="en-US"/>
               <a:t>Fourth level</a:t>
             </a:r>
           </a:p>
           <a:p>
             <a:pPr lvl="4"/>
             <a:r>
-              <a:rPr lang="en-US" smtClean="0"/>
+              <a:rPr lang="en-US"/>
               <a:t>Fifth level</a:t>
             </a:r>
-            <a:endParaRPr lang="en-US"/>
           </a:p>
         </p:txBody>
       </p:sp>
@@ -3304,10 +3289,9 @@
           <a:lstStyle/>
           <a:p>
             <a:r>
-              <a:rPr lang="en-US" smtClean="0"/>
+              <a:rPr lang="en-US"/>
               <a:t>Click to edit Master title style</a:t>
             </a:r>
-            <a:endParaRPr lang="en-US"/>
           </a:p>
         </p:txBody>
       </p:sp>
@@ -3328,38 +3312,37 @@
           <a:p>
             <a:pPr lvl="0"/>
             <a:r>
-              <a:rPr lang="en-US" smtClean="0"/>
+              <a:rPr lang="en-US"/>
               <a:t>Click to edit Master text styles</a:t>
             </a:r>
           </a:p>
           <a:p>
             <a:pPr lvl="1"/>
             <a:r>
-              <a:rPr lang="en-US" smtClean="0"/>
+              <a:rPr lang="en-US"/>
               <a:t>Second level</a:t>
             </a:r>
           </a:p>
           <a:p>
             <a:pPr lvl="2"/>
             <a:r>
-              <a:rPr lang="en-US" smtClean="0"/>
+              <a:rPr lang="en-US"/>
               <a:t>Third level</a:t>
             </a:r>
           </a:p>
           <a:p>
             <a:pPr lvl="3"/>
             <a:r>
-              <a:rPr lang="en-US" smtClean="0"/>
+              <a:rPr lang="en-US"/>
               <a:t>Fourth level</a:t>
             </a:r>
           </a:p>
           <a:p>
             <a:pPr lvl="4"/>
             <a:r>
-              <a:rPr lang="en-US" smtClean="0"/>
+              <a:rPr lang="en-US"/>
               <a:t>Fifth level</a:t>
             </a:r>
-            <a:endParaRPr lang="en-US"/>
           </a:p>
         </p:txBody>
       </p:sp>
@@ -3492,10 +3475,9 @@
           </a:lstStyle>
           <a:p>
             <a:r>
-              <a:rPr lang="en-US" smtClean="0"/>
+              <a:rPr lang="en-US"/>
               <a:t>Click to edit Master title style</a:t>
             </a:r>
-            <a:endParaRPr lang="en-US"/>
           </a:p>
         </p:txBody>
       </p:sp>
@@ -3558,7 +3540,7 @@
           <a:p>
             <a:pPr lvl="0"/>
             <a:r>
-              <a:rPr lang="en-US" smtClean="0"/>
+              <a:rPr lang="en-US"/>
               <a:t>Click to edit Master text styles</a:t>
             </a:r>
           </a:p>
@@ -3684,10 +3666,9 @@
           <a:lstStyle/>
           <a:p>
             <a:r>
-              <a:rPr lang="en-US" smtClean="0"/>
+              <a:rPr lang="en-US"/>
               <a:t>Click to edit Master title style</a:t>
             </a:r>
-            <a:endParaRPr lang="en-US"/>
           </a:p>
         </p:txBody>
       </p:sp>
@@ -3741,38 +3722,37 @@
           <a:p>
             <a:pPr lvl="0"/>
             <a:r>
-              <a:rPr lang="en-US" smtClean="0"/>
+              <a:rPr lang="en-US"/>
               <a:t>Click to edit Master text styles</a:t>
             </a:r>
           </a:p>
           <a:p>
             <a:pPr lvl="1"/>
             <a:r>
-              <a:rPr lang="en-US" smtClean="0"/>
+              <a:rPr lang="en-US"/>
               <a:t>Second level</a:t>
             </a:r>
           </a:p>
           <a:p>
             <a:pPr lvl="2"/>
             <a:r>
-              <a:rPr lang="en-US" smtClean="0"/>
+              <a:rPr lang="en-US"/>
               <a:t>Third level</a:t>
             </a:r>
           </a:p>
           <a:p>
             <a:pPr lvl="3"/>
             <a:r>
-              <a:rPr lang="en-US" smtClean="0"/>
+              <a:rPr lang="en-US"/>
               <a:t>Fourth level</a:t>
             </a:r>
           </a:p>
           <a:p>
             <a:pPr lvl="4"/>
             <a:r>
-              <a:rPr lang="en-US" smtClean="0"/>
+              <a:rPr lang="en-US"/>
               <a:t>Fifth level</a:t>
             </a:r>
-            <a:endParaRPr lang="en-US"/>
           </a:p>
         </p:txBody>
       </p:sp>
@@ -3826,38 +3806,37 @@
           <a:p>
             <a:pPr lvl="0"/>
             <a:r>
-              <a:rPr lang="en-US" smtClean="0"/>
+              <a:rPr lang="en-US"/>
               <a:t>Click to edit Master text styles</a:t>
             </a:r>
           </a:p>
           <a:p>
             <a:pPr lvl="1"/>
             <a:r>
-              <a:rPr lang="en-US" smtClean="0"/>
+              <a:rPr lang="en-US"/>
               <a:t>Second level</a:t>
             </a:r>
           </a:p>
           <a:p>
             <a:pPr lvl="2"/>
             <a:r>
-              <a:rPr lang="en-US" smtClean="0"/>
+              <a:rPr lang="en-US"/>
               <a:t>Third level</a:t>
             </a:r>
           </a:p>
           <a:p>
             <a:pPr lvl="3"/>
             <a:r>
-              <a:rPr lang="en-US" smtClean="0"/>
+              <a:rPr lang="en-US"/>
               <a:t>Fourth level</a:t>
             </a:r>
           </a:p>
           <a:p>
             <a:pPr lvl="4"/>
             <a:r>
-              <a:rPr lang="en-US" smtClean="0"/>
+              <a:rPr lang="en-US"/>
               <a:t>Fifth level</a:t>
             </a:r>
-            <a:endParaRPr lang="en-US"/>
           </a:p>
         </p:txBody>
       </p:sp>
@@ -3990,10 +3969,9 @@
           </a:lstStyle>
           <a:p>
             <a:r>
-              <a:rPr lang="en-US" smtClean="0"/>
+              <a:rPr lang="en-US"/>
               <a:t>Click to edit Master title style</a:t>
             </a:r>
-            <a:endParaRPr lang="en-US"/>
           </a:p>
         </p:txBody>
       </p:sp>
@@ -4056,7 +4034,7 @@
           <a:p>
             <a:pPr lvl="0"/>
             <a:r>
-              <a:rPr lang="en-US" smtClean="0"/>
+              <a:rPr lang="en-US"/>
               <a:t>Click to edit Master text styles</a:t>
             </a:r>
           </a:p>
@@ -4112,38 +4090,37 @@
           <a:p>
             <a:pPr lvl="0"/>
             <a:r>
-              <a:rPr lang="en-US" smtClean="0"/>
+              <a:rPr lang="en-US"/>
               <a:t>Click to edit Master text styles</a:t>
             </a:r>
           </a:p>
           <a:p>
             <a:pPr lvl="1"/>
             <a:r>
-              <a:rPr lang="en-US" smtClean="0"/>
+              <a:rPr lang="en-US"/>
               <a:t>Second level</a:t>
             </a:r>
           </a:p>
           <a:p>
             <a:pPr lvl="2"/>
             <a:r>
-              <a:rPr lang="en-US" smtClean="0"/>
+              <a:rPr lang="en-US"/>
               <a:t>Third level</a:t>
             </a:r>
           </a:p>
           <a:p>
             <a:pPr lvl="3"/>
             <a:r>
-              <a:rPr lang="en-US" smtClean="0"/>
+              <a:rPr lang="en-US"/>
               <a:t>Fourth level</a:t>
             </a:r>
           </a:p>
           <a:p>
             <a:pPr lvl="4"/>
             <a:r>
-              <a:rPr lang="en-US" smtClean="0"/>
+              <a:rPr lang="en-US"/>
               <a:t>Fifth level</a:t>
             </a:r>
-            <a:endParaRPr lang="en-US"/>
           </a:p>
         </p:txBody>
       </p:sp>
@@ -4206,7 +4183,7 @@
           <a:p>
             <a:pPr lvl="0"/>
             <a:r>
-              <a:rPr lang="en-US" smtClean="0"/>
+              <a:rPr lang="en-US"/>
               <a:t>Click to edit Master text styles</a:t>
             </a:r>
           </a:p>
@@ -4262,38 +4239,37 @@
           <a:p>
             <a:pPr lvl="0"/>
             <a:r>
-              <a:rPr lang="en-US" smtClean="0"/>
+              <a:rPr lang="en-US"/>
               <a:t>Click to edit Master text styles</a:t>
             </a:r>
           </a:p>
           <a:p>
             <a:pPr lvl="1"/>
             <a:r>
-              <a:rPr lang="en-US" smtClean="0"/>
+              <a:rPr lang="en-US"/>
               <a:t>Second level</a:t>
             </a:r>
           </a:p>
           <a:p>
             <a:pPr lvl="2"/>
             <a:r>
-              <a:rPr lang="en-US" smtClean="0"/>
+              <a:rPr lang="en-US"/>
               <a:t>Third level</a:t>
             </a:r>
           </a:p>
           <a:p>
             <a:pPr lvl="3"/>
             <a:r>
-              <a:rPr lang="en-US" smtClean="0"/>
+              <a:rPr lang="en-US"/>
               <a:t>Fourth level</a:t>
             </a:r>
           </a:p>
           <a:p>
             <a:pPr lvl="4"/>
             <a:r>
-              <a:rPr lang="en-US" smtClean="0"/>
+              <a:rPr lang="en-US"/>
               <a:t>Fifth level</a:t>
             </a:r>
-            <a:endParaRPr lang="en-US"/>
           </a:p>
         </p:txBody>
       </p:sp>
@@ -4417,10 +4393,9 @@
           <a:lstStyle/>
           <a:p>
             <a:r>
-              <a:rPr lang="en-US" smtClean="0"/>
+              <a:rPr lang="en-US"/>
               <a:t>Click to edit Master title style</a:t>
             </a:r>
-            <a:endParaRPr lang="en-US"/>
           </a:p>
         </p:txBody>
       </p:sp>
@@ -4657,10 +4632,9 @@
           </a:lstStyle>
           <a:p>
             <a:r>
-              <a:rPr lang="en-US" smtClean="0"/>
+              <a:rPr lang="en-US"/>
               <a:t>Click to edit Master title style</a:t>
             </a:r>
-            <a:endParaRPr lang="en-US"/>
           </a:p>
         </p:txBody>
       </p:sp>
@@ -4714,38 +4688,37 @@
           <a:p>
             <a:pPr lvl="0"/>
             <a:r>
-              <a:rPr lang="en-US" smtClean="0"/>
+              <a:rPr lang="en-US"/>
               <a:t>Click to edit Master text styles</a:t>
             </a:r>
           </a:p>
           <a:p>
             <a:pPr lvl="1"/>
             <a:r>
-              <a:rPr lang="en-US" smtClean="0"/>
+              <a:rPr lang="en-US"/>
               <a:t>Second level</a:t>
             </a:r>
           </a:p>
           <a:p>
             <a:pPr lvl="2"/>
             <a:r>
-              <a:rPr lang="en-US" smtClean="0"/>
+              <a:rPr lang="en-US"/>
               <a:t>Third level</a:t>
             </a:r>
           </a:p>
           <a:p>
             <a:pPr lvl="3"/>
             <a:r>
-              <a:rPr lang="en-US" smtClean="0"/>
+              <a:rPr lang="en-US"/>
               <a:t>Fourth level</a:t>
             </a:r>
           </a:p>
           <a:p>
             <a:pPr lvl="4"/>
             <a:r>
-              <a:rPr lang="en-US" smtClean="0"/>
+              <a:rPr lang="en-US"/>
               <a:t>Fifth level</a:t>
             </a:r>
-            <a:endParaRPr lang="en-US"/>
           </a:p>
         </p:txBody>
       </p:sp>
@@ -4808,7 +4781,7 @@
           <a:p>
             <a:pPr lvl="0"/>
             <a:r>
-              <a:rPr lang="en-US" smtClean="0"/>
+              <a:rPr lang="en-US"/>
               <a:t>Click to edit Master text styles</a:t>
             </a:r>
           </a:p>
@@ -4943,10 +4916,9 @@
           </a:lstStyle>
           <a:p>
             <a:r>
-              <a:rPr lang="en-US" smtClean="0"/>
+              <a:rPr lang="en-US"/>
               <a:t>Click to edit Master title style</a:t>
             </a:r>
-            <a:endParaRPr lang="en-US"/>
           </a:p>
         </p:txBody>
       </p:sp>
@@ -5070,7 +5042,7 @@
           <a:p>
             <a:pPr lvl="0"/>
             <a:r>
-              <a:rPr lang="en-US" smtClean="0"/>
+              <a:rPr lang="en-US"/>
               <a:t>Click to edit Master text styles</a:t>
             </a:r>
           </a:p>
@@ -5216,12 +5188,12 @@
           <a:effectLst/>
           <a:extLst>
             <a:ext uri="{909E8E84-426E-40dd-AFC4-6F175D3DCCD1}">
-              <a14:hiddenFill xmlns:a14="http://schemas.microsoft.com/office/drawing/2010/main" xmlns="">
+              <a14:hiddenFill xmlns="" xmlns:a14="http://schemas.microsoft.com/office/drawing/2010/main">
                 <a:noFill/>
               </a14:hiddenFill>
             </a:ext>
             <a:ext uri="{AF507438-7753-43e0-B8FC-AC1667EBCBE1}">
-              <a14:hiddenEffects xmlns:a14="http://schemas.microsoft.com/office/drawing/2010/main" xmlns="">
+              <a14:hiddenEffects xmlns="" xmlns:a14="http://schemas.microsoft.com/office/drawing/2010/main">
                 <a:effectLst>
                   <a:outerShdw blurRad="63500" dist="38099" dir="2700000" algn="ctr" rotWithShape="0">
                     <a:schemeClr val="bg2">
@@ -5266,17 +5238,17 @@
           <a:effectLst/>
           <a:extLst>
             <a:ext uri="{FAA26D3D-D897-4be2-8F04-BA451C77F1D7}">
-              <ma14:placeholderFlag xmlns:ma14="http://schemas.microsoft.com/office/mac/drawingml/2011/main" val="1"/>
+              <ma14:placeholderFlag xmlns:ma14="http://schemas.microsoft.com/office/mac/drawingml/2011/main" xmlns="" val="1"/>
             </a:ext>
             <a:ext uri="{909E8E84-426E-40dd-AFC4-6F175D3DCCD1}">
-              <a14:hiddenFill xmlns:a14="http://schemas.microsoft.com/office/drawing/2010/main" xmlns="">
+              <a14:hiddenFill xmlns="" xmlns:a14="http://schemas.microsoft.com/office/drawing/2010/main">
                 <a:solidFill>
                   <a:schemeClr val="accent1"/>
                 </a:solidFill>
               </a14:hiddenFill>
             </a:ext>
             <a:ext uri="{91240B29-F687-4f45-9708-019B960494DF}">
-              <a14:hiddenLine xmlns:a14="http://schemas.microsoft.com/office/drawing/2010/main" xmlns="" w="9525">
+              <a14:hiddenLine xmlns="" xmlns:a14="http://schemas.microsoft.com/office/drawing/2010/main" w="9525">
                 <a:solidFill>
                   <a:schemeClr val="tx1"/>
                 </a:solidFill>
@@ -5286,7 +5258,7 @@
               </a14:hiddenLine>
             </a:ext>
             <a:ext uri="{AF507438-7753-43e0-B8FC-AC1667EBCBE1}">
-              <a14:hiddenEffects xmlns:a14="http://schemas.microsoft.com/office/drawing/2010/main" xmlns="">
+              <a14:hiddenEffects xmlns="" xmlns:a14="http://schemas.microsoft.com/office/drawing/2010/main">
                 <a:effectLst>
                   <a:outerShdw blurRad="63500" dist="38099" dir="2700000" algn="ctr" rotWithShape="0">
                     <a:schemeClr val="bg2">
@@ -5339,17 +5311,17 @@
           <a:effectLst/>
           <a:extLst>
             <a:ext uri="{FAA26D3D-D897-4be2-8F04-BA451C77F1D7}">
-              <ma14:placeholderFlag xmlns:ma14="http://schemas.microsoft.com/office/mac/drawingml/2011/main" val="1"/>
+              <ma14:placeholderFlag xmlns:ma14="http://schemas.microsoft.com/office/mac/drawingml/2011/main" xmlns="" val="1"/>
             </a:ext>
             <a:ext uri="{909E8E84-426E-40dd-AFC4-6F175D3DCCD1}">
-              <a14:hiddenFill xmlns:a14="http://schemas.microsoft.com/office/drawing/2010/main" xmlns="">
+              <a14:hiddenFill xmlns="" xmlns:a14="http://schemas.microsoft.com/office/drawing/2010/main">
                 <a:solidFill>
                   <a:schemeClr val="accent1"/>
                 </a:solidFill>
               </a14:hiddenFill>
             </a:ext>
             <a:ext uri="{91240B29-F687-4f45-9708-019B960494DF}">
-              <a14:hiddenLine xmlns:a14="http://schemas.microsoft.com/office/drawing/2010/main" xmlns="" w="9525">
+              <a14:hiddenLine xmlns="" xmlns:a14="http://schemas.microsoft.com/office/drawing/2010/main" w="9525">
                 <a:solidFill>
                   <a:schemeClr val="tx1"/>
                 </a:solidFill>
@@ -5359,7 +5331,7 @@
               </a14:hiddenLine>
             </a:ext>
             <a:ext uri="{AF507438-7753-43e0-B8FC-AC1667EBCBE1}">
-              <a14:hiddenEffects xmlns:a14="http://schemas.microsoft.com/office/drawing/2010/main" xmlns="">
+              <a14:hiddenEffects xmlns="" xmlns:a14="http://schemas.microsoft.com/office/drawing/2010/main">
                 <a:effectLst>
                   <a:outerShdw blurRad="63500" dist="38099" dir="2700000" algn="ctr" rotWithShape="0">
                     <a:schemeClr val="bg2">
@@ -5440,17 +5412,17 @@
           <a:effectLst/>
           <a:extLst>
             <a:ext uri="{FAA26D3D-D897-4be2-8F04-BA451C77F1D7}">
-              <ma14:placeholderFlag xmlns:ma14="http://schemas.microsoft.com/office/mac/drawingml/2011/main" val="1"/>
+              <ma14:placeholderFlag xmlns:ma14="http://schemas.microsoft.com/office/mac/drawingml/2011/main" xmlns="" val="1"/>
             </a:ext>
             <a:ext uri="{909E8E84-426E-40dd-AFC4-6F175D3DCCD1}">
-              <a14:hiddenFill xmlns:a14="http://schemas.microsoft.com/office/drawing/2010/main" xmlns="">
+              <a14:hiddenFill xmlns="" xmlns:a14="http://schemas.microsoft.com/office/drawing/2010/main">
                 <a:solidFill>
                   <a:schemeClr val="accent1"/>
                 </a:solidFill>
               </a14:hiddenFill>
             </a:ext>
             <a:ext uri="{91240B29-F687-4f45-9708-019B960494DF}">
-              <a14:hiddenLine xmlns:a14="http://schemas.microsoft.com/office/drawing/2010/main" xmlns="" w="9525">
+              <a14:hiddenLine xmlns="" xmlns:a14="http://schemas.microsoft.com/office/drawing/2010/main" w="9525">
                 <a:solidFill>
                   <a:schemeClr val="tx1"/>
                 </a:solidFill>
@@ -5460,7 +5432,7 @@
               </a14:hiddenLine>
             </a:ext>
             <a:ext uri="{AF507438-7753-43e0-B8FC-AC1667EBCBE1}">
-              <a14:hiddenEffects xmlns:a14="http://schemas.microsoft.com/office/drawing/2010/main" xmlns="">
+              <a14:hiddenEffects xmlns="" xmlns:a14="http://schemas.microsoft.com/office/drawing/2010/main">
                 <a:effectLst>
                   <a:outerShdw blurRad="63500" dist="38099" dir="2700000" algn="ctr" rotWithShape="0">
                     <a:schemeClr val="bg2">
@@ -5513,17 +5485,17 @@
           <a:effectLst/>
           <a:extLst>
             <a:ext uri="{FAA26D3D-D897-4be2-8F04-BA451C77F1D7}">
-              <ma14:placeholderFlag xmlns:ma14="http://schemas.microsoft.com/office/mac/drawingml/2011/main" val="1"/>
+              <ma14:placeholderFlag xmlns:ma14="http://schemas.microsoft.com/office/mac/drawingml/2011/main" xmlns="" val="1"/>
             </a:ext>
             <a:ext uri="{909E8E84-426E-40dd-AFC4-6F175D3DCCD1}">
-              <a14:hiddenFill xmlns:a14="http://schemas.microsoft.com/office/drawing/2010/main" xmlns="">
+              <a14:hiddenFill xmlns="" xmlns:a14="http://schemas.microsoft.com/office/drawing/2010/main">
                 <a:solidFill>
                   <a:schemeClr val="accent1"/>
                 </a:solidFill>
               </a14:hiddenFill>
             </a:ext>
             <a:ext uri="{91240B29-F687-4f45-9708-019B960494DF}">
-              <a14:hiddenLine xmlns:a14="http://schemas.microsoft.com/office/drawing/2010/main" xmlns="" w="9525">
+              <a14:hiddenLine xmlns="" xmlns:a14="http://schemas.microsoft.com/office/drawing/2010/main" w="9525">
                 <a:solidFill>
                   <a:schemeClr val="tx1"/>
                 </a:solidFill>
@@ -5533,7 +5505,7 @@
               </a14:hiddenLine>
             </a:ext>
             <a:ext uri="{AF507438-7753-43e0-B8FC-AC1667EBCBE1}">
-              <a14:hiddenEffects xmlns:a14="http://schemas.microsoft.com/office/drawing/2010/main" xmlns="">
+              <a14:hiddenEffects xmlns="" xmlns:a14="http://schemas.microsoft.com/office/drawing/2010/main">
                 <a:effectLst>
                   <a:outerShdw blurRad="63500" dist="38099" dir="2700000" algn="ctr" rotWithShape="0">
                     <a:schemeClr val="bg2">
@@ -5586,17 +5558,17 @@
           <a:effectLst/>
           <a:extLst>
             <a:ext uri="{FAA26D3D-D897-4be2-8F04-BA451C77F1D7}">
-              <ma14:placeholderFlag xmlns:ma14="http://schemas.microsoft.com/office/mac/drawingml/2011/main" val="1"/>
+              <ma14:placeholderFlag xmlns:ma14="http://schemas.microsoft.com/office/mac/drawingml/2011/main" xmlns="" val="1"/>
             </a:ext>
             <a:ext uri="{909E8E84-426E-40dd-AFC4-6F175D3DCCD1}">
-              <a14:hiddenFill xmlns:a14="http://schemas.microsoft.com/office/drawing/2010/main" xmlns="">
+              <a14:hiddenFill xmlns="" xmlns:a14="http://schemas.microsoft.com/office/drawing/2010/main">
                 <a:solidFill>
                   <a:schemeClr val="accent1"/>
                 </a:solidFill>
               </a14:hiddenFill>
             </a:ext>
             <a:ext uri="{91240B29-F687-4f45-9708-019B960494DF}">
-              <a14:hiddenLine xmlns:a14="http://schemas.microsoft.com/office/drawing/2010/main" xmlns="" w="9525">
+              <a14:hiddenLine xmlns="" xmlns:a14="http://schemas.microsoft.com/office/drawing/2010/main" w="9525">
                 <a:solidFill>
                   <a:schemeClr val="tx1"/>
                 </a:solidFill>
@@ -5606,7 +5578,7 @@
               </a14:hiddenLine>
             </a:ext>
             <a:ext uri="{AF507438-7753-43e0-B8FC-AC1667EBCBE1}">
-              <a14:hiddenEffects xmlns:a14="http://schemas.microsoft.com/office/drawing/2010/main" xmlns="">
+              <a14:hiddenEffects xmlns="" xmlns:a14="http://schemas.microsoft.com/office/drawing/2010/main">
                 <a:effectLst>
                   <a:outerShdw blurRad="63500" dist="38099" dir="2700000" algn="ctr" rotWithShape="0">
                     <a:schemeClr val="bg2">
@@ -5680,7 +5652,7 @@
             <a:effectLst/>
             <a:extLst>
               <a:ext uri="{91240B29-F687-4f45-9708-019B960494DF}">
-                <a14:hiddenLine xmlns:a14="http://schemas.microsoft.com/office/drawing/2010/main" xmlns="" w="9525">
+                <a14:hiddenLine xmlns="" xmlns:a14="http://schemas.microsoft.com/office/drawing/2010/main" w="9525">
                   <a:solidFill>
                     <a:schemeClr val="tx1"/>
                   </a:solidFill>
@@ -5690,7 +5662,7 @@
                 </a14:hiddenLine>
               </a:ext>
               <a:ext uri="{AF507438-7753-43e0-B8FC-AC1667EBCBE1}">
-                <a14:hiddenEffects xmlns:a14="http://schemas.microsoft.com/office/drawing/2010/main" xmlns="">
+                <a14:hiddenEffects xmlns="" xmlns:a14="http://schemas.microsoft.com/office/drawing/2010/main">
                   <a:effectLst>
                     <a:outerShdw blurRad="63500" dist="38099" dir="2700000" algn="ctr" rotWithShape="0">
                       <a:schemeClr val="bg2">
@@ -5735,7 +5707,7 @@
             <a:effectLst/>
             <a:extLst>
               <a:ext uri="{91240B29-F687-4f45-9708-019B960494DF}">
-                <a14:hiddenLine xmlns:a14="http://schemas.microsoft.com/office/drawing/2010/main" xmlns="" w="9525">
+                <a14:hiddenLine xmlns="" xmlns:a14="http://schemas.microsoft.com/office/drawing/2010/main" w="9525">
                   <a:solidFill>
                     <a:schemeClr val="tx1"/>
                   </a:solidFill>
@@ -5745,7 +5717,7 @@
                 </a14:hiddenLine>
               </a:ext>
               <a:ext uri="{AF507438-7753-43e0-B8FC-AC1667EBCBE1}">
-                <a14:hiddenEffects xmlns:a14="http://schemas.microsoft.com/office/drawing/2010/main" xmlns="">
+                <a14:hiddenEffects xmlns="" xmlns:a14="http://schemas.microsoft.com/office/drawing/2010/main">
                   <a:effectLst>
                     <a:outerShdw blurRad="63500" dist="38099" dir="2700000" algn="ctr" rotWithShape="0">
                       <a:schemeClr val="bg2">
@@ -5790,7 +5762,7 @@
             <a:effectLst/>
             <a:extLst>
               <a:ext uri="{91240B29-F687-4f45-9708-019B960494DF}">
-                <a14:hiddenLine xmlns:a14="http://schemas.microsoft.com/office/drawing/2010/main" xmlns="" w="9525">
+                <a14:hiddenLine xmlns="" xmlns:a14="http://schemas.microsoft.com/office/drawing/2010/main" w="9525">
                   <a:solidFill>
                     <a:schemeClr val="tx1"/>
                   </a:solidFill>
@@ -5800,7 +5772,7 @@
                 </a14:hiddenLine>
               </a:ext>
               <a:ext uri="{AF507438-7753-43e0-B8FC-AC1667EBCBE1}">
-                <a14:hiddenEffects xmlns:a14="http://schemas.microsoft.com/office/drawing/2010/main" xmlns="">
+                <a14:hiddenEffects xmlns="" xmlns:a14="http://schemas.microsoft.com/office/drawing/2010/main">
                   <a:effectLst>
                     <a:outerShdw blurRad="63500" dist="38099" dir="2700000" algn="ctr" rotWithShape="0">
                       <a:schemeClr val="bg2">
@@ -5845,7 +5817,7 @@
             <a:effectLst/>
             <a:extLst>
               <a:ext uri="{91240B29-F687-4f45-9708-019B960494DF}">
-                <a14:hiddenLine xmlns:a14="http://schemas.microsoft.com/office/drawing/2010/main" xmlns="" w="9525">
+                <a14:hiddenLine xmlns="" xmlns:a14="http://schemas.microsoft.com/office/drawing/2010/main" w="9525">
                   <a:solidFill>
                     <a:schemeClr val="tx1"/>
                   </a:solidFill>
@@ -5855,7 +5827,7 @@
                 </a14:hiddenLine>
               </a:ext>
               <a:ext uri="{AF507438-7753-43e0-B8FC-AC1667EBCBE1}">
-                <a14:hiddenEffects xmlns:a14="http://schemas.microsoft.com/office/drawing/2010/main" xmlns="">
+                <a14:hiddenEffects xmlns="" xmlns:a14="http://schemas.microsoft.com/office/drawing/2010/main">
                   <a:effectLst>
                     <a:outerShdw blurRad="63500" dist="38099" dir="2700000" algn="ctr" rotWithShape="0">
                       <a:schemeClr val="bg2">
@@ -5900,7 +5872,7 @@
             <a:effectLst/>
             <a:extLst>
               <a:ext uri="{91240B29-F687-4f45-9708-019B960494DF}">
-                <a14:hiddenLine xmlns:a14="http://schemas.microsoft.com/office/drawing/2010/main" xmlns="" w="9525">
+                <a14:hiddenLine xmlns="" xmlns:a14="http://schemas.microsoft.com/office/drawing/2010/main" w="9525">
                   <a:solidFill>
                     <a:schemeClr val="tx1"/>
                   </a:solidFill>
@@ -5910,7 +5882,7 @@
                 </a14:hiddenLine>
               </a:ext>
               <a:ext uri="{AF507438-7753-43e0-B8FC-AC1667EBCBE1}">
-                <a14:hiddenEffects xmlns:a14="http://schemas.microsoft.com/office/drawing/2010/main" xmlns="">
+                <a14:hiddenEffects xmlns="" xmlns:a14="http://schemas.microsoft.com/office/drawing/2010/main">
                   <a:effectLst>
                     <a:outerShdw blurRad="63500" dist="38099" dir="2700000" algn="ctr" rotWithShape="0">
                       <a:schemeClr val="bg2">
@@ -5955,7 +5927,7 @@
             <a:effectLst/>
             <a:extLst>
               <a:ext uri="{91240B29-F687-4f45-9708-019B960494DF}">
-                <a14:hiddenLine xmlns:a14="http://schemas.microsoft.com/office/drawing/2010/main" xmlns="" w="9525">
+                <a14:hiddenLine xmlns="" xmlns:a14="http://schemas.microsoft.com/office/drawing/2010/main" w="9525">
                   <a:solidFill>
                     <a:schemeClr val="tx1"/>
                   </a:solidFill>
@@ -5965,7 +5937,7 @@
                 </a14:hiddenLine>
               </a:ext>
               <a:ext uri="{AF507438-7753-43e0-B8FC-AC1667EBCBE1}">
-                <a14:hiddenEffects xmlns:a14="http://schemas.microsoft.com/office/drawing/2010/main" xmlns="">
+                <a14:hiddenEffects xmlns="" xmlns:a14="http://schemas.microsoft.com/office/drawing/2010/main">
                   <a:effectLst>
                     <a:outerShdw blurRad="63500" dist="38099" dir="2700000" algn="ctr" rotWithShape="0">
                       <a:schemeClr val="bg2">
@@ -6010,7 +5982,7 @@
             <a:effectLst/>
             <a:extLst>
               <a:ext uri="{91240B29-F687-4f45-9708-019B960494DF}">
-                <a14:hiddenLine xmlns:a14="http://schemas.microsoft.com/office/drawing/2010/main" xmlns="" w="9525">
+                <a14:hiddenLine xmlns="" xmlns:a14="http://schemas.microsoft.com/office/drawing/2010/main" w="9525">
                   <a:solidFill>
                     <a:schemeClr val="tx1"/>
                   </a:solidFill>
@@ -6020,7 +5992,7 @@
                 </a14:hiddenLine>
               </a:ext>
               <a:ext uri="{AF507438-7753-43e0-B8FC-AC1667EBCBE1}">
-                <a14:hiddenEffects xmlns:a14="http://schemas.microsoft.com/office/drawing/2010/main" xmlns="">
+                <a14:hiddenEffects xmlns="" xmlns:a14="http://schemas.microsoft.com/office/drawing/2010/main">
                   <a:effectLst>
                     <a:outerShdw blurRad="63500" dist="38099" dir="2700000" algn="ctr" rotWithShape="0">
                       <a:schemeClr val="bg2">
@@ -6065,7 +6037,7 @@
             <a:effectLst/>
             <a:extLst>
               <a:ext uri="{91240B29-F687-4f45-9708-019B960494DF}">
-                <a14:hiddenLine xmlns:a14="http://schemas.microsoft.com/office/drawing/2010/main" xmlns="" w="9525">
+                <a14:hiddenLine xmlns="" xmlns:a14="http://schemas.microsoft.com/office/drawing/2010/main" w="9525">
                   <a:solidFill>
                     <a:schemeClr val="tx1"/>
                   </a:solidFill>
@@ -6075,7 +6047,7 @@
                 </a14:hiddenLine>
               </a:ext>
               <a:ext uri="{AF507438-7753-43e0-B8FC-AC1667EBCBE1}">
-                <a14:hiddenEffects xmlns:a14="http://schemas.microsoft.com/office/drawing/2010/main" xmlns="">
+                <a14:hiddenEffects xmlns="" xmlns:a14="http://schemas.microsoft.com/office/drawing/2010/main">
                   <a:effectLst>
                     <a:outerShdw blurRad="63500" dist="38099" dir="2700000" algn="ctr" rotWithShape="0">
                       <a:schemeClr val="bg2">
@@ -6120,7 +6092,7 @@
             <a:effectLst/>
             <a:extLst>
               <a:ext uri="{91240B29-F687-4f45-9708-019B960494DF}">
-                <a14:hiddenLine xmlns:a14="http://schemas.microsoft.com/office/drawing/2010/main" xmlns="" w="9525">
+                <a14:hiddenLine xmlns="" xmlns:a14="http://schemas.microsoft.com/office/drawing/2010/main" w="9525">
                   <a:solidFill>
                     <a:schemeClr val="tx1"/>
                   </a:solidFill>
@@ -6130,7 +6102,7 @@
                 </a14:hiddenLine>
               </a:ext>
               <a:ext uri="{AF507438-7753-43e0-B8FC-AC1667EBCBE1}">
-                <a14:hiddenEffects xmlns:a14="http://schemas.microsoft.com/office/drawing/2010/main" xmlns="">
+                <a14:hiddenEffects xmlns="" xmlns:a14="http://schemas.microsoft.com/office/drawing/2010/main">
                   <a:effectLst>
                     <a:outerShdw blurRad="63500" dist="38099" dir="2700000" algn="ctr" rotWithShape="0">
                       <a:schemeClr val="bg2">
@@ -6175,7 +6147,7 @@
             <a:effectLst/>
             <a:extLst>
               <a:ext uri="{91240B29-F687-4f45-9708-019B960494DF}">
-                <a14:hiddenLine xmlns:a14="http://schemas.microsoft.com/office/drawing/2010/main" xmlns="" w="9525">
+                <a14:hiddenLine xmlns="" xmlns:a14="http://schemas.microsoft.com/office/drawing/2010/main" w="9525">
                   <a:solidFill>
                     <a:schemeClr val="tx1"/>
                   </a:solidFill>
@@ -6185,7 +6157,7 @@
                 </a14:hiddenLine>
               </a:ext>
               <a:ext uri="{AF507438-7753-43e0-B8FC-AC1667EBCBE1}">
-                <a14:hiddenEffects xmlns:a14="http://schemas.microsoft.com/office/drawing/2010/main" xmlns="">
+                <a14:hiddenEffects xmlns="" xmlns:a14="http://schemas.microsoft.com/office/drawing/2010/main">
                   <a:effectLst>
                     <a:outerShdw blurRad="63500" dist="38099" dir="2700000" algn="ctr" rotWithShape="0">
                       <a:schemeClr val="bg2">
@@ -6230,7 +6202,7 @@
             <a:effectLst/>
             <a:extLst>
               <a:ext uri="{91240B29-F687-4f45-9708-019B960494DF}">
-                <a14:hiddenLine xmlns:a14="http://schemas.microsoft.com/office/drawing/2010/main" xmlns="" w="9525">
+                <a14:hiddenLine xmlns="" xmlns:a14="http://schemas.microsoft.com/office/drawing/2010/main" w="9525">
                   <a:solidFill>
                     <a:schemeClr val="tx1"/>
                   </a:solidFill>
@@ -6240,7 +6212,7 @@
                 </a14:hiddenLine>
               </a:ext>
               <a:ext uri="{AF507438-7753-43e0-B8FC-AC1667EBCBE1}">
-                <a14:hiddenEffects xmlns:a14="http://schemas.microsoft.com/office/drawing/2010/main" xmlns="">
+                <a14:hiddenEffects xmlns="" xmlns:a14="http://schemas.microsoft.com/office/drawing/2010/main">
                   <a:effectLst>
                     <a:outerShdw blurRad="63500" dist="38099" dir="2700000" algn="ctr" rotWithShape="0">
                       <a:schemeClr val="bg2">
@@ -6285,7 +6257,7 @@
             <a:effectLst/>
             <a:extLst>
               <a:ext uri="{91240B29-F687-4f45-9708-019B960494DF}">
-                <a14:hiddenLine xmlns:a14="http://schemas.microsoft.com/office/drawing/2010/main" xmlns="" w="9525">
+                <a14:hiddenLine xmlns="" xmlns:a14="http://schemas.microsoft.com/office/drawing/2010/main" w="9525">
                   <a:solidFill>
                     <a:schemeClr val="tx1"/>
                   </a:solidFill>
@@ -6295,7 +6267,7 @@
                 </a14:hiddenLine>
               </a:ext>
               <a:ext uri="{AF507438-7753-43e0-B8FC-AC1667EBCBE1}">
-                <a14:hiddenEffects xmlns:a14="http://schemas.microsoft.com/office/drawing/2010/main" xmlns="">
+                <a14:hiddenEffects xmlns="" xmlns:a14="http://schemas.microsoft.com/office/drawing/2010/main">
                   <a:effectLst>
                     <a:outerShdw blurRad="63500" dist="38099" dir="2700000" algn="ctr" rotWithShape="0">
                       <a:schemeClr val="bg2">
@@ -6340,7 +6312,7 @@
             <a:effectLst/>
             <a:extLst>
               <a:ext uri="{91240B29-F687-4f45-9708-019B960494DF}">
-                <a14:hiddenLine xmlns:a14="http://schemas.microsoft.com/office/drawing/2010/main" xmlns="" w="9525">
+                <a14:hiddenLine xmlns="" xmlns:a14="http://schemas.microsoft.com/office/drawing/2010/main" w="9525">
                   <a:solidFill>
                     <a:schemeClr val="tx1"/>
                   </a:solidFill>
@@ -6350,7 +6322,7 @@
                 </a14:hiddenLine>
               </a:ext>
               <a:ext uri="{AF507438-7753-43e0-B8FC-AC1667EBCBE1}">
-                <a14:hiddenEffects xmlns:a14="http://schemas.microsoft.com/office/drawing/2010/main" xmlns="">
+                <a14:hiddenEffects xmlns="" xmlns:a14="http://schemas.microsoft.com/office/drawing/2010/main">
                   <a:effectLst>
                     <a:outerShdw blurRad="63500" dist="38099" dir="2700000" algn="ctr" rotWithShape="0">
                       <a:schemeClr val="bg2">
@@ -6395,7 +6367,7 @@
             <a:effectLst/>
             <a:extLst>
               <a:ext uri="{91240B29-F687-4f45-9708-019B960494DF}">
-                <a14:hiddenLine xmlns:a14="http://schemas.microsoft.com/office/drawing/2010/main" xmlns="" w="9525">
+                <a14:hiddenLine xmlns="" xmlns:a14="http://schemas.microsoft.com/office/drawing/2010/main" w="9525">
                   <a:solidFill>
                     <a:schemeClr val="tx1"/>
                   </a:solidFill>
@@ -6405,7 +6377,7 @@
                 </a14:hiddenLine>
               </a:ext>
               <a:ext uri="{AF507438-7753-43e0-B8FC-AC1667EBCBE1}">
-                <a14:hiddenEffects xmlns:a14="http://schemas.microsoft.com/office/drawing/2010/main" xmlns="">
+                <a14:hiddenEffects xmlns="" xmlns:a14="http://schemas.microsoft.com/office/drawing/2010/main">
                   <a:effectLst>
                     <a:outerShdw blurRad="63500" dist="38099" dir="2700000" algn="ctr" rotWithShape="0">
                       <a:schemeClr val="bg2">
@@ -6450,7 +6422,7 @@
             <a:effectLst/>
             <a:extLst>
               <a:ext uri="{91240B29-F687-4f45-9708-019B960494DF}">
-                <a14:hiddenLine xmlns:a14="http://schemas.microsoft.com/office/drawing/2010/main" xmlns="" w="9525">
+                <a14:hiddenLine xmlns="" xmlns:a14="http://schemas.microsoft.com/office/drawing/2010/main" w="9525">
                   <a:solidFill>
                     <a:schemeClr val="tx1"/>
                   </a:solidFill>
@@ -6460,7 +6432,7 @@
                 </a14:hiddenLine>
               </a:ext>
               <a:ext uri="{AF507438-7753-43e0-B8FC-AC1667EBCBE1}">
-                <a14:hiddenEffects xmlns:a14="http://schemas.microsoft.com/office/drawing/2010/main" xmlns="">
+                <a14:hiddenEffects xmlns="" xmlns:a14="http://schemas.microsoft.com/office/drawing/2010/main">
                   <a:effectLst>
                     <a:outerShdw blurRad="63500" dist="38099" dir="2700000" algn="ctr" rotWithShape="0">
                       <a:schemeClr val="bg2">
@@ -6505,7 +6477,7 @@
             <a:effectLst/>
             <a:extLst>
               <a:ext uri="{91240B29-F687-4f45-9708-019B960494DF}">
-                <a14:hiddenLine xmlns:a14="http://schemas.microsoft.com/office/drawing/2010/main" xmlns="" w="9525">
+                <a14:hiddenLine xmlns="" xmlns:a14="http://schemas.microsoft.com/office/drawing/2010/main" w="9525">
                   <a:solidFill>
                     <a:schemeClr val="tx1"/>
                   </a:solidFill>
@@ -6515,7 +6487,7 @@
                 </a14:hiddenLine>
               </a:ext>
               <a:ext uri="{AF507438-7753-43e0-B8FC-AC1667EBCBE1}">
-                <a14:hiddenEffects xmlns:a14="http://schemas.microsoft.com/office/drawing/2010/main" xmlns="">
+                <a14:hiddenEffects xmlns="" xmlns:a14="http://schemas.microsoft.com/office/drawing/2010/main">
                   <a:effectLst>
                     <a:outerShdw blurRad="63500" dist="38099" dir="2700000" algn="ctr" rotWithShape="0">
                       <a:schemeClr val="bg2">
@@ -6560,7 +6532,7 @@
             <a:effectLst/>
             <a:extLst>
               <a:ext uri="{91240B29-F687-4f45-9708-019B960494DF}">
-                <a14:hiddenLine xmlns:a14="http://schemas.microsoft.com/office/drawing/2010/main" xmlns="" w="9525">
+                <a14:hiddenLine xmlns="" xmlns:a14="http://schemas.microsoft.com/office/drawing/2010/main" w="9525">
                   <a:solidFill>
                     <a:schemeClr val="tx1"/>
                   </a:solidFill>
@@ -6570,7 +6542,7 @@
                 </a14:hiddenLine>
               </a:ext>
               <a:ext uri="{AF507438-7753-43e0-B8FC-AC1667EBCBE1}">
-                <a14:hiddenEffects xmlns:a14="http://schemas.microsoft.com/office/drawing/2010/main" xmlns="">
+                <a14:hiddenEffects xmlns="" xmlns:a14="http://schemas.microsoft.com/office/drawing/2010/main">
                   <a:effectLst>
                     <a:outerShdw blurRad="63500" dist="38099" dir="2700000" algn="ctr" rotWithShape="0">
                       <a:schemeClr val="bg2">
@@ -6615,7 +6587,7 @@
             <a:effectLst/>
             <a:extLst>
               <a:ext uri="{91240B29-F687-4f45-9708-019B960494DF}">
-                <a14:hiddenLine xmlns:a14="http://schemas.microsoft.com/office/drawing/2010/main" xmlns="" w="9525">
+                <a14:hiddenLine xmlns="" xmlns:a14="http://schemas.microsoft.com/office/drawing/2010/main" w="9525">
                   <a:solidFill>
                     <a:schemeClr val="tx1"/>
                   </a:solidFill>
@@ -6625,7 +6597,7 @@
                 </a14:hiddenLine>
               </a:ext>
               <a:ext uri="{AF507438-7753-43e0-B8FC-AC1667EBCBE1}">
-                <a14:hiddenEffects xmlns:a14="http://schemas.microsoft.com/office/drawing/2010/main" xmlns="">
+                <a14:hiddenEffects xmlns="" xmlns:a14="http://schemas.microsoft.com/office/drawing/2010/main">
                   <a:effectLst>
                     <a:outerShdw blurRad="63500" dist="38099" dir="2700000" algn="ctr" rotWithShape="0">
                       <a:schemeClr val="bg2">
@@ -6670,7 +6642,7 @@
             <a:effectLst/>
             <a:extLst>
               <a:ext uri="{91240B29-F687-4f45-9708-019B960494DF}">
-                <a14:hiddenLine xmlns:a14="http://schemas.microsoft.com/office/drawing/2010/main" xmlns="" w="9525">
+                <a14:hiddenLine xmlns="" xmlns:a14="http://schemas.microsoft.com/office/drawing/2010/main" w="9525">
                   <a:solidFill>
                     <a:schemeClr val="tx1"/>
                   </a:solidFill>
@@ -6680,7 +6652,7 @@
                 </a14:hiddenLine>
               </a:ext>
               <a:ext uri="{AF507438-7753-43e0-B8FC-AC1667EBCBE1}">
-                <a14:hiddenEffects xmlns:a14="http://schemas.microsoft.com/office/drawing/2010/main" xmlns="">
+                <a14:hiddenEffects xmlns="" xmlns:a14="http://schemas.microsoft.com/office/drawing/2010/main">
                   <a:effectLst>
                     <a:outerShdw blurRad="63500" dist="38099" dir="2700000" algn="ctr" rotWithShape="0">
                       <a:schemeClr val="bg2">
@@ -6725,7 +6697,7 @@
             <a:effectLst/>
             <a:extLst>
               <a:ext uri="{91240B29-F687-4f45-9708-019B960494DF}">
-                <a14:hiddenLine xmlns:a14="http://schemas.microsoft.com/office/drawing/2010/main" xmlns="" w="9525">
+                <a14:hiddenLine xmlns="" xmlns:a14="http://schemas.microsoft.com/office/drawing/2010/main" w="9525">
                   <a:solidFill>
                     <a:schemeClr val="tx1"/>
                   </a:solidFill>
@@ -6735,7 +6707,7 @@
                 </a14:hiddenLine>
               </a:ext>
               <a:ext uri="{AF507438-7753-43e0-B8FC-AC1667EBCBE1}">
-                <a14:hiddenEffects xmlns:a14="http://schemas.microsoft.com/office/drawing/2010/main" xmlns="">
+                <a14:hiddenEffects xmlns="" xmlns:a14="http://schemas.microsoft.com/office/drawing/2010/main">
                   <a:effectLst>
                     <a:outerShdw blurRad="63500" dist="38099" dir="2700000" algn="ctr" rotWithShape="0">
                       <a:schemeClr val="bg2">
@@ -6780,7 +6752,7 @@
             <a:effectLst/>
             <a:extLst>
               <a:ext uri="{91240B29-F687-4f45-9708-019B960494DF}">
-                <a14:hiddenLine xmlns:a14="http://schemas.microsoft.com/office/drawing/2010/main" xmlns="" w="9525">
+                <a14:hiddenLine xmlns="" xmlns:a14="http://schemas.microsoft.com/office/drawing/2010/main" w="9525">
                   <a:solidFill>
                     <a:schemeClr val="tx1"/>
                   </a:solidFill>
@@ -6790,7 +6762,7 @@
                 </a14:hiddenLine>
               </a:ext>
               <a:ext uri="{AF507438-7753-43e0-B8FC-AC1667EBCBE1}">
-                <a14:hiddenEffects xmlns:a14="http://schemas.microsoft.com/office/drawing/2010/main" xmlns="">
+                <a14:hiddenEffects xmlns="" xmlns:a14="http://schemas.microsoft.com/office/drawing/2010/main">
                   <a:effectLst>
                     <a:outerShdw blurRad="63500" dist="38099" dir="2700000" algn="ctr" rotWithShape="0">
                       <a:schemeClr val="bg2">
@@ -6835,7 +6807,7 @@
             <a:effectLst/>
             <a:extLst>
               <a:ext uri="{91240B29-F687-4f45-9708-019B960494DF}">
-                <a14:hiddenLine xmlns:a14="http://schemas.microsoft.com/office/drawing/2010/main" xmlns="" w="9525">
+                <a14:hiddenLine xmlns="" xmlns:a14="http://schemas.microsoft.com/office/drawing/2010/main" w="9525">
                   <a:solidFill>
                     <a:schemeClr val="tx1"/>
                   </a:solidFill>
@@ -6845,7 +6817,7 @@
                 </a14:hiddenLine>
               </a:ext>
               <a:ext uri="{AF507438-7753-43e0-B8FC-AC1667EBCBE1}">
-                <a14:hiddenEffects xmlns:a14="http://schemas.microsoft.com/office/drawing/2010/main" xmlns="">
+                <a14:hiddenEffects xmlns="" xmlns:a14="http://schemas.microsoft.com/office/drawing/2010/main">
                   <a:effectLst>
                     <a:outerShdw blurRad="63500" dist="38099" dir="2700000" algn="ctr" rotWithShape="0">
                       <a:schemeClr val="bg2">
@@ -6890,7 +6862,7 @@
             <a:effectLst/>
             <a:extLst>
               <a:ext uri="{91240B29-F687-4f45-9708-019B960494DF}">
-                <a14:hiddenLine xmlns:a14="http://schemas.microsoft.com/office/drawing/2010/main" xmlns="" w="9525">
+                <a14:hiddenLine xmlns="" xmlns:a14="http://schemas.microsoft.com/office/drawing/2010/main" w="9525">
                   <a:solidFill>
                     <a:schemeClr val="tx1"/>
                   </a:solidFill>
@@ -6900,7 +6872,7 @@
                 </a14:hiddenLine>
               </a:ext>
               <a:ext uri="{AF507438-7753-43e0-B8FC-AC1667EBCBE1}">
-                <a14:hiddenEffects xmlns:a14="http://schemas.microsoft.com/office/drawing/2010/main" xmlns="">
+                <a14:hiddenEffects xmlns="" xmlns:a14="http://schemas.microsoft.com/office/drawing/2010/main">
                   <a:effectLst>
                     <a:outerShdw blurRad="63500" dist="38099" dir="2700000" algn="ctr" rotWithShape="0">
                       <a:schemeClr val="bg2">
@@ -6945,7 +6917,7 @@
             <a:effectLst/>
             <a:extLst>
               <a:ext uri="{91240B29-F687-4f45-9708-019B960494DF}">
-                <a14:hiddenLine xmlns:a14="http://schemas.microsoft.com/office/drawing/2010/main" xmlns="" w="9525">
+                <a14:hiddenLine xmlns="" xmlns:a14="http://schemas.microsoft.com/office/drawing/2010/main" w="9525">
                   <a:solidFill>
                     <a:schemeClr val="tx1"/>
                   </a:solidFill>
@@ -6955,7 +6927,7 @@
                 </a14:hiddenLine>
               </a:ext>
               <a:ext uri="{AF507438-7753-43e0-B8FC-AC1667EBCBE1}">
-                <a14:hiddenEffects xmlns:a14="http://schemas.microsoft.com/office/drawing/2010/main" xmlns="">
+                <a14:hiddenEffects xmlns="" xmlns:a14="http://schemas.microsoft.com/office/drawing/2010/main">
                   <a:effectLst>
                     <a:outerShdw blurRad="63500" dist="38099" dir="2700000" algn="ctr" rotWithShape="0">
                       <a:schemeClr val="bg2">
@@ -7000,7 +6972,7 @@
             <a:effectLst/>
             <a:extLst>
               <a:ext uri="{91240B29-F687-4f45-9708-019B960494DF}">
-                <a14:hiddenLine xmlns:a14="http://schemas.microsoft.com/office/drawing/2010/main" xmlns="" w="9525">
+                <a14:hiddenLine xmlns="" xmlns:a14="http://schemas.microsoft.com/office/drawing/2010/main" w="9525">
                   <a:solidFill>
                     <a:schemeClr val="tx1"/>
                   </a:solidFill>
@@ -7010,7 +6982,7 @@
                 </a14:hiddenLine>
               </a:ext>
               <a:ext uri="{AF507438-7753-43e0-B8FC-AC1667EBCBE1}">
-                <a14:hiddenEffects xmlns:a14="http://schemas.microsoft.com/office/drawing/2010/main" xmlns="">
+                <a14:hiddenEffects xmlns="" xmlns:a14="http://schemas.microsoft.com/office/drawing/2010/main">
                   <a:effectLst>
                     <a:outerShdw blurRad="63500" dist="38099" dir="2700000" algn="ctr" rotWithShape="0">
                       <a:schemeClr val="bg2">
@@ -7055,7 +7027,7 @@
             <a:effectLst/>
             <a:extLst>
               <a:ext uri="{91240B29-F687-4f45-9708-019B960494DF}">
-                <a14:hiddenLine xmlns:a14="http://schemas.microsoft.com/office/drawing/2010/main" xmlns="" w="9525">
+                <a14:hiddenLine xmlns="" xmlns:a14="http://schemas.microsoft.com/office/drawing/2010/main" w="9525">
                   <a:solidFill>
                     <a:schemeClr val="tx1"/>
                   </a:solidFill>
@@ -7065,7 +7037,7 @@
                 </a14:hiddenLine>
               </a:ext>
               <a:ext uri="{AF507438-7753-43e0-B8FC-AC1667EBCBE1}">
-                <a14:hiddenEffects xmlns:a14="http://schemas.microsoft.com/office/drawing/2010/main" xmlns="">
+                <a14:hiddenEffects xmlns="" xmlns:a14="http://schemas.microsoft.com/office/drawing/2010/main">
                   <a:effectLst>
                     <a:outerShdw blurRad="63500" dist="38099" dir="2700000" algn="ctr" rotWithShape="0">
                       <a:schemeClr val="bg2">
@@ -7110,7 +7082,7 @@
             <a:effectLst/>
             <a:extLst>
               <a:ext uri="{91240B29-F687-4f45-9708-019B960494DF}">
-                <a14:hiddenLine xmlns:a14="http://schemas.microsoft.com/office/drawing/2010/main" xmlns="" w="9525">
+                <a14:hiddenLine xmlns="" xmlns:a14="http://schemas.microsoft.com/office/drawing/2010/main" w="9525">
                   <a:solidFill>
                     <a:schemeClr val="tx1"/>
                   </a:solidFill>
@@ -7120,7 +7092,7 @@
                 </a14:hiddenLine>
               </a:ext>
               <a:ext uri="{AF507438-7753-43e0-B8FC-AC1667EBCBE1}">
-                <a14:hiddenEffects xmlns:a14="http://schemas.microsoft.com/office/drawing/2010/main" xmlns="">
+                <a14:hiddenEffects xmlns="" xmlns:a14="http://schemas.microsoft.com/office/drawing/2010/main">
                   <a:effectLst>
                     <a:outerShdw blurRad="63500" dist="38099" dir="2700000" algn="ctr" rotWithShape="0">
                       <a:schemeClr val="bg2">
@@ -7165,7 +7137,7 @@
             <a:effectLst/>
             <a:extLst>
               <a:ext uri="{91240B29-F687-4f45-9708-019B960494DF}">
-                <a14:hiddenLine xmlns:a14="http://schemas.microsoft.com/office/drawing/2010/main" xmlns="" w="9525">
+                <a14:hiddenLine xmlns="" xmlns:a14="http://schemas.microsoft.com/office/drawing/2010/main" w="9525">
                   <a:solidFill>
                     <a:schemeClr val="tx1"/>
                   </a:solidFill>
@@ -7175,7 +7147,7 @@
                 </a14:hiddenLine>
               </a:ext>
               <a:ext uri="{AF507438-7753-43e0-B8FC-AC1667EBCBE1}">
-                <a14:hiddenEffects xmlns:a14="http://schemas.microsoft.com/office/drawing/2010/main" xmlns="">
+                <a14:hiddenEffects xmlns="" xmlns:a14="http://schemas.microsoft.com/office/drawing/2010/main">
                   <a:effectLst>
                     <a:outerShdw blurRad="63500" dist="38099" dir="2700000" algn="ctr" rotWithShape="0">
                       <a:schemeClr val="bg2">
@@ -7220,7 +7192,7 @@
             <a:effectLst/>
             <a:extLst>
               <a:ext uri="{91240B29-F687-4f45-9708-019B960494DF}">
-                <a14:hiddenLine xmlns:a14="http://schemas.microsoft.com/office/drawing/2010/main" xmlns="" w="9525">
+                <a14:hiddenLine xmlns="" xmlns:a14="http://schemas.microsoft.com/office/drawing/2010/main" w="9525">
                   <a:solidFill>
                     <a:schemeClr val="tx1"/>
                   </a:solidFill>
@@ -7230,7 +7202,7 @@
                 </a14:hiddenLine>
               </a:ext>
               <a:ext uri="{AF507438-7753-43e0-B8FC-AC1667EBCBE1}">
-                <a14:hiddenEffects xmlns:a14="http://schemas.microsoft.com/office/drawing/2010/main" xmlns="">
+                <a14:hiddenEffects xmlns="" xmlns:a14="http://schemas.microsoft.com/office/drawing/2010/main">
                   <a:effectLst>
                     <a:outerShdw blurRad="63500" dist="38099" dir="2700000" algn="ctr" rotWithShape="0">
                       <a:schemeClr val="bg2">
@@ -7275,7 +7247,7 @@
             <a:effectLst/>
             <a:extLst>
               <a:ext uri="{91240B29-F687-4f45-9708-019B960494DF}">
-                <a14:hiddenLine xmlns:a14="http://schemas.microsoft.com/office/drawing/2010/main" xmlns="" w="9525">
+                <a14:hiddenLine xmlns="" xmlns:a14="http://schemas.microsoft.com/office/drawing/2010/main" w="9525">
                   <a:solidFill>
                     <a:schemeClr val="tx1"/>
                   </a:solidFill>
@@ -7285,7 +7257,7 @@
                 </a14:hiddenLine>
               </a:ext>
               <a:ext uri="{AF507438-7753-43e0-B8FC-AC1667EBCBE1}">
-                <a14:hiddenEffects xmlns:a14="http://schemas.microsoft.com/office/drawing/2010/main" xmlns="">
+                <a14:hiddenEffects xmlns="" xmlns:a14="http://schemas.microsoft.com/office/drawing/2010/main">
                   <a:effectLst>
                     <a:outerShdw blurRad="63500" dist="38099" dir="2700000" algn="ctr" rotWithShape="0">
                       <a:schemeClr val="bg2">
@@ -7330,7 +7302,7 @@
             <a:effectLst/>
             <a:extLst>
               <a:ext uri="{91240B29-F687-4f45-9708-019B960494DF}">
-                <a14:hiddenLine xmlns:a14="http://schemas.microsoft.com/office/drawing/2010/main" xmlns="" w="9525">
+                <a14:hiddenLine xmlns="" xmlns:a14="http://schemas.microsoft.com/office/drawing/2010/main" w="9525">
                   <a:solidFill>
                     <a:schemeClr val="tx1"/>
                   </a:solidFill>
@@ -7340,7 +7312,7 @@
                 </a14:hiddenLine>
               </a:ext>
               <a:ext uri="{AF507438-7753-43e0-B8FC-AC1667EBCBE1}">
-                <a14:hiddenEffects xmlns:a14="http://schemas.microsoft.com/office/drawing/2010/main" xmlns="">
+                <a14:hiddenEffects xmlns="" xmlns:a14="http://schemas.microsoft.com/office/drawing/2010/main">
                   <a:effectLst>
                     <a:outerShdw blurRad="63500" dist="38099" dir="2700000" algn="ctr" rotWithShape="0">
                       <a:schemeClr val="bg2">
@@ -7377,13 +7349,6 @@
     <p:sldLayoutId id="2147483659" r:id="rId10"/>
     <p:sldLayoutId id="2147483660" r:id="rId11"/>
   </p:sldLayoutIdLst>
-  <p:timing>
-    <p:tnLst>
-      <p:par>
-        <p:cTn id="1" dur="indefinite" restart="never" nodeType="tmRoot"/>
-      </p:par>
-    </p:tnLst>
-  </p:timing>
   <p:txStyles>
     <p:titleStyle>
       <a:lvl1pPr algn="l" rtl="0" fontAlgn="base">
@@ -7847,10 +7812,9 @@
           <a:lstStyle/>
           <a:p>
             <a:r>
-              <a:rPr lang="en-US" dirty="0" smtClean="0"/>
+              <a:rPr lang="en-US" dirty="0"/>
               <a:t>Bottom-Up Parsing – LR(1)</a:t>
             </a:r>
-            <a:endParaRPr lang="en-US" dirty="0"/>
           </a:p>
         </p:txBody>
       </p:sp>
@@ -7872,49 +7836,49 @@
           <a:lstStyle/>
           <a:p>
             <a:r>
-              <a:rPr lang="en-US" sz="2800" dirty="0" smtClean="0"/>
+              <a:rPr lang="en-US" sz="2800" dirty="0"/>
               <a:t>Previously we have studied top-down or LL(1) parsing.</a:t>
             </a:r>
           </a:p>
           <a:p>
             <a:r>
-              <a:rPr lang="en-US" sz="2800" dirty="0" smtClean="0"/>
+              <a:rPr lang="en-US" sz="2800" dirty="0"/>
               <a:t>The idea here was to start with the start symbol and keep expanding it until the whole input was read and matched.</a:t>
             </a:r>
           </a:p>
           <a:p>
             <a:r>
-              <a:rPr lang="en-US" sz="2800" dirty="0" smtClean="0"/>
+              <a:rPr lang="en-US" sz="2800" dirty="0"/>
               <a:t>In bottom-up or LR(1) parsing we do exactly the opposite, we try to match the input to a rule and then keep </a:t>
             </a:r>
             <a:r>
-              <a:rPr lang="en-US" sz="2800" i="1" dirty="0" smtClean="0"/>
+              <a:rPr lang="en-US" sz="2800" i="1" dirty="0"/>
               <a:t>reducing</a:t>
             </a:r>
             <a:r>
-              <a:rPr lang="en-US" sz="2800" dirty="0" smtClean="0"/>
+              <a:rPr lang="en-US" sz="2800" dirty="0"/>
               <a:t> the input replacing it with the non-terminal of the rule.  The last step is to replace the current input with the start-symbol.</a:t>
             </a:r>
           </a:p>
           <a:p>
             <a:r>
-              <a:rPr lang="en-US" sz="2800" b="1" dirty="0" smtClean="0"/>
+              <a:rPr lang="en-US" sz="2800" b="1" dirty="0"/>
               <a:t>Observation:</a:t>
             </a:r>
             <a:r>
-              <a:rPr lang="en-US" sz="2800" dirty="0" smtClean="0"/>
+              <a:rPr lang="en-US" sz="2800" dirty="0"/>
               <a:t> in LR(1) parsing we apply the rules backwards </a:t>
             </a:r>
             <a:r>
-              <a:rPr lang="mr-IN" sz="2800" dirty="0" smtClean="0"/>
+              <a:rPr lang="mr-IN" sz="2800" dirty="0"/>
               <a:t>–</a:t>
             </a:r>
             <a:r>
-              <a:rPr lang="en-US" sz="2800" dirty="0" smtClean="0"/>
+              <a:rPr lang="en-US" sz="2800" dirty="0"/>
               <a:t> this is called </a:t>
             </a:r>
             <a:r>
-              <a:rPr lang="en-US" sz="2800" i="1" dirty="0" smtClean="0"/>
+              <a:rPr lang="en-US" sz="2800" i="1" dirty="0"/>
               <a:t>reduction</a:t>
             </a:r>
             <a:endParaRPr lang="en-US" sz="2800" b="1" dirty="0"/>
@@ -7931,13 +7895,6 @@
   <p:clrMapOvr>
     <a:masterClrMapping/>
   </p:clrMapOvr>
-  <p:timing>
-    <p:tnLst>
-      <p:par>
-        <p:cTn id="1" dur="indefinite" restart="never" nodeType="tmRoot"/>
-      </p:par>
-    </p:tnLst>
-  </p:timing>
 </p:sld>
 </file>
 
@@ -7974,10 +7931,9 @@
           <a:lstStyle/>
           <a:p>
             <a:r>
-              <a:rPr lang="en-US" dirty="0" smtClean="0"/>
+              <a:rPr lang="en-US" dirty="0"/>
               <a:t>Parser Generators</a:t>
             </a:r>
-            <a:endParaRPr lang="en-US" dirty="0"/>
           </a:p>
         </p:txBody>
       </p:sp>
@@ -8032,17 +7988,16 @@
             <a:p>
               <a:pPr algn="ctr"/>
               <a:r>
-                <a:rPr lang="en-US" sz="1800" dirty="0" smtClean="0"/>
+                <a:rPr lang="en-US" sz="1800" dirty="0"/>
                 <a:t>Syntax</a:t>
               </a:r>
             </a:p>
             <a:p>
               <a:pPr algn="ctr"/>
               <a:r>
-                <a:rPr lang="en-US" sz="1800" dirty="0" smtClean="0"/>
+                <a:rPr lang="en-US" sz="1800" dirty="0"/>
                 <a:t>Analysis</a:t>
               </a:r>
-              <a:endParaRPr lang="en-US" sz="1800" dirty="0"/>
             </a:p>
           </p:txBody>
         </p:sp>
@@ -8148,17 +8103,16 @@
             <a:p>
               <a:pPr algn="ctr"/>
               <a:r>
-                <a:rPr lang="en-US" sz="1800" dirty="0" smtClean="0"/>
+                <a:rPr lang="en-US" sz="1800" dirty="0"/>
                 <a:t>Grammar</a:t>
               </a:r>
               <a:br>
-                <a:rPr lang="en-US" sz="1800" dirty="0" smtClean="0"/>
+                <a:rPr lang="en-US" sz="1800" dirty="0"/>
               </a:br>
               <a:r>
-                <a:rPr lang="en-US" sz="1800" dirty="0" smtClean="0"/>
+                <a:rPr lang="en-US" sz="1800" dirty="0"/>
                 <a:t>File</a:t>
               </a:r>
-              <a:endParaRPr lang="en-US" sz="1800" dirty="0"/>
             </a:p>
           </p:txBody>
         </p:sp>
@@ -8185,10 +8139,9 @@
             <a:lstStyle/>
             <a:p>
               <a:r>
-                <a:rPr lang="en-US" sz="1800" dirty="0" smtClean="0"/>
+                <a:rPr lang="en-US" sz="1800" dirty="0"/>
                 <a:t>IR</a:t>
               </a:r>
-              <a:endParaRPr lang="en-US" sz="1800" dirty="0"/>
             </a:p>
           </p:txBody>
         </p:sp>
@@ -8229,17 +8182,16 @@
             <a:p>
               <a:pPr algn="ctr"/>
               <a:r>
-                <a:rPr lang="en-US" sz="1800" dirty="0" smtClean="0"/>
+                <a:rPr lang="en-US" sz="1800" dirty="0"/>
                 <a:t>Semantic</a:t>
               </a:r>
             </a:p>
             <a:p>
               <a:pPr algn="ctr"/>
               <a:r>
-                <a:rPr lang="en-US" sz="1800" dirty="0" smtClean="0"/>
+                <a:rPr lang="en-US" sz="1800" dirty="0"/>
                 <a:t>Analysis</a:t>
               </a:r>
-              <a:endParaRPr lang="en-US" sz="1800" dirty="0"/>
             </a:p>
           </p:txBody>
         </p:sp>
@@ -8306,10 +8258,9 @@
             <a:p>
               <a:pPr algn="ctr"/>
               <a:r>
-                <a:rPr lang="en-US" sz="1800" dirty="0" smtClean="0"/>
+                <a:rPr lang="en-US" sz="1800" dirty="0"/>
                 <a:t>IR</a:t>
               </a:r>
-              <a:endParaRPr lang="en-US" sz="1800" dirty="0"/>
             </a:p>
           </p:txBody>
         </p:sp>
@@ -8350,17 +8301,16 @@
             <a:p>
               <a:pPr algn="ctr"/>
               <a:r>
-                <a:rPr lang="en-US" sz="1800" dirty="0" smtClean="0"/>
+                <a:rPr lang="en-US" sz="1800" dirty="0"/>
                 <a:t>Code</a:t>
               </a:r>
             </a:p>
             <a:p>
               <a:pPr algn="ctr"/>
               <a:r>
-                <a:rPr lang="en-US" sz="1800" dirty="0" smtClean="0"/>
+                <a:rPr lang="en-US" sz="1800" dirty="0"/>
                 <a:t>Generation</a:t>
               </a:r>
-              <a:endParaRPr lang="en-US" sz="1800" dirty="0"/>
             </a:p>
           </p:txBody>
         </p:sp>
@@ -8427,17 +8377,16 @@
             <a:p>
               <a:pPr algn="ctr"/>
               <a:r>
-                <a:rPr lang="en-US" sz="1800" dirty="0" smtClean="0"/>
+                <a:rPr lang="en-US" sz="1800" dirty="0"/>
                 <a:t>Parser</a:t>
               </a:r>
               <a:br>
-                <a:rPr lang="en-US" sz="1800" dirty="0" smtClean="0"/>
+                <a:rPr lang="en-US" sz="1800" dirty="0"/>
               </a:br>
               <a:r>
-                <a:rPr lang="en-US" sz="1800" dirty="0" smtClean="0"/>
+                <a:rPr lang="en-US" sz="1800" dirty="0"/>
                 <a:t>Code</a:t>
               </a:r>
-              <a:endParaRPr lang="en-US" sz="1800" dirty="0"/>
             </a:p>
           </p:txBody>
         </p:sp>
@@ -8465,14 +8414,14 @@
           <a:lstStyle/>
           <a:p>
             <a:r>
-              <a:rPr lang="en-US" sz="2400" dirty="0" smtClean="0"/>
+              <a:rPr lang="en-US" sz="2400" dirty="0"/>
               <a:t>Parser generators are an example of a domain specific</a:t>
             </a:r>
             <a:br>
-              <a:rPr lang="en-US" sz="2400" dirty="0" smtClean="0"/>
+              <a:rPr lang="en-US" sz="2400" dirty="0"/>
             </a:br>
             <a:r>
-              <a:rPr lang="en-US" sz="2400" dirty="0" smtClean="0"/>
+              <a:rPr lang="en-US" sz="2400" dirty="0"/>
               <a:t>language translator!</a:t>
             </a:r>
           </a:p>
@@ -8481,36 +8430,35 @@
           </a:p>
           <a:p>
             <a:r>
-              <a:rPr lang="en-US" sz="2400" dirty="0" smtClean="0"/>
+              <a:rPr lang="en-US" sz="2400" dirty="0"/>
               <a:t>Ply is a parser generator, it translates a </a:t>
             </a:r>
             <a:r>
-              <a:rPr lang="en-US" dirty="0" smtClean="0"/>
+              <a:rPr lang="en-US" dirty="0"/>
               <a:t>grammar specification</a:t>
             </a:r>
           </a:p>
           <a:p>
             <a:r>
-              <a:rPr lang="en-US" sz="2400" dirty="0" smtClean="0"/>
+              <a:rPr lang="en-US" sz="2400" dirty="0"/>
               <a:t>into</a:t>
             </a:r>
             <a:r>
-              <a:rPr lang="en-US" dirty="0" smtClean="0"/>
+              <a:rPr lang="en-US" dirty="0"/>
               <a:t> </a:t>
             </a:r>
             <a:r>
-              <a:rPr lang="en-US" sz="2400" dirty="0" smtClean="0"/>
+              <a:rPr lang="en-US" sz="2400" dirty="0"/>
               <a:t>parser code written in </a:t>
             </a:r>
             <a:r>
-              <a:rPr lang="en-US" dirty="0" smtClean="0"/>
+              <a:rPr lang="en-US" dirty="0"/>
               <a:t>Python</a:t>
             </a:r>
             <a:r>
-              <a:rPr lang="en-US" sz="2400" dirty="0" smtClean="0"/>
+              <a:rPr lang="en-US" sz="2400" dirty="0"/>
               <a:t>.</a:t>
             </a:r>
-            <a:endParaRPr lang="en-US" sz="2400" dirty="0"/>
           </a:p>
         </p:txBody>
       </p:sp>
@@ -8524,13 +8472,6 @@
   <p:clrMapOvr>
     <a:masterClrMapping/>
   </p:clrMapOvr>
-  <p:timing>
-    <p:tnLst>
-      <p:par>
-        <p:cTn id="1" dur="indefinite" restart="never" nodeType="tmRoot"/>
-      </p:par>
-    </p:tnLst>
-  </p:timing>
 </p:sld>
 </file>
 
@@ -8567,10 +8508,9 @@
           <a:lstStyle/>
           <a:p>
             <a:r>
-              <a:rPr lang="en-US" dirty="0" smtClean="0"/>
+              <a:rPr lang="en-US" dirty="0"/>
               <a:t>Using Ply</a:t>
             </a:r>
-            <a:endParaRPr lang="en-US" dirty="0"/>
           </a:p>
         </p:txBody>
       </p:sp>
@@ -8592,43 +8532,43 @@
           <a:lstStyle/>
           <a:p>
             <a:r>
-              <a:rPr lang="en-US" dirty="0" smtClean="0"/>
+              <a:rPr lang="en-US" dirty="0"/>
               <a:t>Recall:</a:t>
             </a:r>
           </a:p>
           <a:p>
             <a:pPr lvl="1"/>
             <a:r>
-              <a:rPr lang="en-US" dirty="0" smtClean="0"/>
+              <a:rPr lang="en-US" dirty="0"/>
               <a:t>The examples assume that you have cloned or downloaded the </a:t>
             </a:r>
             <a:r>
-              <a:rPr lang="en-US" dirty="0" err="1" smtClean="0"/>
+              <a:rPr lang="en-US" dirty="0" err="1"/>
               <a:t>Plipy</a:t>
             </a:r>
             <a:r>
-              <a:rPr lang="en-US" dirty="0" smtClean="0"/>
+              <a:rPr lang="en-US" dirty="0"/>
               <a:t> book and have access to the ‘code’ folder on your local machine</a:t>
             </a:r>
           </a:p>
           <a:p>
             <a:pPr lvl="1"/>
             <a:r>
-              <a:rPr lang="en-US" dirty="0" smtClean="0"/>
+              <a:rPr lang="en-US" dirty="0"/>
               <a:t>For notebook demos it is assumed that you navigated </a:t>
             </a:r>
             <a:r>
-              <a:rPr lang="en-US" dirty="0" err="1" smtClean="0"/>
+              <a:rPr lang="en-US" dirty="0" err="1"/>
               <a:t>Jupyter</a:t>
             </a:r>
             <a:r>
-              <a:rPr lang="en-US" dirty="0" smtClean="0"/>
+              <a:rPr lang="en-US" dirty="0"/>
               <a:t> to the ‘code’ folder and started a new notebook</a:t>
             </a:r>
           </a:p>
           <a:p>
             <a:r>
-              <a:rPr lang="en-US" dirty="0" smtClean="0"/>
+              <a:rPr lang="en-US" dirty="0"/>
               <a:t>Documentation on Ply can be found here:</a:t>
             </a:r>
           </a:p>
@@ -8638,19 +8578,13 @@
               <a:rPr lang="en-US" dirty="0">
                 <a:hlinkClick r:id="rId2"/>
               </a:rPr>
-              <a:t>http://</a:t>
-            </a:r>
-            <a:r>
-              <a:rPr lang="en-US" dirty="0" smtClean="0">
-                <a:hlinkClick r:id="rId2"/>
-              </a:rPr>
-              <a:t>www.dabeaz.com/ply/ply.html</a:t>
-            </a:r>
-            <a:endParaRPr lang="en-US" dirty="0" smtClean="0"/>
-          </a:p>
-          <a:p>
-            <a:r>
-              <a:rPr lang="en-US" dirty="0" smtClean="0"/>
+              <a:t>http://www.dabeaz.com/ply/ply.html</a:t>
+            </a:r>
+            <a:endParaRPr lang="en-US" dirty="0"/>
+          </a:p>
+          <a:p>
+            <a:r>
+              <a:rPr lang="en-US" dirty="0"/>
               <a:t>Documentation on Ply grammar specifications can be found here:</a:t>
             </a:r>
           </a:p>
@@ -8660,15 +8594,9 @@
               <a:rPr lang="en-US" dirty="0">
                 <a:hlinkClick r:id="rId3"/>
               </a:rPr>
-              <a:t>http://</a:t>
-            </a:r>
-            <a:r>
-              <a:rPr lang="en-US" dirty="0" smtClean="0">
-                <a:hlinkClick r:id="rId3"/>
-              </a:rPr>
-              <a:t>www.dabeaz.com/ply/ply.html#ply_nn23</a:t>
-            </a:r>
-            <a:endParaRPr lang="en-US" dirty="0" smtClean="0"/>
+              <a:t>http://www.dabeaz.com/ply/ply.html#ply_nn23</a:t>
+            </a:r>
+            <a:endParaRPr lang="en-US" dirty="0"/>
           </a:p>
         </p:txBody>
       </p:sp>
@@ -8682,13 +8610,6 @@
   <p:clrMapOvr>
     <a:masterClrMapping/>
   </p:clrMapOvr>
-  <p:timing>
-    <p:tnLst>
-      <p:par>
-        <p:cTn id="1" dur="indefinite" restart="never" nodeType="tmRoot"/>
-      </p:par>
-    </p:tnLst>
-  </p:timing>
 </p:sld>
 </file>
 
@@ -8725,10 +8646,9 @@
           <a:lstStyle/>
           <a:p>
             <a:r>
-              <a:rPr lang="en-US" dirty="0" smtClean="0"/>
+              <a:rPr lang="en-US" dirty="0"/>
               <a:t>Using Ply</a:t>
             </a:r>
-            <a:endParaRPr lang="en-US" dirty="0"/>
           </a:p>
         </p:txBody>
       </p:sp>
@@ -8753,52 +8673,51 @@
           <a:lstStyle/>
           <a:p>
             <a:r>
-              <a:rPr lang="en-US" sz="1400" dirty="0" smtClean="0"/>
+              <a:rPr lang="en-US" sz="1400" dirty="0"/>
               <a:t>This is our ‘exp0_gram.py’ file</a:t>
             </a:r>
           </a:p>
           <a:p>
             <a:r>
-              <a:rPr lang="en-US" sz="1400" dirty="0" smtClean="0"/>
+              <a:rPr lang="en-US" sz="1400" dirty="0"/>
               <a:t>In Ply the grammar is specified in the </a:t>
             </a:r>
             <a:r>
-              <a:rPr lang="en-US" sz="1400" dirty="0" err="1" smtClean="0"/>
+              <a:rPr lang="en-US" sz="1400" dirty="0" err="1"/>
               <a:t>docstring</a:t>
             </a:r>
             <a:r>
-              <a:rPr lang="en-US" sz="1400" dirty="0" smtClean="0"/>
+              <a:rPr lang="en-US" sz="1400" dirty="0"/>
               <a:t> of the grammar functions</a:t>
             </a:r>
           </a:p>
           <a:p>
             <a:r>
-              <a:rPr lang="en-US" sz="1400" dirty="0" smtClean="0"/>
+              <a:rPr lang="en-US" sz="1400" dirty="0"/>
               <a:t>Don’t worry about the </a:t>
             </a:r>
             <a:r>
-              <a:rPr lang="en-US" sz="1400" dirty="0" err="1" smtClean="0"/>
+              <a:rPr lang="en-US" sz="1400" dirty="0" err="1"/>
               <a:t>lex</a:t>
             </a:r>
             <a:r>
-              <a:rPr lang="en-US" sz="1400" dirty="0" smtClean="0"/>
+              <a:rPr lang="en-US" sz="1400" dirty="0"/>
               <a:t> stuff </a:t>
             </a:r>
             <a:r>
-              <a:rPr lang="mr-IN" sz="1400" dirty="0" smtClean="0"/>
+              <a:rPr lang="mr-IN" sz="1400" dirty="0"/>
               <a:t>–</a:t>
             </a:r>
             <a:r>
-              <a:rPr lang="en-US" sz="1400" dirty="0" smtClean="0"/>
+              <a:rPr lang="en-US" sz="1400" dirty="0"/>
               <a:t> it simply sets up a character input stream for the parser to read</a:t>
             </a:r>
           </a:p>
           <a:p>
             <a:r>
-              <a:rPr lang="en-US" sz="1400" dirty="0" smtClean="0"/>
+              <a:rPr lang="en-US" sz="1400" dirty="0"/>
               <a:t>Goal is to generate a parser from this specification</a:t>
             </a:r>
-            <a:endParaRPr lang="en-US" sz="1400" dirty="0"/>
           </a:p>
         </p:txBody>
       </p:sp>
@@ -9017,7 +8936,7 @@
               <a:t>  </a:t>
             </a:r>
             <a:r>
-              <a:rPr lang="en-US" sz="1000" dirty="0" err="1" smtClean="0">
+              <a:rPr lang="en-US" sz="1000" dirty="0" err="1">
                 <a:solidFill>
                   <a:srgbClr val="A90E1A"/>
                 </a:solidFill>
@@ -9026,22 +8945,13 @@
               <a:t>prog</a:t>
             </a:r>
             <a:r>
-              <a:rPr lang="en-US" sz="1000" dirty="0" smtClean="0">
+              <a:rPr lang="en-US" sz="1000" dirty="0">
                 <a:solidFill>
                   <a:srgbClr val="A90E1A"/>
                 </a:solidFill>
                 <a:latin typeface="Courier" charset="0"/>
               </a:rPr>
-              <a:t> </a:t>
-            </a:r>
-            <a:r>
-              <a:rPr lang="en-US" sz="1000" dirty="0">
-                <a:solidFill>
-                  <a:srgbClr val="A90E1A"/>
-                </a:solidFill>
-                <a:latin typeface="Courier" charset="0"/>
-              </a:rPr>
-              <a:t>: </a:t>
+              <a:t> : </a:t>
             </a:r>
             <a:r>
               <a:rPr lang="en-US" sz="1000" dirty="0" err="1">
@@ -9079,22 +8989,13 @@
           </a:p>
           <a:p>
             <a:r>
-              <a:rPr lang="en-US" sz="1000" dirty="0" smtClean="0">
+              <a:rPr lang="en-US" sz="1000" dirty="0">
                 <a:solidFill>
                   <a:srgbClr val="A90E1A"/>
                 </a:solidFill>
                 <a:latin typeface="Courier" charset="0"/>
               </a:rPr>
-              <a:t>       </a:t>
-            </a:r>
-            <a:r>
-              <a:rPr lang="en-US" sz="1000" dirty="0">
-                <a:solidFill>
-                  <a:srgbClr val="A90E1A"/>
-                </a:solidFill>
-                <a:latin typeface="Courier" charset="0"/>
-              </a:rPr>
-              <a:t>| empty</a:t>
+              <a:t>       | empty</a:t>
             </a:r>
             <a:endParaRPr lang="en-US" sz="1000" dirty="0">
               <a:solidFill>
@@ -9184,7 +9085,7 @@
           </a:p>
           <a:p>
             <a:r>
-              <a:rPr lang="en-US" sz="1000" dirty="0" smtClean="0">
+              <a:rPr lang="en-US" sz="1000" dirty="0">
                 <a:solidFill>
                   <a:srgbClr val="A90E1A"/>
                 </a:solidFill>
@@ -9193,22 +9094,13 @@
               <a:t>  </a:t>
             </a:r>
             <a:r>
-              <a:rPr lang="mr-IN" sz="1000" dirty="0" smtClean="0">
+              <a:rPr lang="mr-IN" sz="1000" dirty="0">
                 <a:solidFill>
                   <a:srgbClr val="A90E1A"/>
                 </a:solidFill>
                 <a:latin typeface="Courier" charset="0"/>
               </a:rPr>
-              <a:t>         </a:t>
-            </a:r>
-            <a:r>
-              <a:rPr lang="mr-IN" sz="1000" dirty="0">
-                <a:solidFill>
-                  <a:srgbClr val="A90E1A"/>
-                </a:solidFill>
-                <a:latin typeface="Courier" charset="0"/>
-              </a:rPr>
-              <a:t>| '</a:t>
+              <a:t>         | '</a:t>
             </a:r>
             <a:r>
               <a:rPr lang="mr-IN" sz="1000" dirty="0" err="1">
@@ -9343,7 +9235,7 @@
           </a:p>
           <a:p>
             <a:r>
-              <a:rPr lang="en-US" sz="1000" dirty="0" smtClean="0">
+              <a:rPr lang="en-US" sz="1000" dirty="0">
                 <a:solidFill>
                   <a:srgbClr val="A90E1A"/>
                 </a:solidFill>
@@ -9352,22 +9244,13 @@
               <a:t> </a:t>
             </a:r>
             <a:r>
-              <a:rPr lang="mr-IN" sz="1000" dirty="0" smtClean="0">
+              <a:rPr lang="mr-IN" sz="1000" dirty="0">
                 <a:solidFill>
                   <a:srgbClr val="A90E1A"/>
                 </a:solidFill>
                 <a:latin typeface="Courier" charset="0"/>
               </a:rPr>
-              <a:t>        </a:t>
-            </a:r>
-            <a:r>
-              <a:rPr lang="mr-IN" sz="1000" dirty="0">
-                <a:solidFill>
-                  <a:srgbClr val="A90E1A"/>
-                </a:solidFill>
-                <a:latin typeface="Courier" charset="0"/>
-              </a:rPr>
-              <a:t>| '-' </a:t>
+              <a:t>        | '-' </a:t>
             </a:r>
             <a:r>
               <a:rPr lang="mr-IN" sz="1000" dirty="0" err="1">
@@ -9414,7 +9297,7 @@
               <a:t>  </a:t>
             </a:r>
             <a:r>
-              <a:rPr lang="en-US" sz="1000" dirty="0" smtClean="0">
+              <a:rPr lang="en-US" sz="1000" dirty="0">
                 <a:solidFill>
                   <a:srgbClr val="A90E1A"/>
                 </a:solidFill>
@@ -9423,22 +9306,13 @@
               <a:t> </a:t>
             </a:r>
             <a:r>
-              <a:rPr lang="mr-IN" sz="1000" dirty="0" smtClean="0">
+              <a:rPr lang="mr-IN" sz="1000" dirty="0">
                 <a:solidFill>
                   <a:srgbClr val="A90E1A"/>
                 </a:solidFill>
                 <a:latin typeface="Courier" charset="0"/>
               </a:rPr>
-              <a:t>      </a:t>
-            </a:r>
-            <a:r>
-              <a:rPr lang="mr-IN" sz="1000" dirty="0">
-                <a:solidFill>
-                  <a:srgbClr val="A90E1A"/>
-                </a:solidFill>
-                <a:latin typeface="Courier" charset="0"/>
-              </a:rPr>
-              <a:t>| '(' </a:t>
+              <a:t>      | '(' </a:t>
             </a:r>
             <a:r>
               <a:rPr lang="mr-IN" sz="1000" dirty="0" err="1">
@@ -9476,7 +9350,7 @@
               <a:t>  </a:t>
             </a:r>
             <a:r>
-              <a:rPr lang="en-US" sz="1000" dirty="0" smtClean="0">
+              <a:rPr lang="en-US" sz="1000" dirty="0">
                 <a:solidFill>
                   <a:srgbClr val="A90E1A"/>
                 </a:solidFill>
@@ -9485,22 +9359,13 @@
               <a:t> </a:t>
             </a:r>
             <a:r>
-              <a:rPr lang="mr-IN" sz="1000" dirty="0" smtClean="0">
+              <a:rPr lang="mr-IN" sz="1000" dirty="0">
                 <a:solidFill>
                   <a:srgbClr val="A90E1A"/>
                 </a:solidFill>
                 <a:latin typeface="Courier" charset="0"/>
               </a:rPr>
-              <a:t>      </a:t>
-            </a:r>
-            <a:r>
-              <a:rPr lang="mr-IN" sz="1000" dirty="0">
-                <a:solidFill>
-                  <a:srgbClr val="A90E1A"/>
-                </a:solidFill>
-                <a:latin typeface="Courier" charset="0"/>
-              </a:rPr>
-              <a:t>| </a:t>
+              <a:t>      | </a:t>
             </a:r>
             <a:r>
               <a:rPr lang="mr-IN" sz="1000" dirty="0" err="1">
@@ -9529,7 +9394,7 @@
               <a:t>  </a:t>
             </a:r>
             <a:r>
-              <a:rPr lang="en-US" sz="1000" dirty="0" smtClean="0">
+              <a:rPr lang="en-US" sz="1000" dirty="0">
                 <a:solidFill>
                   <a:srgbClr val="A90E1A"/>
                 </a:solidFill>
@@ -9538,22 +9403,13 @@
               <a:t> </a:t>
             </a:r>
             <a:r>
-              <a:rPr lang="mr-IN" sz="1000" dirty="0" smtClean="0">
+              <a:rPr lang="mr-IN" sz="1000" dirty="0">
                 <a:solidFill>
                   <a:srgbClr val="A90E1A"/>
                 </a:solidFill>
                 <a:latin typeface="Courier" charset="0"/>
               </a:rPr>
-              <a:t>      </a:t>
-            </a:r>
-            <a:r>
-              <a:rPr lang="mr-IN" sz="1000" dirty="0">
-                <a:solidFill>
-                  <a:srgbClr val="A90E1A"/>
-                </a:solidFill>
-                <a:latin typeface="Courier" charset="0"/>
-              </a:rPr>
-              <a:t>| </a:t>
+              <a:t>      | </a:t>
             </a:r>
             <a:r>
               <a:rPr lang="mr-IN" sz="1000" dirty="0" err="1">
@@ -9643,7 +9499,7 @@
               <a:t>  </a:t>
             </a:r>
             <a:r>
-              <a:rPr lang="en-US" sz="1000" dirty="0" smtClean="0">
+              <a:rPr lang="en-US" sz="1000" dirty="0">
                 <a:solidFill>
                   <a:srgbClr val="A90E1A"/>
                 </a:solidFill>
@@ -9652,22 +9508,13 @@
               <a:t> </a:t>
             </a:r>
             <a:r>
-              <a:rPr lang="mr-IN" sz="1000" dirty="0" smtClean="0">
+              <a:rPr lang="mr-IN" sz="1000" dirty="0">
                 <a:solidFill>
                   <a:srgbClr val="A90E1A"/>
                 </a:solidFill>
                 <a:latin typeface="Courier" charset="0"/>
               </a:rPr>
-              <a:t>      </a:t>
-            </a:r>
-            <a:r>
-              <a:rPr lang="mr-IN" sz="1000" dirty="0">
-                <a:solidFill>
-                  <a:srgbClr val="A90E1A"/>
-                </a:solidFill>
-                <a:latin typeface="Courier" charset="0"/>
-              </a:rPr>
-              <a:t>| '</a:t>
+              <a:t>      | '</a:t>
             </a:r>
             <a:r>
               <a:rPr lang="mr-IN" sz="1000" dirty="0" err="1">
@@ -9705,7 +9552,7 @@
               <a:t>  </a:t>
             </a:r>
             <a:r>
-              <a:rPr lang="en-US" sz="1000" dirty="0" smtClean="0">
+              <a:rPr lang="en-US" sz="1000" dirty="0">
                 <a:solidFill>
                   <a:srgbClr val="A90E1A"/>
                 </a:solidFill>
@@ -9714,22 +9561,13 @@
               <a:t> </a:t>
             </a:r>
             <a:r>
-              <a:rPr lang="mr-IN" sz="1000" dirty="0" smtClean="0">
+              <a:rPr lang="mr-IN" sz="1000" dirty="0">
                 <a:solidFill>
                   <a:srgbClr val="A90E1A"/>
                 </a:solidFill>
                 <a:latin typeface="Courier" charset="0"/>
               </a:rPr>
-              <a:t>      </a:t>
-            </a:r>
-            <a:r>
-              <a:rPr lang="mr-IN" sz="1000" dirty="0">
-                <a:solidFill>
-                  <a:srgbClr val="A90E1A"/>
-                </a:solidFill>
-                <a:latin typeface="Courier" charset="0"/>
-              </a:rPr>
-              <a:t>| '</a:t>
+              <a:t>      | '</a:t>
             </a:r>
             <a:r>
               <a:rPr lang="mr-IN" sz="1000" dirty="0" err="1">
@@ -9810,7 +9648,7 @@
               <a:t>  </a:t>
             </a:r>
             <a:r>
-              <a:rPr lang="en-US" sz="1000" dirty="0" smtClean="0">
+              <a:rPr lang="en-US" sz="1000" dirty="0">
                 <a:solidFill>
                   <a:srgbClr val="A90E1A"/>
                 </a:solidFill>
@@ -9819,22 +9657,13 @@
               <a:t>  </a:t>
             </a:r>
             <a:r>
-              <a:rPr lang="mr-IN" sz="1000" dirty="0" smtClean="0">
+              <a:rPr lang="mr-IN" sz="1000" dirty="0">
                 <a:solidFill>
                   <a:srgbClr val="A90E1A"/>
                 </a:solidFill>
                 <a:latin typeface="Courier" charset="0"/>
               </a:rPr>
-              <a:t>      </a:t>
-            </a:r>
-            <a:r>
-              <a:rPr lang="mr-IN" sz="1000" dirty="0">
-                <a:solidFill>
-                  <a:srgbClr val="A90E1A"/>
-                </a:solidFill>
-                <a:latin typeface="Courier" charset="0"/>
-              </a:rPr>
-              <a:t>| '1' </a:t>
+              <a:t>      | '1' </a:t>
             </a:r>
             <a:endParaRPr lang="mr-IN" sz="1000" dirty="0">
               <a:solidFill>
@@ -9854,7 +9683,7 @@
               <a:t>  </a:t>
             </a:r>
             <a:r>
-              <a:rPr lang="en-US" sz="1000" dirty="0" smtClean="0">
+              <a:rPr lang="en-US" sz="1000" dirty="0">
                 <a:solidFill>
                   <a:srgbClr val="A90E1A"/>
                 </a:solidFill>
@@ -9863,22 +9692,13 @@
               <a:t>  </a:t>
             </a:r>
             <a:r>
-              <a:rPr lang="mr-IN" sz="1000" dirty="0" smtClean="0">
+              <a:rPr lang="mr-IN" sz="1000" dirty="0">
                 <a:solidFill>
                   <a:srgbClr val="A90E1A"/>
                 </a:solidFill>
                 <a:latin typeface="Courier" charset="0"/>
               </a:rPr>
-              <a:t>      </a:t>
-            </a:r>
-            <a:r>
-              <a:rPr lang="mr-IN" sz="1000" dirty="0">
-                <a:solidFill>
-                  <a:srgbClr val="A90E1A"/>
-                </a:solidFill>
-                <a:latin typeface="Courier" charset="0"/>
-              </a:rPr>
-              <a:t>| '2' </a:t>
+              <a:t>      | '2' </a:t>
             </a:r>
             <a:endParaRPr lang="mr-IN" sz="1000" dirty="0">
               <a:solidFill>
@@ -9898,7 +9718,7 @@
               <a:t>  </a:t>
             </a:r>
             <a:r>
-              <a:rPr lang="en-US" sz="1000" dirty="0" smtClean="0">
+              <a:rPr lang="en-US" sz="1000" dirty="0">
                 <a:solidFill>
                   <a:srgbClr val="A90E1A"/>
                 </a:solidFill>
@@ -9907,22 +9727,13 @@
               <a:t>  </a:t>
             </a:r>
             <a:r>
-              <a:rPr lang="mr-IN" sz="1000" dirty="0" smtClean="0">
+              <a:rPr lang="mr-IN" sz="1000" dirty="0">
                 <a:solidFill>
                   <a:srgbClr val="A90E1A"/>
                 </a:solidFill>
                 <a:latin typeface="Courier" charset="0"/>
               </a:rPr>
-              <a:t>      </a:t>
-            </a:r>
-            <a:r>
-              <a:rPr lang="mr-IN" sz="1000" dirty="0">
-                <a:solidFill>
-                  <a:srgbClr val="A90E1A"/>
-                </a:solidFill>
-                <a:latin typeface="Courier" charset="0"/>
-              </a:rPr>
-              <a:t>| '3' </a:t>
+              <a:t>      | '3' </a:t>
             </a:r>
             <a:endParaRPr lang="mr-IN" sz="1000" dirty="0">
               <a:solidFill>
@@ -9942,7 +9753,7 @@
               <a:t>  </a:t>
             </a:r>
             <a:r>
-              <a:rPr lang="en-US" sz="1000" dirty="0" smtClean="0">
+              <a:rPr lang="en-US" sz="1000" dirty="0">
                 <a:solidFill>
                   <a:srgbClr val="A90E1A"/>
                 </a:solidFill>
@@ -9951,22 +9762,13 @@
               <a:t>  </a:t>
             </a:r>
             <a:r>
-              <a:rPr lang="mr-IN" sz="1000" dirty="0" smtClean="0">
+              <a:rPr lang="mr-IN" sz="1000" dirty="0">
                 <a:solidFill>
                   <a:srgbClr val="A90E1A"/>
                 </a:solidFill>
                 <a:latin typeface="Courier" charset="0"/>
               </a:rPr>
-              <a:t>      </a:t>
-            </a:r>
-            <a:r>
-              <a:rPr lang="mr-IN" sz="1000" dirty="0">
-                <a:solidFill>
-                  <a:srgbClr val="A90E1A"/>
-                </a:solidFill>
-                <a:latin typeface="Courier" charset="0"/>
-              </a:rPr>
-              <a:t>| '4' </a:t>
+              <a:t>      | '4' </a:t>
             </a:r>
             <a:endParaRPr lang="mr-IN" sz="1000" dirty="0">
               <a:solidFill>
@@ -9986,7 +9788,7 @@
               <a:t>  </a:t>
             </a:r>
             <a:r>
-              <a:rPr lang="en-US" sz="1000" dirty="0" smtClean="0">
+              <a:rPr lang="en-US" sz="1000" dirty="0">
                 <a:solidFill>
                   <a:srgbClr val="A90E1A"/>
                 </a:solidFill>
@@ -9995,22 +9797,13 @@
               <a:t>  </a:t>
             </a:r>
             <a:r>
-              <a:rPr lang="mr-IN" sz="1000" dirty="0" smtClean="0">
+              <a:rPr lang="mr-IN" sz="1000" dirty="0">
                 <a:solidFill>
                   <a:srgbClr val="A90E1A"/>
                 </a:solidFill>
                 <a:latin typeface="Courier" charset="0"/>
               </a:rPr>
-              <a:t>      </a:t>
-            </a:r>
-            <a:r>
-              <a:rPr lang="mr-IN" sz="1000" dirty="0">
-                <a:solidFill>
-                  <a:srgbClr val="A90E1A"/>
-                </a:solidFill>
-                <a:latin typeface="Courier" charset="0"/>
-              </a:rPr>
-              <a:t>| '5' </a:t>
+              <a:t>      | '5' </a:t>
             </a:r>
             <a:endParaRPr lang="mr-IN" sz="1000" dirty="0">
               <a:solidFill>
@@ -10030,7 +9823,7 @@
               <a:t>  </a:t>
             </a:r>
             <a:r>
-              <a:rPr lang="en-US" sz="1000" dirty="0" smtClean="0">
+              <a:rPr lang="en-US" sz="1000" dirty="0">
                 <a:solidFill>
                   <a:srgbClr val="A90E1A"/>
                 </a:solidFill>
@@ -10039,22 +9832,13 @@
               <a:t>  </a:t>
             </a:r>
             <a:r>
-              <a:rPr lang="mr-IN" sz="1000" dirty="0" smtClean="0">
+              <a:rPr lang="mr-IN" sz="1000" dirty="0">
                 <a:solidFill>
                   <a:srgbClr val="A90E1A"/>
                 </a:solidFill>
                 <a:latin typeface="Courier" charset="0"/>
               </a:rPr>
-              <a:t>      </a:t>
-            </a:r>
-            <a:r>
-              <a:rPr lang="mr-IN" sz="1000" dirty="0">
-                <a:solidFill>
-                  <a:srgbClr val="A90E1A"/>
-                </a:solidFill>
-                <a:latin typeface="Courier" charset="0"/>
-              </a:rPr>
-              <a:t>| '6' </a:t>
+              <a:t>      | '6' </a:t>
             </a:r>
             <a:endParaRPr lang="mr-IN" sz="1000" dirty="0">
               <a:solidFill>
@@ -10074,7 +9858,7 @@
               <a:t>  </a:t>
             </a:r>
             <a:r>
-              <a:rPr lang="en-US" sz="1000" dirty="0" smtClean="0">
+              <a:rPr lang="en-US" sz="1000" dirty="0">
                 <a:solidFill>
                   <a:srgbClr val="A90E1A"/>
                 </a:solidFill>
@@ -10083,22 +9867,13 @@
               <a:t>  </a:t>
             </a:r>
             <a:r>
-              <a:rPr lang="mr-IN" sz="1000" dirty="0" smtClean="0">
+              <a:rPr lang="mr-IN" sz="1000" dirty="0">
                 <a:solidFill>
                   <a:srgbClr val="A90E1A"/>
                 </a:solidFill>
                 <a:latin typeface="Courier" charset="0"/>
               </a:rPr>
-              <a:t>      </a:t>
-            </a:r>
-            <a:r>
-              <a:rPr lang="mr-IN" sz="1000" dirty="0">
-                <a:solidFill>
-                  <a:srgbClr val="A90E1A"/>
-                </a:solidFill>
-                <a:latin typeface="Courier" charset="0"/>
-              </a:rPr>
-              <a:t>| '7' </a:t>
+              <a:t>      | '7' </a:t>
             </a:r>
             <a:endParaRPr lang="mr-IN" sz="1000" dirty="0">
               <a:solidFill>
@@ -10118,7 +9893,7 @@
               <a:t>  </a:t>
             </a:r>
             <a:r>
-              <a:rPr lang="en-US" sz="1000" dirty="0" smtClean="0">
+              <a:rPr lang="en-US" sz="1000" dirty="0">
                 <a:solidFill>
                   <a:srgbClr val="A90E1A"/>
                 </a:solidFill>
@@ -10127,22 +9902,13 @@
               <a:t>  </a:t>
             </a:r>
             <a:r>
-              <a:rPr lang="mr-IN" sz="1000" dirty="0" smtClean="0">
+              <a:rPr lang="mr-IN" sz="1000" dirty="0">
                 <a:solidFill>
                   <a:srgbClr val="A90E1A"/>
                 </a:solidFill>
                 <a:latin typeface="Courier" charset="0"/>
               </a:rPr>
-              <a:t>      </a:t>
-            </a:r>
-            <a:r>
-              <a:rPr lang="mr-IN" sz="1000" dirty="0">
-                <a:solidFill>
-                  <a:srgbClr val="A90E1A"/>
-                </a:solidFill>
-                <a:latin typeface="Courier" charset="0"/>
-              </a:rPr>
-              <a:t>| '8' </a:t>
+              <a:t>      | '8' </a:t>
             </a:r>
             <a:endParaRPr lang="mr-IN" sz="1000" dirty="0">
               <a:solidFill>
@@ -10162,7 +9928,7 @@
               <a:t>  </a:t>
             </a:r>
             <a:r>
-              <a:rPr lang="en-US" sz="1000" dirty="0" smtClean="0">
+              <a:rPr lang="en-US" sz="1000" dirty="0">
                 <a:solidFill>
                   <a:srgbClr val="A90E1A"/>
                 </a:solidFill>
@@ -10171,22 +9937,13 @@
               <a:t>  </a:t>
             </a:r>
             <a:r>
-              <a:rPr lang="mr-IN" sz="1000" dirty="0" smtClean="0">
+              <a:rPr lang="mr-IN" sz="1000" dirty="0">
                 <a:solidFill>
                   <a:srgbClr val="A90E1A"/>
                 </a:solidFill>
                 <a:latin typeface="Courier" charset="0"/>
               </a:rPr>
-              <a:t>      </a:t>
-            </a:r>
-            <a:r>
-              <a:rPr lang="mr-IN" sz="1000" dirty="0">
-                <a:solidFill>
-                  <a:srgbClr val="A90E1A"/>
-                </a:solidFill>
-                <a:latin typeface="Courier" charset="0"/>
-              </a:rPr>
-              <a:t>| '9'</a:t>
+              <a:t>      | '9'</a:t>
             </a:r>
             <a:endParaRPr lang="mr-IN" sz="1000" dirty="0">
               <a:solidFill>
@@ -10595,10 +10352,9 @@
           <a:lstStyle/>
           <a:p>
             <a:r>
-              <a:rPr lang="en-US" dirty="0" smtClean="0"/>
+              <a:rPr lang="en-US" dirty="0"/>
               <a:t>Using Ply</a:t>
             </a:r>
-            <a:endParaRPr lang="en-US" dirty="0"/>
           </a:p>
         </p:txBody>
       </p:sp>
@@ -10672,10 +10428,9 @@
           <a:lstStyle/>
           <a:p>
             <a:r>
-              <a:rPr lang="en-US" dirty="0" smtClean="0"/>
+              <a:rPr lang="en-US" dirty="0"/>
               <a:t>Actions</a:t>
             </a:r>
-            <a:endParaRPr lang="en-US" dirty="0"/>
           </a:p>
         </p:txBody>
       </p:sp>
@@ -10702,25 +10457,25 @@
           <a:lstStyle/>
           <a:p>
             <a:r>
-              <a:rPr lang="en-US" dirty="0" smtClean="0"/>
+              <a:rPr lang="en-US" dirty="0"/>
               <a:t>Making the generated parser do something useful.</a:t>
             </a:r>
           </a:p>
           <a:p>
             <a:r>
-              <a:rPr lang="en-US" dirty="0" smtClean="0"/>
+              <a:rPr lang="en-US" dirty="0"/>
               <a:t>In the hand-coded parser you can add code anywhere in order to make the parser do something useful…like counting ‘p’ statements.</a:t>
             </a:r>
           </a:p>
           <a:p>
             <a:r>
-              <a:rPr lang="en-US" dirty="0" smtClean="0"/>
+              <a:rPr lang="en-US" dirty="0"/>
               <a:t>In parsers generated by parser generators we use something called ‘actions’ we insert into the grammar.</a:t>
             </a:r>
           </a:p>
           <a:p>
             <a:r>
-              <a:rPr lang="en-US" dirty="0" smtClean="0"/>
+              <a:rPr lang="en-US" dirty="0"/>
               <a:t>In Ply actions are inserted into the grammar specification as Python code:</a:t>
             </a:r>
           </a:p>
@@ -10783,7 +10538,7 @@
           <a:effectLst/>
           <a:extLst>
             <a:ext uri="{AF507438-7753-43e0-B8FC-AC1667EBCBE1}">
-              <a14:hiddenEffects xmlns:a14="http://schemas.microsoft.com/office/drawing/2010/main" xmlns="">
+              <a14:hiddenEffects xmlns="" xmlns:a14="http://schemas.microsoft.com/office/drawing/2010/main">
                 <a:effectLst>
                   <a:outerShdw blurRad="63500" dist="38099" dir="2700000" algn="ctr" rotWithShape="0">
                     <a:schemeClr val="bg2">
@@ -10819,10 +10574,9 @@
           <a:lstStyle/>
           <a:p>
             <a:r>
-              <a:rPr lang="en-US" sz="1400" dirty="0" smtClean="0"/>
+              <a:rPr lang="en-US" sz="1400" dirty="0"/>
               <a:t>Actions</a:t>
             </a:r>
-            <a:endParaRPr lang="en-US" sz="1400" dirty="0"/>
           </a:p>
         </p:txBody>
       </p:sp>
@@ -10836,13 +10590,6 @@
   <p:clrMapOvr>
     <a:masterClrMapping/>
   </p:clrMapOvr>
-  <p:timing>
-    <p:tnLst>
-      <p:par>
-        <p:cTn id="1" dur="indefinite" restart="never" nodeType="tmRoot"/>
-      </p:par>
-    </p:tnLst>
-  </p:timing>
 </p:sld>
 </file>
 
@@ -10879,10 +10626,9 @@
           <a:lstStyle/>
           <a:p>
             <a:r>
-              <a:rPr lang="en-US" dirty="0" smtClean="0"/>
+              <a:rPr lang="en-US" dirty="0"/>
               <a:t>Actions	</a:t>
             </a:r>
-            <a:endParaRPr lang="en-US" dirty="0"/>
           </a:p>
         </p:txBody>
       </p:sp>
@@ -10899,26 +10645,40 @@
         <p:spPr>
           <a:xfrm>
             <a:off x="457200" y="1719263"/>
-            <a:ext cx="8229600" cy="719137"/>
+            <a:ext cx="8229600" cy="1315342"/>
           </a:xfrm>
         </p:spPr>
         <p:txBody>
           <a:bodyPr>
-            <a:normAutofit fontScale="47500" lnSpcReduction="20000"/>
+            <a:normAutofit fontScale="62500" lnSpcReduction="20000"/>
           </a:bodyPr>
           <a:lstStyle/>
           <a:p>
             <a:r>
-              <a:rPr lang="en-US" dirty="0" smtClean="0"/>
+              <a:rPr lang="en-US" dirty="0"/>
               <a:t>In order to insert actions we need to break the Ply grammar into smaller functions</a:t>
             </a:r>
           </a:p>
           <a:p>
             <a:r>
-              <a:rPr lang="en-US" dirty="0" smtClean="0"/>
-              <a:t>The idea of our language processor is to count the number of right-hand side variables in a program</a:t>
-            </a:r>
-            <a:endParaRPr lang="en-US" dirty="0"/>
+              <a:rPr lang="en-US" dirty="0"/>
+              <a:t>Let’s try something:</a:t>
+            </a:r>
+          </a:p>
+          <a:p>
+            <a:pPr lvl="1"/>
+            <a:r>
+              <a:rPr lang="en-US" dirty="0"/>
+              <a:t>The idea of our language processor is to count the number of </a:t>
+            </a:r>
+            <a:r>
+              <a:rPr lang="en-US" i="1" dirty="0"/>
+              <a:t>right-hand side variables</a:t>
+            </a:r>
+            <a:r>
+              <a:rPr lang="en-US" dirty="0"/>
+              <a:t> in a program</a:t>
+            </a:r>
           </a:p>
         </p:txBody>
       </p:sp>
@@ -11023,7 +10783,7 @@
               <a:t>  </a:t>
             </a:r>
             <a:r>
-              <a:rPr lang="en-US" sz="1400" dirty="0" err="1" smtClean="0">
+              <a:rPr lang="en-US" sz="1400" dirty="0" err="1">
                 <a:solidFill>
                   <a:srgbClr val="A90E1A"/>
                 </a:solidFill>
@@ -11032,22 +10792,13 @@
               <a:t>prog</a:t>
             </a:r>
             <a:r>
-              <a:rPr lang="en-US" sz="1400" dirty="0" smtClean="0">
+              <a:rPr lang="en-US" sz="1400" dirty="0">
                 <a:solidFill>
                   <a:srgbClr val="A90E1A"/>
                 </a:solidFill>
                 <a:latin typeface="Courier" charset="0"/>
               </a:rPr>
-              <a:t> </a:t>
-            </a:r>
-            <a:r>
-              <a:rPr lang="en-US" sz="1400" dirty="0">
-                <a:solidFill>
-                  <a:srgbClr val="A90E1A"/>
-                </a:solidFill>
-                <a:latin typeface="Courier" charset="0"/>
-              </a:rPr>
-              <a:t>: </a:t>
+              <a:t> : </a:t>
             </a:r>
             <a:r>
               <a:rPr lang="en-US" sz="1400" dirty="0" err="1">
@@ -11091,25 +10842,7 @@
                 </a:solidFill>
                 <a:latin typeface="Courier" charset="0"/>
               </a:rPr>
-              <a:t>   </a:t>
-            </a:r>
-            <a:r>
-              <a:rPr lang="en-US" sz="1400" dirty="0" smtClean="0">
-                <a:solidFill>
-                  <a:srgbClr val="A90E1A"/>
-                </a:solidFill>
-                <a:latin typeface="Courier" charset="0"/>
-              </a:rPr>
-              <a:t>    </a:t>
-            </a:r>
-            <a:r>
-              <a:rPr lang="en-US" sz="1400" dirty="0">
-                <a:solidFill>
-                  <a:srgbClr val="A90E1A"/>
-                </a:solidFill>
-                <a:latin typeface="Courier" charset="0"/>
-              </a:rPr>
-              <a:t>| empty</a:t>
+              <a:t>       | empty</a:t>
             </a:r>
             <a:endParaRPr lang="en-US" sz="1400" dirty="0">
               <a:solidFill>
@@ -11119,11 +10852,11 @@
             </a:endParaRPr>
           </a:p>
           <a:p>
-            <a:endParaRPr lang="en-US" sz="1400" dirty="0" smtClean="0"/>
-          </a:p>
-          <a:p>
-            <a:r>
-              <a:rPr lang="mr-IN" sz="1400" dirty="0" smtClean="0"/>
+            <a:endParaRPr lang="en-US" sz="1400" dirty="0"/>
+          </a:p>
+          <a:p>
+            <a:r>
+              <a:rPr lang="mr-IN" sz="1400" dirty="0"/>
               <a:t>…</a:t>
             </a:r>
             <a:endParaRPr lang="en-US" sz="1400" dirty="0"/>
@@ -11231,7 +10964,7 @@
               <a:t>  </a:t>
             </a:r>
             <a:r>
-              <a:rPr lang="en-US" sz="1400" dirty="0" err="1" smtClean="0">
+              <a:rPr lang="en-US" sz="1400" dirty="0" err="1">
                 <a:solidFill>
                   <a:srgbClr val="A90E1A"/>
                 </a:solidFill>
@@ -11240,22 +10973,13 @@
               <a:t>prog</a:t>
             </a:r>
             <a:r>
-              <a:rPr lang="en-US" sz="1400" dirty="0" smtClean="0">
+              <a:rPr lang="en-US" sz="1400" dirty="0">
                 <a:solidFill>
                   <a:srgbClr val="A90E1A"/>
                 </a:solidFill>
                 <a:latin typeface="Courier" charset="0"/>
               </a:rPr>
-              <a:t> </a:t>
-            </a:r>
-            <a:r>
-              <a:rPr lang="en-US" sz="1400" dirty="0">
-                <a:solidFill>
-                  <a:srgbClr val="A90E1A"/>
-                </a:solidFill>
-                <a:latin typeface="Courier" charset="0"/>
-              </a:rPr>
-              <a:t>: </a:t>
+              <a:t> : </a:t>
             </a:r>
             <a:r>
               <a:rPr lang="en-US" sz="1400" dirty="0" err="1">
@@ -11417,7 +11141,7 @@
               <a:t>  </a:t>
             </a:r>
             <a:r>
-              <a:rPr lang="en-US" sz="1400" dirty="0" err="1" smtClean="0">
+              <a:rPr lang="en-US" sz="1400" dirty="0" err="1">
                 <a:solidFill>
                   <a:srgbClr val="A90E1A"/>
                 </a:solidFill>
@@ -11426,22 +11150,13 @@
               <a:t>prog</a:t>
             </a:r>
             <a:r>
-              <a:rPr lang="en-US" sz="1400" dirty="0" smtClean="0">
+              <a:rPr lang="en-US" sz="1400" dirty="0">
                 <a:solidFill>
                   <a:srgbClr val="A90E1A"/>
                 </a:solidFill>
                 <a:latin typeface="Courier" charset="0"/>
               </a:rPr>
-              <a:t> </a:t>
-            </a:r>
-            <a:r>
-              <a:rPr lang="en-US" sz="1400" dirty="0">
-                <a:solidFill>
-                  <a:srgbClr val="A90E1A"/>
-                </a:solidFill>
-                <a:latin typeface="Courier" charset="0"/>
-              </a:rPr>
-              <a:t>: empty</a:t>
+              <a:t> : empty</a:t>
             </a:r>
             <a:endParaRPr lang="en-US" sz="1400" dirty="0">
               <a:solidFill>
@@ -11478,7 +11193,7 @@
               <a:t>  </a:t>
             </a:r>
             <a:r>
-              <a:rPr lang="en-US" sz="1400" dirty="0" smtClean="0">
+              <a:rPr lang="en-US" sz="1400" dirty="0">
                 <a:solidFill>
                   <a:srgbClr val="0F7001"/>
                 </a:solidFill>
@@ -11548,7 +11263,7 @@
           <a:effectLst/>
           <a:extLst>
             <a:ext uri="{AF507438-7753-43e0-B8FC-AC1667EBCBE1}">
-              <a14:hiddenEffects xmlns:a14="http://schemas.microsoft.com/office/drawing/2010/main" xmlns="">
+              <a14:hiddenEffects xmlns="" xmlns:a14="http://schemas.microsoft.com/office/drawing/2010/main">
                 <a:effectLst>
                   <a:outerShdw blurRad="63500" dist="38099" dir="2700000" algn="ctr" rotWithShape="0">
                     <a:schemeClr val="bg2">
@@ -11628,7 +11343,7 @@
           <a:effectLst/>
           <a:extLst>
             <a:ext uri="{AF507438-7753-43e0-B8FC-AC1667EBCBE1}">
-              <a14:hiddenEffects xmlns:a14="http://schemas.microsoft.com/office/drawing/2010/main" xmlns="">
+              <a14:hiddenEffects xmlns="" xmlns:a14="http://schemas.microsoft.com/office/drawing/2010/main">
                 <a:effectLst>
                   <a:outerShdw blurRad="63500" dist="38099" dir="2700000" algn="ctr" rotWithShape="0">
                     <a:schemeClr val="bg2">
@@ -11670,7 +11385,7 @@
           <a:effectLst/>
           <a:extLst>
             <a:ext uri="{AF507438-7753-43e0-B8FC-AC1667EBCBE1}">
-              <a14:hiddenEffects xmlns:a14="http://schemas.microsoft.com/office/drawing/2010/main" xmlns="">
+              <a14:hiddenEffects xmlns="" xmlns:a14="http://schemas.microsoft.com/office/drawing/2010/main">
                 <a:effectLst>
                   <a:outerShdw blurRad="63500" dist="38099" dir="2700000" algn="ctr" rotWithShape="0">
                     <a:schemeClr val="bg2">
@@ -11706,10 +11421,9 @@
           <a:lstStyle/>
           <a:p>
             <a:r>
-              <a:rPr lang="en-US" sz="1400" smtClean="0"/>
+              <a:rPr lang="en-US" sz="1400"/>
               <a:t>Actions</a:t>
             </a:r>
-            <a:endParaRPr lang="en-US" sz="1400"/>
           </a:p>
         </p:txBody>
       </p:sp>
@@ -11759,10 +11473,9 @@
           <a:lstStyle/>
           <a:p>
             <a:r>
-              <a:rPr lang="en-US" dirty="0" smtClean="0"/>
+              <a:rPr lang="en-US" dirty="0"/>
               <a:t>Actions	</a:t>
             </a:r>
-            <a:endParaRPr lang="en-US" dirty="0"/>
           </a:p>
         </p:txBody>
       </p:sp>
@@ -11841,7 +11554,7 @@
               <a:t>    </a:t>
             </a:r>
             <a:r>
-              <a:rPr lang="mr-IN" sz="1400" dirty="0" smtClean="0">
+              <a:rPr lang="mr-IN" sz="1400" dirty="0">
                 <a:solidFill>
                   <a:srgbClr val="A90E1A"/>
                 </a:solidFill>
@@ -11849,7 +11562,7 @@
               </a:rPr>
               <a:t>""”</a:t>
             </a:r>
-            <a:endParaRPr lang="en-US" sz="1400" dirty="0" smtClean="0">
+            <a:endParaRPr lang="en-US" sz="1400" dirty="0">
               <a:solidFill>
                 <a:srgbClr val="A90E1A"/>
               </a:solidFill>
@@ -11864,19 +11577,10 @@
                 </a:solidFill>
                 <a:latin typeface="Courier" charset="0"/>
               </a:rPr>
-              <a:t> </a:t>
-            </a:r>
-            <a:r>
-              <a:rPr lang="en-US" sz="1400" dirty="0" smtClean="0">
-                <a:solidFill>
-                  <a:srgbClr val="A90E1A"/>
-                </a:solidFill>
-                <a:latin typeface="Courier" charset="0"/>
-              </a:rPr>
-              <a:t> </a:t>
-            </a:r>
-            <a:r>
-              <a:rPr lang="mr-IN" sz="1400" dirty="0" smtClean="0">
+              <a:t>  </a:t>
+            </a:r>
+            <a:r>
+              <a:rPr lang="mr-IN" sz="1400" dirty="0">
                 <a:solidFill>
                   <a:srgbClr val="A90E1A"/>
                 </a:solidFill>
@@ -11902,7 +11606,7 @@
               <a:t> </a:t>
             </a:r>
             <a:r>
-              <a:rPr lang="en-US" sz="1400" dirty="0" smtClean="0">
+              <a:rPr lang="en-US" sz="1400" dirty="0">
                 <a:solidFill>
                   <a:srgbClr val="A90E1A"/>
                 </a:solidFill>
@@ -11911,7 +11615,7 @@
               <a:t>  </a:t>
             </a:r>
             <a:r>
-              <a:rPr lang="mr-IN" sz="1400" dirty="0" err="1" smtClean="0">
+              <a:rPr lang="mr-IN" sz="1400" dirty="0" err="1">
                 <a:solidFill>
                   <a:srgbClr val="A90E1A"/>
                 </a:solidFill>
@@ -11920,22 +11624,13 @@
               <a:t>exp</a:t>
             </a:r>
             <a:r>
-              <a:rPr lang="mr-IN" sz="1400" dirty="0" smtClean="0">
+              <a:rPr lang="mr-IN" sz="1400" dirty="0">
                 <a:solidFill>
                   <a:srgbClr val="A90E1A"/>
                 </a:solidFill>
                 <a:latin typeface="Courier" charset="0"/>
               </a:rPr>
-              <a:t> </a:t>
-            </a:r>
-            <a:r>
-              <a:rPr lang="mr-IN" sz="1400" dirty="0">
-                <a:solidFill>
-                  <a:srgbClr val="A90E1A"/>
-                </a:solidFill>
-                <a:latin typeface="Courier" charset="0"/>
-              </a:rPr>
-              <a:t>: '+' </a:t>
+              <a:t> : '+' </a:t>
             </a:r>
             <a:r>
               <a:rPr lang="mr-IN" sz="1400" dirty="0" err="1">
@@ -11991,7 +11686,7 @@
               <a:t>   </a:t>
             </a:r>
             <a:r>
-              <a:rPr lang="en-US" sz="1400" dirty="0" smtClean="0">
+              <a:rPr lang="en-US" sz="1400" dirty="0">
                 <a:solidFill>
                   <a:srgbClr val="A90E1A"/>
                 </a:solidFill>
@@ -12000,22 +11695,13 @@
               <a:t> </a:t>
             </a:r>
             <a:r>
-              <a:rPr lang="mr-IN" sz="1400" dirty="0" smtClean="0">
+              <a:rPr lang="mr-IN" sz="1400" dirty="0">
                 <a:solidFill>
                   <a:srgbClr val="A90E1A"/>
                 </a:solidFill>
                 <a:latin typeface="Courier" charset="0"/>
               </a:rPr>
-              <a:t>     </a:t>
-            </a:r>
-            <a:r>
-              <a:rPr lang="mr-IN" sz="1400" dirty="0">
-                <a:solidFill>
-                  <a:srgbClr val="A90E1A"/>
-                </a:solidFill>
-                <a:latin typeface="Courier" charset="0"/>
-              </a:rPr>
-              <a:t>| '-' </a:t>
+              <a:t>     | '-' </a:t>
             </a:r>
             <a:r>
               <a:rPr lang="mr-IN" sz="1400" dirty="0" err="1">
@@ -12080,7 +11766,7 @@
               <a:t> </a:t>
             </a:r>
             <a:r>
-              <a:rPr lang="en-US" sz="1400" dirty="0" smtClean="0">
+              <a:rPr lang="en-US" sz="1400" dirty="0">
                 <a:solidFill>
                   <a:srgbClr val="A90E1A"/>
                 </a:solidFill>
@@ -12089,22 +11775,13 @@
               <a:t> </a:t>
             </a:r>
             <a:r>
-              <a:rPr lang="mr-IN" sz="1400" dirty="0" smtClean="0">
+              <a:rPr lang="mr-IN" sz="1400" dirty="0">
                 <a:solidFill>
                   <a:srgbClr val="A90E1A"/>
                 </a:solidFill>
                 <a:latin typeface="Courier" charset="0"/>
               </a:rPr>
-              <a:t>     </a:t>
-            </a:r>
-            <a:r>
-              <a:rPr lang="mr-IN" sz="1400" dirty="0">
-                <a:solidFill>
-                  <a:srgbClr val="A90E1A"/>
-                </a:solidFill>
-                <a:latin typeface="Courier" charset="0"/>
-              </a:rPr>
-              <a:t>| '(' </a:t>
+              <a:t>     | '(' </a:t>
             </a:r>
             <a:r>
               <a:rPr lang="mr-IN" sz="1400" dirty="0" err="1">
@@ -12160,7 +11837,7 @@
               <a:t> </a:t>
             </a:r>
             <a:r>
-              <a:rPr lang="en-US" sz="1400" dirty="0" smtClean="0">
+              <a:rPr lang="en-US" sz="1400" dirty="0">
                 <a:solidFill>
                   <a:srgbClr val="A90E1A"/>
                 </a:solidFill>
@@ -12169,22 +11846,13 @@
               <a:t> </a:t>
             </a:r>
             <a:r>
-              <a:rPr lang="mr-IN" sz="1400" dirty="0" smtClean="0">
+              <a:rPr lang="mr-IN" sz="1400" dirty="0">
                 <a:solidFill>
                   <a:srgbClr val="A90E1A"/>
                 </a:solidFill>
                 <a:latin typeface="Courier" charset="0"/>
               </a:rPr>
-              <a:t>     </a:t>
-            </a:r>
-            <a:r>
-              <a:rPr lang="mr-IN" sz="1400" dirty="0">
-                <a:solidFill>
-                  <a:srgbClr val="A90E1A"/>
-                </a:solidFill>
-                <a:latin typeface="Courier" charset="0"/>
-              </a:rPr>
-              <a:t>| </a:t>
+              <a:t>     | </a:t>
             </a:r>
             <a:r>
               <a:rPr lang="mr-IN" sz="1400" dirty="0" err="1">
@@ -12231,7 +11899,7 @@
               <a:t> </a:t>
             </a:r>
             <a:r>
-              <a:rPr lang="en-US" sz="1400" dirty="0" smtClean="0">
+              <a:rPr lang="en-US" sz="1400" dirty="0">
                 <a:solidFill>
                   <a:srgbClr val="A90E1A"/>
                 </a:solidFill>
@@ -12240,53 +11908,40 @@
               <a:t> </a:t>
             </a:r>
             <a:r>
-              <a:rPr lang="mr-IN" sz="1400" dirty="0" smtClean="0">
+              <a:rPr lang="mr-IN" sz="1400" dirty="0">
                 <a:solidFill>
                   <a:srgbClr val="A90E1A"/>
                 </a:solidFill>
                 <a:latin typeface="Courier" charset="0"/>
               </a:rPr>
-              <a:t>     </a:t>
-            </a:r>
-            <a:r>
-              <a:rPr lang="mr-IN" sz="1400" dirty="0">
+              <a:t>     | </a:t>
+            </a:r>
+            <a:r>
+              <a:rPr lang="mr-IN" sz="1400" dirty="0" err="1">
                 <a:solidFill>
                   <a:srgbClr val="A90E1A"/>
                 </a:solidFill>
                 <a:latin typeface="Courier" charset="0"/>
               </a:rPr>
-              <a:t>| </a:t>
-            </a:r>
-            <a:r>
-              <a:rPr lang="mr-IN" sz="1400" dirty="0" err="1">
-                <a:solidFill>
-                  <a:srgbClr val="A90E1A"/>
-                </a:solidFill>
-                <a:latin typeface="Courier" charset="0"/>
-              </a:rPr>
               <a:t>num</a:t>
             </a:r>
-            <a:endParaRPr lang="en-US" sz="1400" dirty="0" smtClean="0"/>
-          </a:p>
-          <a:p>
-            <a:r>
-              <a:rPr lang="en-US" sz="1400" dirty="0" smtClean="0"/>
+            <a:endParaRPr lang="en-US" sz="1400" dirty="0"/>
+          </a:p>
+          <a:p>
+            <a:r>
+              <a:rPr lang="en-US" sz="1400" dirty="0"/>
               <a:t>    </a:t>
             </a:r>
             <a:r>
-              <a:rPr lang="mr-IN" sz="1400" dirty="0" smtClean="0"/>
+              <a:rPr lang="mr-IN" sz="1400" dirty="0"/>
               <a:t>…</a:t>
             </a:r>
-            <a:endParaRPr lang="en-US" sz="1400" dirty="0" smtClean="0"/>
+            <a:endParaRPr lang="en-US" sz="1400" dirty="0"/>
           </a:p>
           <a:p>
             <a:r>
               <a:rPr lang="en-US" sz="1400" dirty="0"/>
-              <a:t> </a:t>
-            </a:r>
-            <a:r>
-              <a:rPr lang="en-US" sz="1400" dirty="0" smtClean="0"/>
-              <a:t>  </a:t>
+              <a:t>   </a:t>
             </a:r>
             <a:r>
               <a:rPr lang="mr-IN" sz="1400" dirty="0">
@@ -12823,7 +12478,7 @@
           <a:effectLst/>
           <a:extLst>
             <a:ext uri="{AF507438-7753-43e0-B8FC-AC1667EBCBE1}">
-              <a14:hiddenEffects xmlns:a14="http://schemas.microsoft.com/office/drawing/2010/main" xmlns="">
+              <a14:hiddenEffects xmlns="" xmlns:a14="http://schemas.microsoft.com/office/drawing/2010/main">
                 <a:effectLst>
                   <a:outerShdw blurRad="63500" dist="38099" dir="2700000" algn="ctr" rotWithShape="0">
                     <a:schemeClr val="bg2">
@@ -12903,7 +12558,7 @@
           <a:effectLst/>
           <a:extLst>
             <a:ext uri="{AF507438-7753-43e0-B8FC-AC1667EBCBE1}">
-              <a14:hiddenEffects xmlns:a14="http://schemas.microsoft.com/office/drawing/2010/main" xmlns="">
+              <a14:hiddenEffects xmlns="" xmlns:a14="http://schemas.microsoft.com/office/drawing/2010/main">
                 <a:effectLst>
                   <a:outerShdw blurRad="63500" dist="38099" dir="2700000" algn="ctr" rotWithShape="0">
                     <a:schemeClr val="bg2">
@@ -12945,7 +12600,7 @@
           <a:effectLst/>
           <a:extLst>
             <a:ext uri="{AF507438-7753-43e0-B8FC-AC1667EBCBE1}">
-              <a14:hiddenEffects xmlns:a14="http://schemas.microsoft.com/office/drawing/2010/main" xmlns="">
+              <a14:hiddenEffects xmlns="" xmlns:a14="http://schemas.microsoft.com/office/drawing/2010/main">
                 <a:effectLst>
                   <a:outerShdw blurRad="63500" dist="38099" dir="2700000" algn="ctr" rotWithShape="0">
                     <a:schemeClr val="bg2">
@@ -12981,10 +12636,9 @@
           <a:lstStyle/>
           <a:p>
             <a:r>
-              <a:rPr lang="en-US" sz="1400" smtClean="0"/>
+              <a:rPr lang="en-US" sz="1400"/>
               <a:t>Actions</a:t>
             </a:r>
-            <a:endParaRPr lang="en-US" sz="1400"/>
           </a:p>
         </p:txBody>
       </p:sp>
@@ -13034,10 +12688,9 @@
           <a:lstStyle/>
           <a:p>
             <a:r>
-              <a:rPr lang="en-US" dirty="0" smtClean="0"/>
+              <a:rPr lang="en-US" dirty="0"/>
               <a:t>Actions</a:t>
             </a:r>
-            <a:endParaRPr lang="en-US" dirty="0"/>
           </a:p>
         </p:txBody>
       </p:sp>
@@ -13185,10 +12838,9 @@
           <a:lstStyle/>
           <a:p>
             <a:r>
-              <a:rPr lang="en-US" dirty="0" smtClean="0"/>
+              <a:rPr lang="en-US" dirty="0"/>
               <a:t>Bottom-Up Parsing – LR(1)</a:t>
             </a:r>
-            <a:endParaRPr lang="en-US" dirty="0"/>
           </a:p>
         </p:txBody>
       </p:sp>
@@ -13208,66 +12860,65 @@
           <a:lstStyle/>
           <a:p>
             <a:r>
-              <a:rPr lang="en-US" sz="2000" dirty="0" smtClean="0"/>
+              <a:rPr lang="en-US" sz="2000" dirty="0"/>
               <a:t>In our LL(1) parsing example we replaced non-terminal symbols with functions that did the expansions and the matching for us.</a:t>
             </a:r>
           </a:p>
           <a:p>
             <a:r>
-              <a:rPr lang="en-US" sz="2000" dirty="0" smtClean="0"/>
+              <a:rPr lang="en-US" sz="2000" dirty="0"/>
               <a:t>In LR(1) parsing we use a stack to help us find the correct reductions.</a:t>
             </a:r>
           </a:p>
           <a:p>
             <a:r>
-              <a:rPr lang="en-US" sz="2000" dirty="0" smtClean="0"/>
+              <a:rPr lang="en-US" sz="2000" dirty="0"/>
               <a:t>Given a stack, an LR(1) parser has four available actions:</a:t>
             </a:r>
           </a:p>
           <a:p>
             <a:pPr lvl="1"/>
             <a:r>
-              <a:rPr lang="en-US" sz="2000" b="1" dirty="0" smtClean="0"/>
+              <a:rPr lang="en-US" sz="2000" b="1" dirty="0"/>
               <a:t>Shift</a:t>
             </a:r>
             <a:r>
-              <a:rPr lang="en-US" sz="2000" dirty="0" smtClean="0"/>
+              <a:rPr lang="en-US" sz="2000" dirty="0"/>
               <a:t> – push an input token on the stack</a:t>
             </a:r>
           </a:p>
           <a:p>
             <a:pPr lvl="1"/>
             <a:r>
-              <a:rPr lang="en-US" sz="2000" b="1" dirty="0" smtClean="0"/>
+              <a:rPr lang="en-US" sz="2000" b="1" dirty="0"/>
               <a:t>Reduce</a:t>
             </a:r>
             <a:r>
-              <a:rPr lang="en-US" sz="2000" dirty="0" smtClean="0"/>
+              <a:rPr lang="en-US" sz="2000" dirty="0"/>
               <a:t> – pop elements from the stack and replace by a non-terminal (apply a rule ‘backwards’)</a:t>
             </a:r>
           </a:p>
           <a:p>
             <a:pPr lvl="1"/>
             <a:r>
-              <a:rPr lang="en-US" sz="2000" b="1" dirty="0" smtClean="0"/>
+              <a:rPr lang="en-US" sz="2000" b="1" dirty="0"/>
               <a:t>Accept</a:t>
             </a:r>
             <a:r>
-              <a:rPr lang="en-US" sz="2000" dirty="0" smtClean="0"/>
+              <a:rPr lang="en-US" sz="2000" dirty="0"/>
               <a:t> – accept the current program</a:t>
             </a:r>
           </a:p>
           <a:p>
             <a:pPr lvl="1"/>
             <a:r>
-              <a:rPr lang="en-US" sz="2000" b="1" dirty="0" smtClean="0"/>
+              <a:rPr lang="en-US" sz="2000" b="1" dirty="0"/>
               <a:t>Reject</a:t>
             </a:r>
             <a:r>
-              <a:rPr lang="en-US" sz="2000" dirty="0" smtClean="0"/>
+              <a:rPr lang="en-US" sz="2000" dirty="0"/>
               <a:t> – reject the current program</a:t>
             </a:r>
-            <a:endParaRPr lang="en-US" sz="2000" dirty="0"/>
           </a:p>
         </p:txBody>
       </p:sp>
@@ -13281,13 +12932,6 @@
   <p:clrMapOvr>
     <a:masterClrMapping/>
   </p:clrMapOvr>
-  <p:timing>
-    <p:tnLst>
-      <p:par>
-        <p:cTn id="1" dur="indefinite" restart="never" nodeType="tmRoot"/>
-      </p:par>
-    </p:tnLst>
-  </p:timing>
 </p:sld>
 </file>
 
@@ -13324,10 +12968,9 @@
           <a:lstStyle/>
           <a:p>
             <a:r>
-              <a:rPr lang="en-US" dirty="0" smtClean="0"/>
+              <a:rPr lang="en-US" dirty="0"/>
               <a:t>Bottom-Up Parsing – LR(1)</a:t>
             </a:r>
-            <a:endParaRPr lang="en-US" dirty="0"/>
           </a:p>
         </p:txBody>
       </p:sp>
@@ -13358,7 +13001,7 @@
           </a:ln>
           <a:extLst>
             <a:ext uri="{909E8E84-426E-40dd-AFC4-6F175D3DCCD1}">
-              <a14:hiddenFill xmlns:a14="http://schemas.microsoft.com/office/drawing/2010/main" xmlns="">
+              <a14:hiddenFill xmlns="" xmlns:a14="http://schemas.microsoft.com/office/drawing/2010/main">
                 <a:solidFill>
                   <a:schemeClr val="accent1"/>
                 </a:solidFill>
@@ -13406,7 +13049,7 @@
           </a:ln>
           <a:extLst>
             <a:ext uri="{909E8E84-426E-40dd-AFC4-6F175D3DCCD1}">
-              <a14:hiddenFill xmlns:a14="http://schemas.microsoft.com/office/drawing/2010/main" xmlns="">
+              <a14:hiddenFill xmlns="" xmlns:a14="http://schemas.microsoft.com/office/drawing/2010/main">
                 <a:solidFill>
                   <a:schemeClr val="accent1"/>
                 </a:solidFill>
@@ -13438,7 +13081,7 @@
               <a:t> 	:	</a:t>
             </a:r>
             <a:r>
-              <a:rPr lang="en-US" sz="1000" dirty="0" err="1" smtClean="0"/>
+              <a:rPr lang="en-US" sz="1000" dirty="0" err="1"/>
               <a:t>stmt</a:t>
             </a:r>
             <a:r>
@@ -13446,21 +13089,73 @@
               <a:t> </a:t>
             </a:r>
             <a:r>
-              <a:rPr lang="en-US" sz="1000" dirty="0" err="1" smtClean="0"/>
+              <a:rPr lang="en-US" sz="1000" dirty="0" err="1"/>
               <a:t>prog</a:t>
             </a:r>
-            <a:endParaRPr lang="en-US" sz="1000" dirty="0" smtClean="0"/>
-          </a:p>
-          <a:p>
+            <a:endParaRPr lang="en-US" sz="1000" dirty="0"/>
+          </a:p>
+          <a:p>
+            <a:r>
+              <a:rPr lang="en-US" sz="1000" dirty="0"/>
+              <a:t>                          |                         ””</a:t>
+            </a:r>
+          </a:p>
+          <a:p>
+            <a:r>
+              <a:rPr lang="en-US" sz="1000" dirty="0"/>
+              <a:t>	;</a:t>
+            </a:r>
+          </a:p>
+          <a:p>
+            <a:endParaRPr lang="en-US" sz="1000" dirty="0"/>
+          </a:p>
+          <a:p>
+            <a:r>
+              <a:rPr lang="en-US" sz="1000" dirty="0" err="1"/>
+              <a:t>stmt</a:t>
+            </a:r>
+            <a:r>
+              <a:rPr lang="en-US" sz="1000" dirty="0"/>
+              <a:t>	:	'p' </a:t>
+            </a:r>
+            <a:r>
+              <a:rPr lang="en-US" sz="1000" dirty="0" err="1"/>
+              <a:t>exp</a:t>
+            </a:r>
+            <a:r>
+              <a:rPr lang="en-US" sz="1000" dirty="0"/>
+              <a:t> ';'</a:t>
+            </a:r>
+          </a:p>
+          <a:p>
+            <a:r>
+              <a:rPr lang="en-US" sz="1000" dirty="0"/>
+              <a:t>	|	's’</a:t>
+            </a:r>
+            <a:r>
+              <a:rPr lang="en-US" sz="1000" dirty="0">
+                <a:solidFill>
+                  <a:srgbClr val="FF0000"/>
+                </a:solidFill>
+              </a:rPr>
+              <a:t> </a:t>
+            </a:r>
+            <a:r>
+              <a:rPr lang="en-US" sz="1000" dirty="0" err="1"/>
+              <a:t>var</a:t>
+            </a:r>
             <a:r>
               <a:rPr lang="en-US" sz="1000" dirty="0"/>
               <a:t> </a:t>
             </a:r>
             <a:r>
-              <a:rPr lang="en-US" sz="1000" dirty="0" smtClean="0"/>
-              <a:t>                         |                         ””</a:t>
-            </a:r>
-            <a:endParaRPr lang="en-US" sz="1000" dirty="0"/>
+              <a:rPr lang="en-US" sz="1000" dirty="0" err="1"/>
+              <a:t>exp</a:t>
+            </a:r>
+            <a:r>
+              <a:rPr lang="en-US" sz="1000" dirty="0"/>
+              <a:t> ';'</a:t>
+            </a:r>
           </a:p>
           <a:p>
             <a:r>
@@ -13474,11 +13169,11 @@
           <a:p>
             <a:r>
               <a:rPr lang="en-US" sz="1000" dirty="0" err="1"/>
-              <a:t>stmt</a:t>
+              <a:t>exp</a:t>
             </a:r>
             <a:r>
               <a:rPr lang="en-US" sz="1000" dirty="0"/>
-              <a:t>	:	'p' </a:t>
+              <a:t>	:	'+' </a:t>
             </a:r>
             <a:r>
               <a:rPr lang="en-US" sz="1000" dirty="0" err="1"/>
@@ -13486,42 +13181,68 @@
             </a:r>
             <a:r>
               <a:rPr lang="en-US" sz="1000" dirty="0"/>
-              <a:t> ';'</a:t>
-            </a:r>
-          </a:p>
-          <a:p>
-            <a:r>
-              <a:rPr lang="en-US" sz="1000" dirty="0"/>
-              <a:t>	|	'</a:t>
-            </a:r>
-            <a:r>
-              <a:rPr lang="en-US" sz="1000" dirty="0" smtClean="0"/>
-              <a:t>s’</a:t>
-            </a:r>
-            <a:r>
-              <a:rPr lang="en-US" sz="1000" dirty="0" smtClean="0">
-                <a:solidFill>
-                  <a:srgbClr val="FF0000"/>
-                </a:solidFill>
-              </a:rPr>
-              <a:t> </a:t>
-            </a:r>
-            <a:r>
-              <a:rPr lang="en-US" sz="1000" dirty="0" err="1" smtClean="0"/>
-              <a:t>var</a:t>
-            </a:r>
-            <a:r>
-              <a:rPr lang="en-US" sz="1000" dirty="0" smtClean="0"/>
               <a:t> </a:t>
             </a:r>
             <a:r>
               <a:rPr lang="en-US" sz="1000" dirty="0" err="1"/>
               <a:t>exp</a:t>
             </a:r>
+            <a:endParaRPr lang="en-US" sz="1000" dirty="0"/>
+          </a:p>
+          <a:p>
             <a:r>
               <a:rPr lang="en-US" sz="1000" dirty="0"/>
-              <a:t> ';'</a:t>
-            </a:r>
+              <a:t>	|	'-' </a:t>
+            </a:r>
+            <a:r>
+              <a:rPr lang="en-US" sz="1000" dirty="0" err="1"/>
+              <a:t>exp</a:t>
+            </a:r>
+            <a:r>
+              <a:rPr lang="en-US" sz="1000" dirty="0"/>
+              <a:t> </a:t>
+            </a:r>
+            <a:r>
+              <a:rPr lang="en-US" sz="1000" dirty="0" err="1"/>
+              <a:t>exp</a:t>
+            </a:r>
+            <a:endParaRPr lang="en-US" sz="1000" dirty="0"/>
+          </a:p>
+          <a:p>
+            <a:r>
+              <a:rPr lang="en-US" sz="1000" dirty="0"/>
+              <a:t>	|	'(' </a:t>
+            </a:r>
+            <a:r>
+              <a:rPr lang="en-US" sz="1000" dirty="0" err="1"/>
+              <a:t>exp</a:t>
+            </a:r>
+            <a:r>
+              <a:rPr lang="en-US" sz="1000" dirty="0"/>
+              <a:t> ')'</a:t>
+            </a:r>
+          </a:p>
+          <a:p>
+            <a:r>
+              <a:rPr lang="en-US" sz="1000" dirty="0"/>
+              <a:t>	|	</a:t>
+            </a:r>
+            <a:r>
+              <a:rPr lang="en-US" sz="1000" dirty="0" err="1"/>
+              <a:t>var</a:t>
+            </a:r>
+            <a:endParaRPr lang="en-US" sz="1000" dirty="0"/>
+          </a:p>
+          <a:p>
+            <a:r>
+              <a:rPr lang="en-US" sz="1000" dirty="0"/>
+              <a:t>	|	</a:t>
+            </a:r>
+            <a:r>
+              <a:rPr lang="en-US" sz="1000" dirty="0" err="1"/>
+              <a:t>num</a:t>
+            </a:r>
+            <a:endParaRPr lang="en-US" sz="1000" dirty="0"/>
           </a:p>
           <a:p>
             <a:r>
@@ -13530,148 +13251,48 @@
             </a:r>
           </a:p>
           <a:p>
-            <a:endParaRPr lang="en-US" sz="1000" dirty="0"/>
+            <a:r>
+              <a:rPr lang="en-US" sz="1000" dirty="0"/>
+              <a:t>	</a:t>
+            </a:r>
           </a:p>
           <a:p>
             <a:r>
               <a:rPr lang="en-US" sz="1000" dirty="0" err="1"/>
-              <a:t>exp</a:t>
+              <a:t>var</a:t>
             </a:r>
             <a:r>
               <a:rPr lang="en-US" sz="1000" dirty="0"/>
-              <a:t>	:	'+' </a:t>
-            </a:r>
-            <a:r>
-              <a:rPr lang="en-US" sz="1000" dirty="0" err="1"/>
-              <a:t>exp</a:t>
-            </a:r>
+              <a:t>  	:	'x' | 'y' | 'z'</a:t>
+            </a:r>
+          </a:p>
+          <a:p>
             <a:r>
               <a:rPr lang="en-US" sz="1000" dirty="0"/>
-              <a:t> </a:t>
-            </a:r>
-            <a:r>
-              <a:rPr lang="en-US" sz="1000" dirty="0" err="1"/>
-              <a:t>exp</a:t>
-            </a:r>
-            <a:endParaRPr lang="en-US" sz="1000" dirty="0"/>
+              <a:t>    	;</a:t>
+            </a:r>
           </a:p>
           <a:p>
             <a:r>
               <a:rPr lang="en-US" sz="1000" dirty="0"/>
-              <a:t>	|	'-' </a:t>
-            </a:r>
-            <a:r>
-              <a:rPr lang="en-US" sz="1000" dirty="0" err="1"/>
-              <a:t>exp</a:t>
-            </a:r>
-            <a:r>
-              <a:rPr lang="en-US" sz="1000" dirty="0"/>
-              <a:t> </a:t>
-            </a:r>
-            <a:r>
-              <a:rPr lang="en-US" sz="1000" dirty="0" err="1"/>
-              <a:t>exp</a:t>
-            </a:r>
-            <a:endParaRPr lang="en-US" sz="1000" dirty="0"/>
-          </a:p>
-          <a:p>
-            <a:r>
-              <a:rPr lang="en-US" sz="1000" dirty="0"/>
-              <a:t>	|	'(' </a:t>
-            </a:r>
-            <a:r>
-              <a:rPr lang="en-US" sz="1000" dirty="0" err="1"/>
-              <a:t>exp</a:t>
-            </a:r>
-            <a:r>
-              <a:rPr lang="en-US" sz="1000" dirty="0"/>
-              <a:t> ')'</a:t>
-            </a:r>
-          </a:p>
-          <a:p>
-            <a:r>
-              <a:rPr lang="en-US" sz="1000" dirty="0"/>
-              <a:t>	|	</a:t>
-            </a:r>
-            <a:r>
-              <a:rPr lang="en-US" sz="1000" dirty="0" err="1" smtClean="0"/>
-              <a:t>var</a:t>
-            </a:r>
-            <a:endParaRPr lang="en-US" sz="1000" dirty="0"/>
-          </a:p>
-          <a:p>
-            <a:r>
-              <a:rPr lang="en-US" sz="1000" dirty="0"/>
-              <a:t>	|	</a:t>
-            </a:r>
+              <a:t>	</a:t>
+            </a:r>
+          </a:p>
+          <a:p>
             <a:r>
               <a:rPr lang="en-US" sz="1000" dirty="0" err="1"/>
               <a:t>num</a:t>
             </a:r>
-            <a:endParaRPr lang="en-US" sz="1000" dirty="0"/>
-          </a:p>
-          <a:p>
             <a:r>
               <a:rPr lang="en-US" sz="1000" dirty="0"/>
-              <a:t>	;</a:t>
+              <a:t>	:	'0’ …'9'</a:t>
             </a:r>
           </a:p>
           <a:p>
             <a:r>
               <a:rPr lang="en-US" sz="1000" dirty="0"/>
-              <a:t>	</a:t>
-            </a:r>
-          </a:p>
-          <a:p>
-            <a:r>
-              <a:rPr lang="en-US" sz="1000" dirty="0" err="1" smtClean="0"/>
-              <a:t>var</a:t>
-            </a:r>
-            <a:r>
-              <a:rPr lang="en-US" sz="1000" dirty="0" smtClean="0"/>
-              <a:t>  	:	'x' | 'y' | 'z'</a:t>
-            </a:r>
-          </a:p>
-          <a:p>
-            <a:r>
-              <a:rPr lang="en-US" sz="1000" dirty="0" smtClean="0"/>
               <a:t>    	;</a:t>
             </a:r>
-          </a:p>
-          <a:p>
-            <a:r>
-              <a:rPr lang="en-US" sz="1000" dirty="0" smtClean="0"/>
-              <a:t>	</a:t>
-            </a:r>
-          </a:p>
-          <a:p>
-            <a:r>
-              <a:rPr lang="en-US" sz="1000" dirty="0" err="1" smtClean="0"/>
-              <a:t>num</a:t>
-            </a:r>
-            <a:r>
-              <a:rPr lang="en-US" sz="1000" dirty="0"/>
-              <a:t>	:	'</a:t>
-            </a:r>
-            <a:r>
-              <a:rPr lang="en-US" sz="1000" dirty="0" smtClean="0"/>
-              <a:t>0’ …'</a:t>
-            </a:r>
-            <a:r>
-              <a:rPr lang="en-US" sz="1000" dirty="0"/>
-              <a:t>9'</a:t>
-            </a:r>
-          </a:p>
-          <a:p>
-            <a:r>
-              <a:rPr lang="en-US" sz="1000" dirty="0"/>
-              <a:t>    	</a:t>
-            </a:r>
-            <a:r>
-              <a:rPr lang="en-US" sz="1000" dirty="0" smtClean="0"/>
-              <a:t>;</a:t>
-            </a:r>
-            <a:endParaRPr lang="en-US" sz="1000" dirty="0"/>
           </a:p>
         </p:txBody>
       </p:sp>
@@ -13700,9 +13321,27 @@
                 <a:tableStyleId>{9DCAF9ED-07DC-4A11-8D7F-57B35C25682E}</a:tableStyleId>
               </a:tblPr>
               <a:tblGrid>
-                <a:gridCol w="1554480"/>
-                <a:gridCol w="1554480"/>
-                <a:gridCol w="1554480"/>
+                <a:gridCol w="1554480">
+                  <a:extLst>
+                    <a:ext uri="{9D8B030D-6E8A-4147-A177-3AD203B41FA5}">
+                      <a16:colId xmlns:a16="http://schemas.microsoft.com/office/drawing/2014/main" val="20000"/>
+                    </a:ext>
+                  </a:extLst>
+                </a:gridCol>
+                <a:gridCol w="1554480">
+                  <a:extLst>
+                    <a:ext uri="{9D8B030D-6E8A-4147-A177-3AD203B41FA5}">
+                      <a16:colId xmlns:a16="http://schemas.microsoft.com/office/drawing/2014/main" val="20001"/>
+                    </a:ext>
+                  </a:extLst>
+                </a:gridCol>
+                <a:gridCol w="1554480">
+                  <a:extLst>
+                    <a:ext uri="{9D8B030D-6E8A-4147-A177-3AD203B41FA5}">
+                      <a16:colId xmlns:a16="http://schemas.microsoft.com/office/drawing/2014/main" val="20002"/>
+                    </a:ext>
+                  </a:extLst>
+                </a:gridCol>
               </a:tblGrid>
               <a:tr h="301752">
                 <a:tc>
@@ -13711,10 +13350,9 @@
                     <a:lstStyle/>
                     <a:p>
                       <a:r>
-                        <a:rPr lang="en-US" sz="1400" dirty="0" smtClean="0"/>
+                        <a:rPr lang="en-US" sz="1400" dirty="0"/>
                         <a:t>Stack</a:t>
                       </a:r>
-                      <a:endParaRPr lang="en-US" sz="1400" dirty="0"/>
                     </a:p>
                   </a:txBody>
                   <a:tcPr>
@@ -13762,10 +13400,9 @@
                     <a:lstStyle/>
                     <a:p>
                       <a:r>
-                        <a:rPr lang="en-US" sz="1400" dirty="0" smtClean="0"/>
+                        <a:rPr lang="en-US" sz="1400" dirty="0"/>
                         <a:t>Input</a:t>
                       </a:r>
-                      <a:endParaRPr lang="en-US" sz="1400" dirty="0"/>
                     </a:p>
                   </a:txBody>
                   <a:tcPr>
@@ -13813,10 +13450,9 @@
                     <a:lstStyle/>
                     <a:p>
                       <a:r>
-                        <a:rPr lang="en-US" sz="1400" dirty="0" smtClean="0"/>
+                        <a:rPr lang="en-US" sz="1400" dirty="0"/>
                         <a:t>Action</a:t>
                       </a:r>
-                      <a:endParaRPr lang="en-US" sz="1400" dirty="0"/>
                     </a:p>
                   </a:txBody>
                   <a:tcPr>
@@ -13858,6 +13494,11 @@
                     </a:lnB>
                   </a:tcPr>
                 </a:tc>
+                <a:extLst>
+                  <a:ext uri="{0D108BD9-81ED-4DB2-BD59-A6C34878D82A}">
+                    <a16:rowId xmlns:a16="http://schemas.microsoft.com/office/drawing/2014/main" val="10000"/>
+                  </a:ext>
+                </a:extLst>
               </a:tr>
               <a:tr h="301752">
                 <a:tc>
@@ -13866,10 +13507,9 @@
                     <a:lstStyle/>
                     <a:p>
                       <a:r>
-                        <a:rPr lang="en-US" sz="1400" dirty="0" smtClean="0"/>
+                        <a:rPr lang="en-US" sz="1400" dirty="0"/>
                         <a:t>&lt;empty&gt;</a:t>
                       </a:r>
-                      <a:endParaRPr lang="en-US" sz="1400" dirty="0"/>
                     </a:p>
                   </a:txBody>
                   <a:tcPr>
@@ -13917,10 +13557,9 @@
                     <a:lstStyle/>
                     <a:p>
                       <a:r>
-                        <a:rPr lang="en-US" sz="1400" dirty="0" smtClean="0"/>
+                        <a:rPr lang="en-US" sz="1400" dirty="0"/>
                         <a:t>p + x 1 ;</a:t>
                       </a:r>
-                      <a:endParaRPr lang="en-US" sz="1400" dirty="0"/>
                     </a:p>
                   </a:txBody>
                   <a:tcPr>
@@ -13968,10 +13607,9 @@
                     <a:lstStyle/>
                     <a:p>
                       <a:r>
-                        <a:rPr lang="en-US" sz="1400" dirty="0" smtClean="0"/>
+                        <a:rPr lang="en-US" sz="1400" dirty="0"/>
                         <a:t>Shift</a:t>
                       </a:r>
-                      <a:endParaRPr lang="en-US" sz="1400" dirty="0"/>
                     </a:p>
                   </a:txBody>
                   <a:tcPr>
@@ -14013,6 +13651,11 @@
                     </a:lnB>
                   </a:tcPr>
                 </a:tc>
+                <a:extLst>
+                  <a:ext uri="{0D108BD9-81ED-4DB2-BD59-A6C34878D82A}">
+                    <a16:rowId xmlns:a16="http://schemas.microsoft.com/office/drawing/2014/main" val="10001"/>
+                  </a:ext>
+                </a:extLst>
               </a:tr>
               <a:tr h="301752">
                 <a:tc>
@@ -14021,10 +13664,9 @@
                     <a:lstStyle/>
                     <a:p>
                       <a:r>
-                        <a:rPr lang="en-US" sz="1400" dirty="0" smtClean="0"/>
+                        <a:rPr lang="en-US" sz="1400" dirty="0"/>
                         <a:t>p</a:t>
                       </a:r>
-                      <a:endParaRPr lang="en-US" sz="1400" dirty="0"/>
                     </a:p>
                   </a:txBody>
                   <a:tcPr>
@@ -14072,10 +13714,9 @@
                     <a:lstStyle/>
                     <a:p>
                       <a:r>
-                        <a:rPr lang="en-US" sz="1400" dirty="0" smtClean="0"/>
+                        <a:rPr lang="en-US" sz="1400" dirty="0"/>
                         <a:t>+ x 1 ;</a:t>
                       </a:r>
-                      <a:endParaRPr lang="en-US" sz="1400" dirty="0"/>
                     </a:p>
                   </a:txBody>
                   <a:tcPr>
@@ -14123,10 +13764,9 @@
                     <a:lstStyle/>
                     <a:p>
                       <a:r>
-                        <a:rPr lang="en-US" sz="1400" dirty="0" smtClean="0"/>
+                        <a:rPr lang="en-US" sz="1400" dirty="0"/>
                         <a:t>Shift</a:t>
                       </a:r>
-                      <a:endParaRPr lang="en-US" sz="1400" dirty="0"/>
                     </a:p>
                   </a:txBody>
                   <a:tcPr>
@@ -14168,6 +13808,11 @@
                     </a:lnB>
                   </a:tcPr>
                 </a:tc>
+                <a:extLst>
+                  <a:ext uri="{0D108BD9-81ED-4DB2-BD59-A6C34878D82A}">
+                    <a16:rowId xmlns:a16="http://schemas.microsoft.com/office/drawing/2014/main" val="10002"/>
+                  </a:ext>
+                </a:extLst>
               </a:tr>
               <a:tr h="301752">
                 <a:tc>
@@ -14176,10 +13821,9 @@
                     <a:lstStyle/>
                     <a:p>
                       <a:r>
-                        <a:rPr lang="en-US" sz="1400" dirty="0" smtClean="0"/>
+                        <a:rPr lang="en-US" sz="1400" dirty="0"/>
                         <a:t>p + </a:t>
                       </a:r>
-                      <a:endParaRPr lang="en-US" sz="1400" dirty="0"/>
                     </a:p>
                   </a:txBody>
                   <a:tcPr>
@@ -14227,10 +13871,9 @@
                     <a:lstStyle/>
                     <a:p>
                       <a:r>
-                        <a:rPr lang="en-US" sz="1400" dirty="0" smtClean="0"/>
+                        <a:rPr lang="en-US" sz="1400" dirty="0"/>
                         <a:t>x 1 ; </a:t>
                       </a:r>
-                      <a:endParaRPr lang="en-US" sz="1400" dirty="0"/>
                     </a:p>
                   </a:txBody>
                   <a:tcPr>
@@ -14278,10 +13921,9 @@
                     <a:lstStyle/>
                     <a:p>
                       <a:r>
-                        <a:rPr lang="en-US" sz="1400" dirty="0" smtClean="0"/>
+                        <a:rPr lang="en-US" sz="1400" dirty="0"/>
                         <a:t>Shift</a:t>
                       </a:r>
-                      <a:endParaRPr lang="en-US" sz="1400" dirty="0"/>
                     </a:p>
                   </a:txBody>
                   <a:tcPr>
@@ -14323,6 +13965,11 @@
                     </a:lnB>
                   </a:tcPr>
                 </a:tc>
+                <a:extLst>
+                  <a:ext uri="{0D108BD9-81ED-4DB2-BD59-A6C34878D82A}">
+                    <a16:rowId xmlns:a16="http://schemas.microsoft.com/office/drawing/2014/main" val="10003"/>
+                  </a:ext>
+                </a:extLst>
               </a:tr>
               <a:tr h="301752">
                 <a:tc>
@@ -14331,10 +13978,9 @@
                     <a:lstStyle/>
                     <a:p>
                       <a:r>
-                        <a:rPr lang="en-US" sz="1400" dirty="0" smtClean="0"/>
+                        <a:rPr lang="en-US" sz="1400" dirty="0"/>
                         <a:t>p + x </a:t>
                       </a:r>
-                      <a:endParaRPr lang="en-US" sz="1400" dirty="0"/>
                     </a:p>
                   </a:txBody>
                   <a:tcPr>
@@ -14382,10 +14028,9 @@
                     <a:lstStyle/>
                     <a:p>
                       <a:r>
-                        <a:rPr lang="en-US" sz="1400" dirty="0" smtClean="0"/>
+                        <a:rPr lang="en-US" sz="1400" dirty="0"/>
                         <a:t>1 ;</a:t>
                       </a:r>
-                      <a:endParaRPr lang="en-US" sz="1400" dirty="0"/>
                     </a:p>
                   </a:txBody>
                   <a:tcPr>
@@ -14433,10 +14078,9 @@
                     <a:lstStyle/>
                     <a:p>
                       <a:r>
-                        <a:rPr lang="en-US" sz="1400" dirty="0" smtClean="0"/>
+                        <a:rPr lang="en-US" sz="1400" dirty="0"/>
                         <a:t>Reduce</a:t>
                       </a:r>
-                      <a:endParaRPr lang="en-US" sz="1400" dirty="0"/>
                     </a:p>
                   </a:txBody>
                   <a:tcPr>
@@ -14478,6 +14122,11 @@
                     </a:lnB>
                   </a:tcPr>
                 </a:tc>
+                <a:extLst>
+                  <a:ext uri="{0D108BD9-81ED-4DB2-BD59-A6C34878D82A}">
+                    <a16:rowId xmlns:a16="http://schemas.microsoft.com/office/drawing/2014/main" val="10004"/>
+                  </a:ext>
+                </a:extLst>
               </a:tr>
               <a:tr h="301752">
                 <a:tc>
@@ -14486,11 +14135,11 @@
                     <a:lstStyle/>
                     <a:p>
                       <a:r>
-                        <a:rPr lang="en-US" sz="1400" dirty="0" smtClean="0"/>
+                        <a:rPr lang="en-US" sz="1400" dirty="0"/>
                         <a:t>p + </a:t>
                       </a:r>
                       <a:r>
-                        <a:rPr lang="en-US" sz="1400" dirty="0" err="1" smtClean="0"/>
+                        <a:rPr lang="en-US" sz="1400" dirty="0" err="1"/>
                         <a:t>var</a:t>
                       </a:r>
                       <a:endParaRPr lang="en-US" sz="1400" dirty="0"/>
@@ -14541,10 +14190,9 @@
                     <a:lstStyle/>
                     <a:p>
                       <a:r>
-                        <a:rPr lang="en-US" sz="1400" dirty="0" smtClean="0"/>
+                        <a:rPr lang="en-US" sz="1400" dirty="0"/>
                         <a:t>1 ;</a:t>
                       </a:r>
-                      <a:endParaRPr lang="en-US" sz="1400" dirty="0"/>
                     </a:p>
                   </a:txBody>
                   <a:tcPr>
@@ -14592,10 +14240,9 @@
                     <a:lstStyle/>
                     <a:p>
                       <a:r>
-                        <a:rPr lang="en-US" sz="1400" dirty="0" smtClean="0"/>
+                        <a:rPr lang="en-US" sz="1400" dirty="0"/>
                         <a:t>Reduce</a:t>
                       </a:r>
-                      <a:endParaRPr lang="en-US" sz="1400" dirty="0"/>
                     </a:p>
                   </a:txBody>
                   <a:tcPr>
@@ -14637,6 +14284,11 @@
                     </a:lnB>
                   </a:tcPr>
                 </a:tc>
+                <a:extLst>
+                  <a:ext uri="{0D108BD9-81ED-4DB2-BD59-A6C34878D82A}">
+                    <a16:rowId xmlns:a16="http://schemas.microsoft.com/office/drawing/2014/main" val="10005"/>
+                  </a:ext>
+                </a:extLst>
               </a:tr>
               <a:tr h="301752">
                 <a:tc>
@@ -14645,11 +14297,11 @@
                     <a:lstStyle/>
                     <a:p>
                       <a:r>
-                        <a:rPr lang="en-US" sz="1400" dirty="0" smtClean="0"/>
+                        <a:rPr lang="en-US" sz="1400" dirty="0"/>
                         <a:t>p + </a:t>
                       </a:r>
                       <a:r>
-                        <a:rPr lang="en-US" sz="1400" dirty="0" err="1" smtClean="0"/>
+                        <a:rPr lang="en-US" sz="1400" dirty="0" err="1"/>
                         <a:t>exp</a:t>
                       </a:r>
                       <a:endParaRPr lang="en-US" sz="1400" dirty="0"/>
@@ -14700,10 +14352,9 @@
                     <a:lstStyle/>
                     <a:p>
                       <a:r>
-                        <a:rPr lang="en-US" sz="1400" dirty="0" smtClean="0"/>
+                        <a:rPr lang="en-US" sz="1400" dirty="0"/>
                         <a:t>1 ;</a:t>
                       </a:r>
-                      <a:endParaRPr lang="en-US" sz="1400" dirty="0"/>
                     </a:p>
                   </a:txBody>
                   <a:tcPr>
@@ -14751,10 +14402,9 @@
                     <a:lstStyle/>
                     <a:p>
                       <a:r>
-                        <a:rPr lang="en-US" sz="1400" dirty="0" smtClean="0"/>
+                        <a:rPr lang="en-US" sz="1400" dirty="0"/>
                         <a:t>Shift</a:t>
                       </a:r>
-                      <a:endParaRPr lang="en-US" sz="1400" dirty="0"/>
                     </a:p>
                   </a:txBody>
                   <a:tcPr>
@@ -14796,6 +14446,11 @@
                     </a:lnB>
                   </a:tcPr>
                 </a:tc>
+                <a:extLst>
+                  <a:ext uri="{0D108BD9-81ED-4DB2-BD59-A6C34878D82A}">
+                    <a16:rowId xmlns:a16="http://schemas.microsoft.com/office/drawing/2014/main" val="10006"/>
+                  </a:ext>
+                </a:extLst>
               </a:tr>
               <a:tr h="301752">
                 <a:tc>
@@ -14804,18 +14459,17 @@
                     <a:lstStyle/>
                     <a:p>
                       <a:r>
-                        <a:rPr lang="en-US" sz="1400" dirty="0" smtClean="0"/>
+                        <a:rPr lang="en-US" sz="1400" dirty="0"/>
                         <a:t>p + </a:t>
                       </a:r>
                       <a:r>
-                        <a:rPr lang="en-US" sz="1400" dirty="0" err="1" smtClean="0"/>
+                        <a:rPr lang="en-US" sz="1400" dirty="0" err="1"/>
                         <a:t>exp</a:t>
                       </a:r>
                       <a:r>
-                        <a:rPr lang="en-US" sz="1400" dirty="0" smtClean="0"/>
+                        <a:rPr lang="en-US" sz="1400" dirty="0"/>
                         <a:t> 1</a:t>
                       </a:r>
-                      <a:endParaRPr lang="en-US" sz="1400" dirty="0"/>
                     </a:p>
                   </a:txBody>
                   <a:tcPr>
@@ -14863,10 +14517,9 @@
                     <a:lstStyle/>
                     <a:p>
                       <a:r>
-                        <a:rPr lang="en-US" sz="1400" dirty="0" smtClean="0"/>
+                        <a:rPr lang="en-US" sz="1400" dirty="0"/>
                         <a:t>;</a:t>
                       </a:r>
-                      <a:endParaRPr lang="en-US" sz="1400" dirty="0"/>
                     </a:p>
                   </a:txBody>
                   <a:tcPr>
@@ -14914,10 +14567,9 @@
                     <a:lstStyle/>
                     <a:p>
                       <a:r>
-                        <a:rPr lang="en-US" sz="1400" dirty="0" smtClean="0"/>
+                        <a:rPr lang="en-US" sz="1400" dirty="0"/>
                         <a:t>Reduce</a:t>
                       </a:r>
-                      <a:endParaRPr lang="en-US" sz="1400" dirty="0"/>
                     </a:p>
                   </a:txBody>
                   <a:tcPr>
@@ -14959,6 +14611,11 @@
                     </a:lnB>
                   </a:tcPr>
                 </a:tc>
+                <a:extLst>
+                  <a:ext uri="{0D108BD9-81ED-4DB2-BD59-A6C34878D82A}">
+                    <a16:rowId xmlns:a16="http://schemas.microsoft.com/office/drawing/2014/main" val="10007"/>
+                  </a:ext>
+                </a:extLst>
               </a:tr>
               <a:tr h="301752">
                 <a:tc>
@@ -14967,19 +14624,19 @@
                     <a:lstStyle/>
                     <a:p>
                       <a:r>
-                        <a:rPr lang="en-US" sz="1400" dirty="0" smtClean="0"/>
+                        <a:rPr lang="en-US" sz="1400" dirty="0"/>
                         <a:t>p + </a:t>
                       </a:r>
                       <a:r>
-                        <a:rPr lang="en-US" sz="1400" dirty="0" err="1" smtClean="0"/>
+                        <a:rPr lang="en-US" sz="1400" dirty="0" err="1"/>
                         <a:t>exp</a:t>
                       </a:r>
                       <a:r>
-                        <a:rPr lang="en-US" sz="1400" dirty="0" smtClean="0"/>
+                        <a:rPr lang="en-US" sz="1400" dirty="0"/>
                         <a:t> </a:t>
                       </a:r>
                       <a:r>
-                        <a:rPr lang="en-US" sz="1400" dirty="0" err="1" smtClean="0"/>
+                        <a:rPr lang="en-US" sz="1400" dirty="0" err="1"/>
                         <a:t>num</a:t>
                       </a:r>
                       <a:endParaRPr lang="en-US" sz="1400" dirty="0"/>
@@ -15030,10 +14687,9 @@
                     <a:lstStyle/>
                     <a:p>
                       <a:r>
-                        <a:rPr lang="en-US" sz="1400" dirty="0" smtClean="0"/>
+                        <a:rPr lang="en-US" sz="1400" dirty="0"/>
                         <a:t>;</a:t>
                       </a:r>
-                      <a:endParaRPr lang="en-US" sz="1400" dirty="0"/>
                     </a:p>
                   </a:txBody>
                   <a:tcPr>
@@ -15081,10 +14737,9 @@
                     <a:lstStyle/>
                     <a:p>
                       <a:r>
-                        <a:rPr lang="en-US" sz="1400" dirty="0" smtClean="0"/>
+                        <a:rPr lang="en-US" sz="1400" dirty="0"/>
                         <a:t>Reduce</a:t>
                       </a:r>
-                      <a:endParaRPr lang="en-US" sz="1400" dirty="0"/>
                     </a:p>
                   </a:txBody>
                   <a:tcPr>
@@ -15126,6 +14781,11 @@
                     </a:lnB>
                   </a:tcPr>
                 </a:tc>
+                <a:extLst>
+                  <a:ext uri="{0D108BD9-81ED-4DB2-BD59-A6C34878D82A}">
+                    <a16:rowId xmlns:a16="http://schemas.microsoft.com/office/drawing/2014/main" val="10008"/>
+                  </a:ext>
+                </a:extLst>
               </a:tr>
               <a:tr h="301752">
                 <a:tc>
@@ -15134,19 +14794,19 @@
                     <a:lstStyle/>
                     <a:p>
                       <a:r>
-                        <a:rPr lang="en-US" sz="1400" dirty="0" smtClean="0"/>
+                        <a:rPr lang="en-US" sz="1400" dirty="0"/>
                         <a:t>p + </a:t>
                       </a:r>
                       <a:r>
-                        <a:rPr lang="en-US" sz="1400" dirty="0" err="1" smtClean="0"/>
+                        <a:rPr lang="en-US" sz="1400" dirty="0" err="1"/>
                         <a:t>exp</a:t>
                       </a:r>
                       <a:r>
-                        <a:rPr lang="en-US" sz="1400" dirty="0" smtClean="0"/>
+                        <a:rPr lang="en-US" sz="1400" dirty="0"/>
                         <a:t> </a:t>
                       </a:r>
                       <a:r>
-                        <a:rPr lang="en-US" sz="1400" dirty="0" err="1" smtClean="0"/>
+                        <a:rPr lang="en-US" sz="1400" dirty="0" err="1"/>
                         <a:t>exp</a:t>
                       </a:r>
                       <a:endParaRPr lang="en-US" sz="1400" dirty="0"/>
@@ -15197,10 +14857,9 @@
                     <a:lstStyle/>
                     <a:p>
                       <a:r>
-                        <a:rPr lang="en-US" sz="1400" dirty="0" smtClean="0"/>
+                        <a:rPr lang="en-US" sz="1400" dirty="0"/>
                         <a:t>;</a:t>
                       </a:r>
-                      <a:endParaRPr lang="en-US" sz="1400" dirty="0"/>
                     </a:p>
                   </a:txBody>
                   <a:tcPr>
@@ -15248,10 +14907,9 @@
                     <a:lstStyle/>
                     <a:p>
                       <a:r>
-                        <a:rPr lang="en-US" sz="1400" dirty="0" smtClean="0"/>
+                        <a:rPr lang="en-US" sz="1400" dirty="0"/>
                         <a:t>Reduce</a:t>
                       </a:r>
-                      <a:endParaRPr lang="en-US" sz="1400" dirty="0"/>
                     </a:p>
                   </a:txBody>
                   <a:tcPr>
@@ -15293,6 +14951,11 @@
                     </a:lnB>
                   </a:tcPr>
                 </a:tc>
+                <a:extLst>
+                  <a:ext uri="{0D108BD9-81ED-4DB2-BD59-A6C34878D82A}">
+                    <a16:rowId xmlns:a16="http://schemas.microsoft.com/office/drawing/2014/main" val="10009"/>
+                  </a:ext>
+                </a:extLst>
               </a:tr>
               <a:tr h="301752">
                 <a:tc>
@@ -15301,15 +14964,15 @@
                     <a:lstStyle/>
                     <a:p>
                       <a:r>
-                        <a:rPr lang="en-US" sz="1400" dirty="0" smtClean="0"/>
+                        <a:rPr lang="en-US" sz="1400" dirty="0"/>
                         <a:t>p</a:t>
                       </a:r>
                       <a:r>
-                        <a:rPr lang="en-US" sz="1400" baseline="0" dirty="0" smtClean="0"/>
+                        <a:rPr lang="en-US" sz="1400" baseline="0" dirty="0"/>
                         <a:t> </a:t>
                       </a:r>
                       <a:r>
-                        <a:rPr lang="en-US" sz="1400" baseline="0" dirty="0" err="1" smtClean="0"/>
+                        <a:rPr lang="en-US" sz="1400" baseline="0" dirty="0" err="1"/>
                         <a:t>exp</a:t>
                       </a:r>
                       <a:endParaRPr lang="en-US" sz="1400" dirty="0"/>
@@ -15360,10 +15023,9 @@
                     <a:lstStyle/>
                     <a:p>
                       <a:r>
-                        <a:rPr lang="en-US" sz="1400" dirty="0" smtClean="0"/>
+                        <a:rPr lang="en-US" sz="1400" dirty="0"/>
                         <a:t>;</a:t>
                       </a:r>
-                      <a:endParaRPr lang="en-US" sz="1400" dirty="0"/>
                     </a:p>
                   </a:txBody>
                   <a:tcPr>
@@ -15411,10 +15073,9 @@
                     <a:lstStyle/>
                     <a:p>
                       <a:r>
-                        <a:rPr lang="en-US" sz="1400" dirty="0" smtClean="0"/>
+                        <a:rPr lang="en-US" sz="1400" dirty="0"/>
                         <a:t>Shift</a:t>
                       </a:r>
-                      <a:endParaRPr lang="en-US" sz="1400" dirty="0"/>
                     </a:p>
                   </a:txBody>
                   <a:tcPr>
@@ -15456,6 +15117,11 @@
                     </a:lnB>
                   </a:tcPr>
                 </a:tc>
+                <a:extLst>
+                  <a:ext uri="{0D108BD9-81ED-4DB2-BD59-A6C34878D82A}">
+                    <a16:rowId xmlns:a16="http://schemas.microsoft.com/office/drawing/2014/main" val="10010"/>
+                  </a:ext>
+                </a:extLst>
               </a:tr>
               <a:tr h="301752">
                 <a:tc>
@@ -15464,18 +15130,17 @@
                     <a:lstStyle/>
                     <a:p>
                       <a:r>
-                        <a:rPr lang="en-US" sz="1400" dirty="0" smtClean="0"/>
+                        <a:rPr lang="en-US" sz="1400" dirty="0"/>
                         <a:t>p </a:t>
                       </a:r>
                       <a:r>
-                        <a:rPr lang="en-US" sz="1400" dirty="0" err="1" smtClean="0"/>
+                        <a:rPr lang="en-US" sz="1400" dirty="0" err="1"/>
                         <a:t>exp</a:t>
                       </a:r>
                       <a:r>
-                        <a:rPr lang="en-US" sz="1400" dirty="0" smtClean="0"/>
+                        <a:rPr lang="en-US" sz="1400" dirty="0"/>
                         <a:t> ;</a:t>
                       </a:r>
-                      <a:endParaRPr lang="en-US" sz="1400" dirty="0"/>
                     </a:p>
                   </a:txBody>
                   <a:tcPr>
@@ -15523,10 +15188,9 @@
                     <a:lstStyle/>
                     <a:p>
                       <a:r>
-                        <a:rPr lang="en-US" sz="1400" dirty="0" smtClean="0"/>
+                        <a:rPr lang="en-US" sz="1400" dirty="0"/>
                         <a:t>&lt;empty&gt;</a:t>
                       </a:r>
-                      <a:endParaRPr lang="en-US" sz="1400" dirty="0"/>
                     </a:p>
                   </a:txBody>
                   <a:tcPr>
@@ -15574,7 +15238,7 @@
                     <a:lstStyle/>
                     <a:p>
                       <a:r>
-                        <a:rPr lang="en-US" sz="1400" dirty="0" smtClean="0"/>
+                        <a:rPr lang="en-US" sz="1400" dirty="0"/>
                         <a:t>Reduce</a:t>
                       </a:r>
                     </a:p>
@@ -15618,6 +15282,11 @@
                     </a:lnB>
                   </a:tcPr>
                 </a:tc>
+                <a:extLst>
+                  <a:ext uri="{0D108BD9-81ED-4DB2-BD59-A6C34878D82A}">
+                    <a16:rowId xmlns:a16="http://schemas.microsoft.com/office/drawing/2014/main" val="10011"/>
+                  </a:ext>
+                </a:extLst>
               </a:tr>
               <a:tr h="301752">
                 <a:tc>
@@ -15626,7 +15295,7 @@
                     <a:lstStyle/>
                     <a:p>
                       <a:r>
-                        <a:rPr lang="en-US" sz="1400" dirty="0" err="1" smtClean="0"/>
+                        <a:rPr lang="en-US" sz="1400" dirty="0" err="1"/>
                         <a:t>stmt</a:t>
                       </a:r>
                       <a:endParaRPr lang="en-US" sz="1400" dirty="0"/>
@@ -15677,10 +15346,9 @@
                     <a:lstStyle/>
                     <a:p>
                       <a:r>
-                        <a:rPr lang="en-US" sz="1400" dirty="0" smtClean="0"/>
+                        <a:rPr lang="en-US" sz="1400" dirty="0"/>
                         <a:t>&lt;empty&gt;</a:t>
                       </a:r>
-                      <a:endParaRPr lang="en-US" sz="1400" dirty="0"/>
                     </a:p>
                   </a:txBody>
                   <a:tcPr>
@@ -15728,7 +15396,7 @@
                     <a:lstStyle/>
                     <a:p>
                       <a:r>
-                        <a:rPr lang="en-US" sz="1400" dirty="0" smtClean="0"/>
+                        <a:rPr lang="en-US" sz="1400" dirty="0"/>
                         <a:t>Shift</a:t>
                       </a:r>
                     </a:p>
@@ -15772,6 +15440,11 @@
                     </a:lnB>
                   </a:tcPr>
                 </a:tc>
+                <a:extLst>
+                  <a:ext uri="{0D108BD9-81ED-4DB2-BD59-A6C34878D82A}">
+                    <a16:rowId xmlns:a16="http://schemas.microsoft.com/office/drawing/2014/main" val="10012"/>
+                  </a:ext>
+                </a:extLst>
               </a:tr>
               <a:tr h="301752">
                 <a:tc>
@@ -15780,14 +15453,13 @@
                     <a:lstStyle/>
                     <a:p>
                       <a:r>
-                        <a:rPr lang="en-US" sz="1400" dirty="0" err="1" smtClean="0"/>
+                        <a:rPr lang="en-US" sz="1400" dirty="0" err="1"/>
                         <a:t>stmt</a:t>
                       </a:r>
                       <a:r>
-                        <a:rPr lang="en-US" sz="1400" dirty="0" smtClean="0"/>
+                        <a:rPr lang="en-US" sz="1400" dirty="0"/>
                         <a:t> &lt;empty&gt; </a:t>
                       </a:r>
-                      <a:endParaRPr lang="en-US" sz="1400" dirty="0"/>
                     </a:p>
                   </a:txBody>
                   <a:tcPr>
@@ -15835,10 +15507,9 @@
                     <a:lstStyle/>
                     <a:p>
                       <a:r>
-                        <a:rPr lang="en-US" sz="1400" dirty="0" smtClean="0"/>
+                        <a:rPr lang="en-US" sz="1400" dirty="0"/>
                         <a:t>&lt;empty&gt;</a:t>
                       </a:r>
-                      <a:endParaRPr lang="en-US" sz="1400" dirty="0"/>
                     </a:p>
                   </a:txBody>
                   <a:tcPr>
@@ -15886,7 +15557,7 @@
                     <a:lstStyle/>
                     <a:p>
                       <a:r>
-                        <a:rPr lang="en-US" sz="1400" dirty="0" smtClean="0"/>
+                        <a:rPr lang="en-US" sz="1400" dirty="0"/>
                         <a:t>Reduce</a:t>
                       </a:r>
                     </a:p>
@@ -15930,6 +15601,11 @@
                     </a:lnB>
                   </a:tcPr>
                 </a:tc>
+                <a:extLst>
+                  <a:ext uri="{0D108BD9-81ED-4DB2-BD59-A6C34878D82A}">
+                    <a16:rowId xmlns:a16="http://schemas.microsoft.com/office/drawing/2014/main" val="10013"/>
+                  </a:ext>
+                </a:extLst>
               </a:tr>
               <a:tr h="301752">
                 <a:tc>
@@ -15938,15 +15614,15 @@
                     <a:lstStyle/>
                     <a:p>
                       <a:r>
-                        <a:rPr lang="en-US" sz="1400" dirty="0" err="1" smtClean="0"/>
+                        <a:rPr lang="en-US" sz="1400" dirty="0" err="1"/>
                         <a:t>stmt</a:t>
                       </a:r>
                       <a:r>
-                        <a:rPr lang="en-US" sz="1400" dirty="0" smtClean="0"/>
+                        <a:rPr lang="en-US" sz="1400" dirty="0"/>
                         <a:t> </a:t>
                       </a:r>
                       <a:r>
-                        <a:rPr lang="en-US" sz="1400" dirty="0" err="1" smtClean="0"/>
+                        <a:rPr lang="en-US" sz="1400" dirty="0" err="1"/>
                         <a:t>prog</a:t>
                       </a:r>
                       <a:endParaRPr lang="en-US" sz="1400" dirty="0"/>
@@ -15997,10 +15673,9 @@
                     <a:lstStyle/>
                     <a:p>
                       <a:r>
-                        <a:rPr lang="en-US" sz="1400" dirty="0" smtClean="0"/>
+                        <a:rPr lang="en-US" sz="1400" dirty="0"/>
                         <a:t>&lt;empty&gt;</a:t>
                       </a:r>
-                      <a:endParaRPr lang="en-US" sz="1400" dirty="0"/>
                     </a:p>
                   </a:txBody>
                   <a:tcPr>
@@ -16048,7 +15723,7 @@
                     <a:lstStyle/>
                     <a:p>
                       <a:r>
-                        <a:rPr lang="en-US" sz="1400" dirty="0" smtClean="0"/>
+                        <a:rPr lang="en-US" sz="1400" dirty="0"/>
                         <a:t>Reduce</a:t>
                       </a:r>
                     </a:p>
@@ -16092,6 +15767,11 @@
                     </a:lnB>
                   </a:tcPr>
                 </a:tc>
+                <a:extLst>
+                  <a:ext uri="{0D108BD9-81ED-4DB2-BD59-A6C34878D82A}">
+                    <a16:rowId xmlns:a16="http://schemas.microsoft.com/office/drawing/2014/main" val="10014"/>
+                  </a:ext>
+                </a:extLst>
               </a:tr>
               <a:tr h="301752">
                 <a:tc>
@@ -16100,7 +15780,7 @@
                     <a:lstStyle/>
                     <a:p>
                       <a:r>
-                        <a:rPr lang="en-US" sz="1400" dirty="0" err="1" smtClean="0"/>
+                        <a:rPr lang="en-US" sz="1400" dirty="0" err="1"/>
                         <a:t>prog</a:t>
                       </a:r>
                       <a:endParaRPr lang="en-US" sz="1400" dirty="0"/>
@@ -16151,10 +15831,9 @@
                     <a:lstStyle/>
                     <a:p>
                       <a:r>
-                        <a:rPr lang="en-US" sz="1400" dirty="0" smtClean="0"/>
+                        <a:rPr lang="en-US" sz="1400" dirty="0"/>
                         <a:t>&lt;empty&gt;</a:t>
                       </a:r>
-                      <a:endParaRPr lang="en-US" sz="1400" dirty="0"/>
                     </a:p>
                   </a:txBody>
                   <a:tcPr>
@@ -16202,7 +15881,7 @@
                     <a:lstStyle/>
                     <a:p>
                       <a:r>
-                        <a:rPr lang="en-US" sz="1400" dirty="0" smtClean="0">
+                        <a:rPr lang="en-US" sz="1400" dirty="0">
                           <a:solidFill>
                             <a:srgbClr val="FF0000"/>
                           </a:solidFill>
@@ -16250,6 +15929,11 @@
                     </a:lnB>
                   </a:tcPr>
                 </a:tc>
+                <a:extLst>
+                  <a:ext uri="{0D108BD9-81ED-4DB2-BD59-A6C34878D82A}">
+                    <a16:rowId xmlns:a16="http://schemas.microsoft.com/office/drawing/2014/main" val="10015"/>
+                  </a:ext>
+                </a:extLst>
               </a:tr>
             </a:tbl>
           </a:graphicData>
@@ -16265,13 +15949,6 @@
   <p:clrMapOvr>
     <a:masterClrMapping/>
   </p:clrMapOvr>
-  <p:timing>
-    <p:tnLst>
-      <p:par>
-        <p:cTn id="1" dur="indefinite" restart="never" nodeType="tmRoot"/>
-      </p:par>
-    </p:tnLst>
-  </p:timing>
 </p:sld>
 </file>
 
@@ -16308,10 +15985,9 @@
           <a:lstStyle/>
           <a:p>
             <a:r>
-              <a:rPr lang="en-US" dirty="0" smtClean="0"/>
+              <a:rPr lang="en-US" dirty="0"/>
               <a:t>Bottom-Up Parsing – LR(1)</a:t>
             </a:r>
-            <a:endParaRPr lang="en-US" dirty="0"/>
           </a:p>
         </p:txBody>
       </p:sp>
@@ -16342,7 +16018,7 @@
           </a:ln>
           <a:extLst>
             <a:ext uri="{909E8E84-426E-40dd-AFC4-6F175D3DCCD1}">
-              <a14:hiddenFill xmlns:a14="http://schemas.microsoft.com/office/drawing/2010/main" xmlns="">
+              <a14:hiddenFill xmlns="" xmlns:a14="http://schemas.microsoft.com/office/drawing/2010/main">
                 <a:solidFill>
                   <a:schemeClr val="accent1"/>
                 </a:solidFill>
@@ -16388,7 +16064,13 @@
                 <a:tableStyleId>{9DCAF9ED-07DC-4A11-8D7F-57B35C25682E}</a:tableStyleId>
               </a:tblPr>
               <a:tblGrid>
-                <a:gridCol w="1625600"/>
+                <a:gridCol w="1625600">
+                  <a:extLst>
+                    <a:ext uri="{9D8B030D-6E8A-4147-A177-3AD203B41FA5}">
+                      <a16:colId xmlns:a16="http://schemas.microsoft.com/office/drawing/2014/main" val="20000"/>
+                    </a:ext>
+                  </a:extLst>
+                </a:gridCol>
               </a:tblGrid>
               <a:tr h="317500">
                 <a:tc>
@@ -16397,10 +16079,9 @@
                     <a:lstStyle/>
                     <a:p>
                       <a:r>
-                        <a:rPr lang="en-US" sz="1400" dirty="0" smtClean="0"/>
+                        <a:rPr lang="en-US" sz="1400" dirty="0"/>
                         <a:t>Stack</a:t>
                       </a:r>
-                      <a:endParaRPr lang="en-US" sz="1400" dirty="0"/>
                     </a:p>
                   </a:txBody>
                   <a:tcPr>
@@ -16442,6 +16123,11 @@
                     </a:lnB>
                   </a:tcPr>
                 </a:tc>
+                <a:extLst>
+                  <a:ext uri="{0D108BD9-81ED-4DB2-BD59-A6C34878D82A}">
+                    <a16:rowId xmlns:a16="http://schemas.microsoft.com/office/drawing/2014/main" val="10000"/>
+                  </a:ext>
+                </a:extLst>
               </a:tr>
               <a:tr h="317500">
                 <a:tc>
@@ -16450,10 +16136,9 @@
                     <a:lstStyle/>
                     <a:p>
                       <a:r>
-                        <a:rPr lang="en-US" sz="1400" dirty="0" smtClean="0"/>
+                        <a:rPr lang="en-US" sz="1400" dirty="0"/>
                         <a:t>&lt;empty&gt;</a:t>
                       </a:r>
-                      <a:endParaRPr lang="en-US" sz="1400" dirty="0"/>
                     </a:p>
                   </a:txBody>
                   <a:tcPr>
@@ -16495,6 +16180,11 @@
                     </a:lnB>
                   </a:tcPr>
                 </a:tc>
+                <a:extLst>
+                  <a:ext uri="{0D108BD9-81ED-4DB2-BD59-A6C34878D82A}">
+                    <a16:rowId xmlns:a16="http://schemas.microsoft.com/office/drawing/2014/main" val="10001"/>
+                  </a:ext>
+                </a:extLst>
               </a:tr>
               <a:tr h="317500">
                 <a:tc>
@@ -16503,10 +16193,9 @@
                     <a:lstStyle/>
                     <a:p>
                       <a:r>
-                        <a:rPr lang="en-US" sz="1400" dirty="0" smtClean="0"/>
+                        <a:rPr lang="en-US" sz="1400" dirty="0"/>
                         <a:t>p</a:t>
                       </a:r>
-                      <a:endParaRPr lang="en-US" sz="1400" dirty="0"/>
                     </a:p>
                   </a:txBody>
                   <a:tcPr>
@@ -16548,6 +16237,11 @@
                     </a:lnB>
                   </a:tcPr>
                 </a:tc>
+                <a:extLst>
+                  <a:ext uri="{0D108BD9-81ED-4DB2-BD59-A6C34878D82A}">
+                    <a16:rowId xmlns:a16="http://schemas.microsoft.com/office/drawing/2014/main" val="10002"/>
+                  </a:ext>
+                </a:extLst>
               </a:tr>
               <a:tr h="317500">
                 <a:tc>
@@ -16556,10 +16250,9 @@
                     <a:lstStyle/>
                     <a:p>
                       <a:r>
-                        <a:rPr lang="en-US" sz="1400" dirty="0" smtClean="0"/>
+                        <a:rPr lang="en-US" sz="1400" dirty="0"/>
                         <a:t>p + </a:t>
                       </a:r>
-                      <a:endParaRPr lang="en-US" sz="1400" dirty="0"/>
                     </a:p>
                   </a:txBody>
                   <a:tcPr>
@@ -16601,6 +16294,11 @@
                     </a:lnB>
                   </a:tcPr>
                 </a:tc>
+                <a:extLst>
+                  <a:ext uri="{0D108BD9-81ED-4DB2-BD59-A6C34878D82A}">
+                    <a16:rowId xmlns:a16="http://schemas.microsoft.com/office/drawing/2014/main" val="10003"/>
+                  </a:ext>
+                </a:extLst>
               </a:tr>
               <a:tr h="317500">
                 <a:tc>
@@ -16609,10 +16307,9 @@
                     <a:lstStyle/>
                     <a:p>
                       <a:r>
-                        <a:rPr lang="en-US" sz="1400" dirty="0" smtClean="0"/>
+                        <a:rPr lang="en-US" sz="1400" dirty="0"/>
                         <a:t>p + x </a:t>
                       </a:r>
-                      <a:endParaRPr lang="en-US" sz="1400" dirty="0"/>
                     </a:p>
                   </a:txBody>
                   <a:tcPr>
@@ -16654,6 +16351,11 @@
                     </a:lnB>
                   </a:tcPr>
                 </a:tc>
+                <a:extLst>
+                  <a:ext uri="{0D108BD9-81ED-4DB2-BD59-A6C34878D82A}">
+                    <a16:rowId xmlns:a16="http://schemas.microsoft.com/office/drawing/2014/main" val="10004"/>
+                  </a:ext>
+                </a:extLst>
               </a:tr>
               <a:tr h="317500">
                 <a:tc>
@@ -16662,11 +16364,11 @@
                     <a:lstStyle/>
                     <a:p>
                       <a:r>
-                        <a:rPr lang="en-US" sz="1400" dirty="0" smtClean="0"/>
+                        <a:rPr lang="en-US" sz="1400" dirty="0"/>
                         <a:t>p + </a:t>
                       </a:r>
                       <a:r>
-                        <a:rPr lang="en-US" sz="1400" dirty="0" err="1" smtClean="0"/>
+                        <a:rPr lang="en-US" sz="1400" dirty="0" err="1"/>
                         <a:t>var</a:t>
                       </a:r>
                       <a:endParaRPr lang="en-US" sz="1400" dirty="0"/>
@@ -16711,6 +16413,11 @@
                     </a:lnB>
                   </a:tcPr>
                 </a:tc>
+                <a:extLst>
+                  <a:ext uri="{0D108BD9-81ED-4DB2-BD59-A6C34878D82A}">
+                    <a16:rowId xmlns:a16="http://schemas.microsoft.com/office/drawing/2014/main" val="10005"/>
+                  </a:ext>
+                </a:extLst>
               </a:tr>
               <a:tr h="317500">
                 <a:tc>
@@ -16719,11 +16426,11 @@
                     <a:lstStyle/>
                     <a:p>
                       <a:r>
-                        <a:rPr lang="en-US" sz="1400" dirty="0" smtClean="0"/>
+                        <a:rPr lang="en-US" sz="1400" dirty="0"/>
                         <a:t>p + </a:t>
                       </a:r>
                       <a:r>
-                        <a:rPr lang="en-US" sz="1400" dirty="0" err="1" smtClean="0"/>
+                        <a:rPr lang="en-US" sz="1400" dirty="0" err="1"/>
                         <a:t>exp</a:t>
                       </a:r>
                       <a:endParaRPr lang="en-US" sz="1400" dirty="0"/>
@@ -16768,6 +16475,11 @@
                     </a:lnB>
                   </a:tcPr>
                 </a:tc>
+                <a:extLst>
+                  <a:ext uri="{0D108BD9-81ED-4DB2-BD59-A6C34878D82A}">
+                    <a16:rowId xmlns:a16="http://schemas.microsoft.com/office/drawing/2014/main" val="10006"/>
+                  </a:ext>
+                </a:extLst>
               </a:tr>
               <a:tr h="317500">
                 <a:tc>
@@ -16776,18 +16488,17 @@
                     <a:lstStyle/>
                     <a:p>
                       <a:r>
-                        <a:rPr lang="en-US" sz="1400" dirty="0" smtClean="0"/>
+                        <a:rPr lang="en-US" sz="1400" dirty="0"/>
                         <a:t>p + </a:t>
                       </a:r>
                       <a:r>
-                        <a:rPr lang="en-US" sz="1400" dirty="0" err="1" smtClean="0"/>
+                        <a:rPr lang="en-US" sz="1400" dirty="0" err="1"/>
                         <a:t>exp</a:t>
                       </a:r>
                       <a:r>
-                        <a:rPr lang="en-US" sz="1400" dirty="0" smtClean="0"/>
+                        <a:rPr lang="en-US" sz="1400" dirty="0"/>
                         <a:t> 1</a:t>
                       </a:r>
-                      <a:endParaRPr lang="en-US" sz="1400" dirty="0"/>
                     </a:p>
                   </a:txBody>
                   <a:tcPr>
@@ -16829,6 +16540,11 @@
                     </a:lnB>
                   </a:tcPr>
                 </a:tc>
+                <a:extLst>
+                  <a:ext uri="{0D108BD9-81ED-4DB2-BD59-A6C34878D82A}">
+                    <a16:rowId xmlns:a16="http://schemas.microsoft.com/office/drawing/2014/main" val="10007"/>
+                  </a:ext>
+                </a:extLst>
               </a:tr>
               <a:tr h="317500">
                 <a:tc>
@@ -16837,19 +16553,19 @@
                     <a:lstStyle/>
                     <a:p>
                       <a:r>
-                        <a:rPr lang="en-US" sz="1400" dirty="0" smtClean="0"/>
+                        <a:rPr lang="en-US" sz="1400" dirty="0"/>
                         <a:t>p + </a:t>
                       </a:r>
                       <a:r>
-                        <a:rPr lang="en-US" sz="1400" dirty="0" err="1" smtClean="0"/>
+                        <a:rPr lang="en-US" sz="1400" dirty="0" err="1"/>
                         <a:t>exp</a:t>
                       </a:r>
                       <a:r>
-                        <a:rPr lang="en-US" sz="1400" dirty="0" smtClean="0"/>
+                        <a:rPr lang="en-US" sz="1400" dirty="0"/>
                         <a:t> </a:t>
                       </a:r>
                       <a:r>
-                        <a:rPr lang="en-US" sz="1400" dirty="0" err="1" smtClean="0"/>
+                        <a:rPr lang="en-US" sz="1400" dirty="0" err="1"/>
                         <a:t>num</a:t>
                       </a:r>
                       <a:endParaRPr lang="en-US" sz="1400" dirty="0"/>
@@ -16894,6 +16610,11 @@
                     </a:lnB>
                   </a:tcPr>
                 </a:tc>
+                <a:extLst>
+                  <a:ext uri="{0D108BD9-81ED-4DB2-BD59-A6C34878D82A}">
+                    <a16:rowId xmlns:a16="http://schemas.microsoft.com/office/drawing/2014/main" val="10008"/>
+                  </a:ext>
+                </a:extLst>
               </a:tr>
               <a:tr h="317500">
                 <a:tc>
@@ -16902,19 +16623,19 @@
                     <a:lstStyle/>
                     <a:p>
                       <a:r>
-                        <a:rPr lang="en-US" sz="1400" dirty="0" smtClean="0"/>
+                        <a:rPr lang="en-US" sz="1400" dirty="0"/>
                         <a:t>p + </a:t>
                       </a:r>
                       <a:r>
-                        <a:rPr lang="en-US" sz="1400" dirty="0" err="1" smtClean="0"/>
+                        <a:rPr lang="en-US" sz="1400" dirty="0" err="1"/>
                         <a:t>exp</a:t>
                       </a:r>
                       <a:r>
-                        <a:rPr lang="en-US" sz="1400" dirty="0" smtClean="0"/>
+                        <a:rPr lang="en-US" sz="1400" dirty="0"/>
                         <a:t> </a:t>
                       </a:r>
                       <a:r>
-                        <a:rPr lang="en-US" sz="1400" dirty="0" err="1" smtClean="0"/>
+                        <a:rPr lang="en-US" sz="1400" dirty="0" err="1"/>
                         <a:t>exp</a:t>
                       </a:r>
                       <a:endParaRPr lang="en-US" sz="1400" dirty="0"/>
@@ -16959,6 +16680,11 @@
                     </a:lnB>
                   </a:tcPr>
                 </a:tc>
+                <a:extLst>
+                  <a:ext uri="{0D108BD9-81ED-4DB2-BD59-A6C34878D82A}">
+                    <a16:rowId xmlns:a16="http://schemas.microsoft.com/office/drawing/2014/main" val="10009"/>
+                  </a:ext>
+                </a:extLst>
               </a:tr>
               <a:tr h="317500">
                 <a:tc>
@@ -16967,15 +16693,15 @@
                     <a:lstStyle/>
                     <a:p>
                       <a:r>
-                        <a:rPr lang="en-US" sz="1400" dirty="0" smtClean="0"/>
+                        <a:rPr lang="en-US" sz="1400" dirty="0"/>
                         <a:t>p</a:t>
                       </a:r>
                       <a:r>
-                        <a:rPr lang="en-US" sz="1400" baseline="0" dirty="0" smtClean="0"/>
+                        <a:rPr lang="en-US" sz="1400" baseline="0" dirty="0"/>
                         <a:t> </a:t>
                       </a:r>
                       <a:r>
-                        <a:rPr lang="en-US" sz="1400" baseline="0" dirty="0" err="1" smtClean="0"/>
+                        <a:rPr lang="en-US" sz="1400" baseline="0" dirty="0" err="1"/>
                         <a:t>exp</a:t>
                       </a:r>
                       <a:endParaRPr lang="en-US" sz="1400" dirty="0"/>
@@ -17020,6 +16746,11 @@
                     </a:lnB>
                   </a:tcPr>
                 </a:tc>
+                <a:extLst>
+                  <a:ext uri="{0D108BD9-81ED-4DB2-BD59-A6C34878D82A}">
+                    <a16:rowId xmlns:a16="http://schemas.microsoft.com/office/drawing/2014/main" val="10010"/>
+                  </a:ext>
+                </a:extLst>
               </a:tr>
               <a:tr h="317500">
                 <a:tc>
@@ -17028,18 +16759,17 @@
                     <a:lstStyle/>
                     <a:p>
                       <a:r>
-                        <a:rPr lang="en-US" sz="1400" dirty="0" smtClean="0"/>
+                        <a:rPr lang="en-US" sz="1400" dirty="0"/>
                         <a:t>p </a:t>
                       </a:r>
                       <a:r>
-                        <a:rPr lang="en-US" sz="1400" dirty="0" err="1" smtClean="0"/>
+                        <a:rPr lang="en-US" sz="1400" dirty="0" err="1"/>
                         <a:t>exp</a:t>
                       </a:r>
                       <a:r>
-                        <a:rPr lang="en-US" sz="1400" dirty="0" smtClean="0"/>
+                        <a:rPr lang="en-US" sz="1400" dirty="0"/>
                         <a:t> ;</a:t>
                       </a:r>
-                      <a:endParaRPr lang="en-US" sz="1400" dirty="0"/>
                     </a:p>
                   </a:txBody>
                   <a:tcPr>
@@ -17081,6 +16811,11 @@
                     </a:lnB>
                   </a:tcPr>
                 </a:tc>
+                <a:extLst>
+                  <a:ext uri="{0D108BD9-81ED-4DB2-BD59-A6C34878D82A}">
+                    <a16:rowId xmlns:a16="http://schemas.microsoft.com/office/drawing/2014/main" val="10011"/>
+                  </a:ext>
+                </a:extLst>
               </a:tr>
               <a:tr h="317500">
                 <a:tc>
@@ -17089,14 +16824,13 @@
                     <a:lstStyle/>
                     <a:p>
                       <a:r>
-                        <a:rPr lang="en-US" sz="1400" dirty="0" err="1" smtClean="0"/>
+                        <a:rPr lang="en-US" sz="1400" dirty="0" err="1"/>
                         <a:t>stmt</a:t>
                       </a:r>
                       <a:r>
-                        <a:rPr lang="en-US" sz="1400" dirty="0" smtClean="0"/>
+                        <a:rPr lang="en-US" sz="1400" dirty="0"/>
                         <a:t> </a:t>
                       </a:r>
-                      <a:endParaRPr lang="en-US" sz="1400" dirty="0"/>
                     </a:p>
                   </a:txBody>
                   <a:tcPr>
@@ -17138,6 +16872,11 @@
                     </a:lnB>
                   </a:tcPr>
                 </a:tc>
+                <a:extLst>
+                  <a:ext uri="{0D108BD9-81ED-4DB2-BD59-A6C34878D82A}">
+                    <a16:rowId xmlns:a16="http://schemas.microsoft.com/office/drawing/2014/main" val="10012"/>
+                  </a:ext>
+                </a:extLst>
               </a:tr>
               <a:tr h="317500">
                 <a:tc>
@@ -17146,11 +16885,11 @@
                     <a:lstStyle/>
                     <a:p>
                       <a:r>
-                        <a:rPr lang="en-US" sz="1400" dirty="0" err="1" smtClean="0"/>
+                        <a:rPr lang="en-US" sz="1400" dirty="0" err="1"/>
                         <a:t>stmt</a:t>
                       </a:r>
                       <a:r>
-                        <a:rPr lang="en-US" sz="1400" baseline="0" dirty="0" smtClean="0"/>
+                        <a:rPr lang="en-US" sz="1400" baseline="0" dirty="0"/>
                         <a:t> &lt;empty&gt;</a:t>
                       </a:r>
                       <a:endParaRPr lang="en-US" sz="1400" dirty="0"/>
@@ -17195,6 +16934,11 @@
                     </a:lnB>
                   </a:tcPr>
                 </a:tc>
+                <a:extLst>
+                  <a:ext uri="{0D108BD9-81ED-4DB2-BD59-A6C34878D82A}">
+                    <a16:rowId xmlns:a16="http://schemas.microsoft.com/office/drawing/2014/main" val="10013"/>
+                  </a:ext>
+                </a:extLst>
               </a:tr>
               <a:tr h="317500">
                 <a:tc>
@@ -17203,15 +16947,15 @@
                     <a:lstStyle/>
                     <a:p>
                       <a:r>
-                        <a:rPr lang="en-US" sz="1400" dirty="0" err="1" smtClean="0"/>
+                        <a:rPr lang="en-US" sz="1400" dirty="0" err="1"/>
                         <a:t>stmt</a:t>
                       </a:r>
                       <a:r>
-                        <a:rPr lang="en-US" sz="1400" dirty="0" smtClean="0"/>
+                        <a:rPr lang="en-US" sz="1400" dirty="0"/>
                         <a:t> </a:t>
                       </a:r>
                       <a:r>
-                        <a:rPr lang="en-US" sz="1400" dirty="0" err="1" smtClean="0"/>
+                        <a:rPr lang="en-US" sz="1400" dirty="0" err="1"/>
                         <a:t>prog</a:t>
                       </a:r>
                       <a:endParaRPr lang="en-US" sz="1400" dirty="0"/>
@@ -17256,6 +17000,11 @@
                     </a:lnB>
                   </a:tcPr>
                 </a:tc>
+                <a:extLst>
+                  <a:ext uri="{0D108BD9-81ED-4DB2-BD59-A6C34878D82A}">
+                    <a16:rowId xmlns:a16="http://schemas.microsoft.com/office/drawing/2014/main" val="10014"/>
+                  </a:ext>
+                </a:extLst>
               </a:tr>
               <a:tr h="317500">
                 <a:tc>
@@ -17264,7 +17013,7 @@
                     <a:lstStyle/>
                     <a:p>
                       <a:r>
-                        <a:rPr lang="en-US" sz="1400" dirty="0" err="1" smtClean="0"/>
+                        <a:rPr lang="en-US" sz="1400" dirty="0" err="1"/>
                         <a:t>prog</a:t>
                       </a:r>
                       <a:endParaRPr lang="en-US" sz="1400" dirty="0"/>
@@ -17309,6 +17058,11 @@
                     </a:lnB>
                   </a:tcPr>
                 </a:tc>
+                <a:extLst>
+                  <a:ext uri="{0D108BD9-81ED-4DB2-BD59-A6C34878D82A}">
+                    <a16:rowId xmlns:a16="http://schemas.microsoft.com/office/drawing/2014/main" val="10015"/>
+                  </a:ext>
+                </a:extLst>
               </a:tr>
             </a:tbl>
           </a:graphicData>
@@ -17337,7 +17091,7 @@
           <a:lstStyle/>
           <a:p>
             <a:r>
-              <a:rPr lang="en-US" sz="1400" dirty="0" err="1" smtClean="0"/>
+              <a:rPr lang="en-US" sz="1400" dirty="0" err="1"/>
               <a:t>prog</a:t>
             </a:r>
             <a:endParaRPr lang="en-US" sz="1400" dirty="0"/>
@@ -17368,11 +17122,7 @@
           <a:p>
             <a:r>
               <a:rPr lang="en-US" sz="1400" dirty="0" err="1"/>
-              <a:t>s</a:t>
-            </a:r>
-            <a:r>
-              <a:rPr lang="en-US" sz="1400" dirty="0" err="1" smtClean="0"/>
-              <a:t>tmt</a:t>
+              <a:t>stmt</a:t>
             </a:r>
             <a:endParaRPr lang="en-US" sz="1400" dirty="0"/>
           </a:p>
@@ -17430,7 +17180,7 @@
           <a:lstStyle/>
           <a:p>
             <a:r>
-              <a:rPr lang="en-US" sz="1400" dirty="0" err="1" smtClean="0"/>
+              <a:rPr lang="en-US" sz="1400" dirty="0" err="1"/>
               <a:t>exp</a:t>
             </a:r>
             <a:endParaRPr lang="en-US" sz="1400" dirty="0"/>
@@ -17460,10 +17210,9 @@
           <a:lstStyle/>
           <a:p>
             <a:r>
-              <a:rPr lang="en-US" sz="1400" dirty="0" smtClean="0"/>
+              <a:rPr lang="en-US" sz="1400" dirty="0"/>
               <a:t>;</a:t>
             </a:r>
-            <a:endParaRPr lang="en-US" sz="1400" dirty="0"/>
           </a:p>
         </p:txBody>
       </p:sp>
@@ -17490,10 +17239,9 @@
           <a:lstStyle/>
           <a:p>
             <a:r>
-              <a:rPr lang="en-US" sz="1400" dirty="0" smtClean="0"/>
+              <a:rPr lang="en-US" sz="1400" dirty="0"/>
               <a:t>x</a:t>
             </a:r>
-            <a:endParaRPr lang="en-US" sz="1400" dirty="0"/>
           </a:p>
         </p:txBody>
       </p:sp>
@@ -17558,7 +17306,7 @@
           <a:effectLst/>
           <a:extLst>
             <a:ext uri="{AF507438-7753-43e0-B8FC-AC1667EBCBE1}">
-              <a14:hiddenEffects xmlns:a14="http://schemas.microsoft.com/office/drawing/2010/main" xmlns="">
+              <a14:hiddenEffects xmlns="" xmlns:a14="http://schemas.microsoft.com/office/drawing/2010/main">
                 <a:effectLst>
                   <a:outerShdw blurRad="63500" dist="38099" dir="2700000" algn="ctr" rotWithShape="0">
                     <a:schemeClr val="bg2">
@@ -17603,7 +17351,7 @@
           <a:effectLst/>
           <a:extLst>
             <a:ext uri="{AF507438-7753-43e0-B8FC-AC1667EBCBE1}">
-              <a14:hiddenEffects xmlns:a14="http://schemas.microsoft.com/office/drawing/2010/main" xmlns="">
+              <a14:hiddenEffects xmlns="" xmlns:a14="http://schemas.microsoft.com/office/drawing/2010/main">
                 <a:effectLst>
                   <a:outerShdw blurRad="63500" dist="38099" dir="2700000" algn="ctr" rotWithShape="0">
                     <a:schemeClr val="bg2">
@@ -17648,7 +17396,7 @@
           <a:effectLst/>
           <a:extLst>
             <a:ext uri="{AF507438-7753-43e0-B8FC-AC1667EBCBE1}">
-              <a14:hiddenEffects xmlns:a14="http://schemas.microsoft.com/office/drawing/2010/main" xmlns="">
+              <a14:hiddenEffects xmlns="" xmlns:a14="http://schemas.microsoft.com/office/drawing/2010/main">
                 <a:effectLst>
                   <a:outerShdw blurRad="63500" dist="38099" dir="2700000" algn="ctr" rotWithShape="0">
                     <a:schemeClr val="bg2">
@@ -17693,7 +17441,7 @@
           <a:effectLst/>
           <a:extLst>
             <a:ext uri="{AF507438-7753-43e0-B8FC-AC1667EBCBE1}">
-              <a14:hiddenEffects xmlns:a14="http://schemas.microsoft.com/office/drawing/2010/main" xmlns="">
+              <a14:hiddenEffects xmlns="" xmlns:a14="http://schemas.microsoft.com/office/drawing/2010/main">
                 <a:effectLst>
                   <a:outerShdw blurRad="63500" dist="38099" dir="2700000" algn="ctr" rotWithShape="0">
                     <a:schemeClr val="bg2">
@@ -17729,7 +17477,7 @@
           <a:lstStyle/>
           <a:p>
             <a:r>
-              <a:rPr lang="en-US" sz="1400" dirty="0" err="1" smtClean="0"/>
+              <a:rPr lang="en-US" sz="1400" dirty="0" err="1"/>
               <a:t>exp</a:t>
             </a:r>
             <a:endParaRPr lang="en-US" sz="1400" dirty="0"/>
@@ -17759,7 +17507,7 @@
           <a:lstStyle/>
           <a:p>
             <a:r>
-              <a:rPr lang="en-US" sz="1400" dirty="0" err="1" smtClean="0"/>
+              <a:rPr lang="en-US" sz="1400" dirty="0" err="1"/>
               <a:t>exp</a:t>
             </a:r>
             <a:endParaRPr lang="en-US" sz="1400" dirty="0"/>
@@ -17789,7 +17537,7 @@
           <a:lstStyle/>
           <a:p>
             <a:r>
-              <a:rPr lang="en-US" sz="1400" dirty="0" err="1" smtClean="0"/>
+              <a:rPr lang="en-US" sz="1400" dirty="0" err="1"/>
               <a:t>var</a:t>
             </a:r>
             <a:endParaRPr lang="en-US" sz="1400" dirty="0"/>
@@ -17819,7 +17567,7 @@
           <a:lstStyle/>
           <a:p>
             <a:r>
-              <a:rPr lang="en-US" sz="1400" dirty="0" err="1" smtClean="0"/>
+              <a:rPr lang="en-US" sz="1400" dirty="0" err="1"/>
               <a:t>num</a:t>
             </a:r>
             <a:endParaRPr lang="en-US" sz="1400" dirty="0"/>
@@ -17858,7 +17606,7 @@
           <a:effectLst/>
           <a:extLst>
             <a:ext uri="{AF507438-7753-43e0-B8FC-AC1667EBCBE1}">
-              <a14:hiddenEffects xmlns:a14="http://schemas.microsoft.com/office/drawing/2010/main" xmlns="">
+              <a14:hiddenEffects xmlns="" xmlns:a14="http://schemas.microsoft.com/office/drawing/2010/main">
                 <a:effectLst>
                   <a:outerShdw blurRad="63500" dist="38099" dir="2700000" algn="ctr" rotWithShape="0">
                     <a:schemeClr val="bg2">
@@ -17903,7 +17651,7 @@
           <a:effectLst/>
           <a:extLst>
             <a:ext uri="{AF507438-7753-43e0-B8FC-AC1667EBCBE1}">
-              <a14:hiddenEffects xmlns:a14="http://schemas.microsoft.com/office/drawing/2010/main" xmlns="">
+              <a14:hiddenEffects xmlns="" xmlns:a14="http://schemas.microsoft.com/office/drawing/2010/main">
                 <a:effectLst>
                   <a:outerShdw blurRad="63500" dist="38099" dir="2700000" algn="ctr" rotWithShape="0">
                     <a:schemeClr val="bg2">
@@ -17948,7 +17696,7 @@
           <a:effectLst/>
           <a:extLst>
             <a:ext uri="{AF507438-7753-43e0-B8FC-AC1667EBCBE1}">
-              <a14:hiddenEffects xmlns:a14="http://schemas.microsoft.com/office/drawing/2010/main" xmlns="">
+              <a14:hiddenEffects xmlns="" xmlns:a14="http://schemas.microsoft.com/office/drawing/2010/main">
                 <a:effectLst>
                   <a:outerShdw blurRad="63500" dist="38099" dir="2700000" algn="ctr" rotWithShape="0">
                     <a:schemeClr val="bg2">
@@ -17993,7 +17741,7 @@
           <a:effectLst/>
           <a:extLst>
             <a:ext uri="{AF507438-7753-43e0-B8FC-AC1667EBCBE1}">
-              <a14:hiddenEffects xmlns:a14="http://schemas.microsoft.com/office/drawing/2010/main" xmlns="">
+              <a14:hiddenEffects xmlns="" xmlns:a14="http://schemas.microsoft.com/office/drawing/2010/main">
                 <a:effectLst>
                   <a:outerShdw blurRad="63500" dist="38099" dir="2700000" algn="ctr" rotWithShape="0">
                     <a:schemeClr val="bg2">
@@ -18038,7 +17786,7 @@
           <a:effectLst/>
           <a:extLst>
             <a:ext uri="{AF507438-7753-43e0-B8FC-AC1667EBCBE1}">
-              <a14:hiddenEffects xmlns:a14="http://schemas.microsoft.com/office/drawing/2010/main" xmlns="">
+              <a14:hiddenEffects xmlns="" xmlns:a14="http://schemas.microsoft.com/office/drawing/2010/main">
                 <a:effectLst>
                   <a:outerShdw blurRad="63500" dist="38099" dir="2700000" algn="ctr" rotWithShape="0">
                     <a:schemeClr val="bg2">
@@ -18083,7 +17831,7 @@
           <a:effectLst/>
           <a:extLst>
             <a:ext uri="{AF507438-7753-43e0-B8FC-AC1667EBCBE1}">
-              <a14:hiddenEffects xmlns:a14="http://schemas.microsoft.com/office/drawing/2010/main" xmlns="">
+              <a14:hiddenEffects xmlns="" xmlns:a14="http://schemas.microsoft.com/office/drawing/2010/main">
                 <a:effectLst>
                   <a:outerShdw blurRad="63500" dist="38099" dir="2700000" algn="ctr" rotWithShape="0">
                     <a:schemeClr val="bg2">
@@ -18119,10 +17867,9 @@
           <a:lstStyle/>
           <a:p>
             <a:r>
-              <a:rPr lang="en-US" sz="1400" dirty="0" smtClean="0"/>
+              <a:rPr lang="en-US" sz="1400" dirty="0"/>
               <a:t>+</a:t>
             </a:r>
-            <a:endParaRPr lang="en-US" sz="1400" dirty="0"/>
           </a:p>
         </p:txBody>
       </p:sp>
@@ -18158,7 +17905,7 @@
           <a:effectLst/>
           <a:extLst>
             <a:ext uri="{AF507438-7753-43e0-B8FC-AC1667EBCBE1}">
-              <a14:hiddenEffects xmlns:a14="http://schemas.microsoft.com/office/drawing/2010/main" xmlns="">
+              <a14:hiddenEffects xmlns="" xmlns:a14="http://schemas.microsoft.com/office/drawing/2010/main">
                 <a:effectLst>
                   <a:outerShdw blurRad="63500" dist="38099" dir="2700000" algn="ctr" rotWithShape="0">
                     <a:schemeClr val="bg2">
@@ -18194,7 +17941,7 @@
           <a:lstStyle/>
           <a:p>
             <a:r>
-              <a:rPr lang="en-US" sz="1400" dirty="0" err="1" smtClean="0"/>
+              <a:rPr lang="en-US" sz="1400" dirty="0" err="1"/>
               <a:t>prog</a:t>
             </a:r>
             <a:endParaRPr lang="en-US" sz="1400" dirty="0"/>
@@ -18224,10 +17971,9 @@
           <a:lstStyle/>
           <a:p>
             <a:r>
-              <a:rPr lang="en-US" sz="1400" smtClean="0"/>
+              <a:rPr lang="en-US" sz="1400" dirty="0"/>
               <a:t>“”</a:t>
             </a:r>
-            <a:endParaRPr lang="en-US" sz="1400"/>
           </a:p>
         </p:txBody>
       </p:sp>
@@ -18263,7 +18009,7 @@
           <a:effectLst/>
           <a:extLst>
             <a:ext uri="{AF507438-7753-43e0-B8FC-AC1667EBCBE1}">
-              <a14:hiddenEffects xmlns:a14="http://schemas.microsoft.com/office/drawing/2010/main" xmlns="">
+              <a14:hiddenEffects xmlns="" xmlns:a14="http://schemas.microsoft.com/office/drawing/2010/main">
                 <a:effectLst>
                   <a:outerShdw blurRad="63500" dist="38099" dir="2700000" algn="ctr" rotWithShape="0">
                     <a:schemeClr val="bg2">
@@ -18308,7 +18054,7 @@
           <a:effectLst/>
           <a:extLst>
             <a:ext uri="{AF507438-7753-43e0-B8FC-AC1667EBCBE1}">
-              <a14:hiddenEffects xmlns:a14="http://schemas.microsoft.com/office/drawing/2010/main" xmlns="">
+              <a14:hiddenEffects xmlns="" xmlns:a14="http://schemas.microsoft.com/office/drawing/2010/main">
                 <a:effectLst>
                   <a:outerShdw blurRad="63500" dist="38099" dir="2700000" algn="ctr" rotWithShape="0">
                     <a:schemeClr val="bg2">
@@ -18331,13 +18077,6 @@
   <p:clrMapOvr>
     <a:masterClrMapping/>
   </p:clrMapOvr>
-  <p:timing>
-    <p:tnLst>
-      <p:par>
-        <p:cTn id="1" dur="indefinite" restart="never" nodeType="tmRoot"/>
-      </p:par>
-    </p:tnLst>
-  </p:timing>
 </p:sld>
 </file>
 
@@ -18374,10 +18113,9 @@
           <a:lstStyle/>
           <a:p>
             <a:r>
-              <a:rPr lang="en-US" dirty="0" smtClean="0"/>
+              <a:rPr lang="en-US" dirty="0"/>
               <a:t>Bottom-Up Parsing – LR(1)</a:t>
             </a:r>
-            <a:endParaRPr lang="en-US" dirty="0"/>
           </a:p>
         </p:txBody>
       </p:sp>
@@ -18408,7 +18146,7 @@
           </a:ln>
           <a:extLst>
             <a:ext uri="{909E8E84-426E-40dd-AFC4-6F175D3DCCD1}">
-              <a14:hiddenFill xmlns:a14="http://schemas.microsoft.com/office/drawing/2010/main" xmlns="">
+              <a14:hiddenFill xmlns="" xmlns:a14="http://schemas.microsoft.com/office/drawing/2010/main">
                 <a:solidFill>
                   <a:schemeClr val="accent1"/>
                 </a:solidFill>
@@ -18424,15 +18162,7 @@
           <a:p>
             <a:r>
               <a:rPr lang="en-US" sz="1600" dirty="0"/>
-              <a:t>p + x </a:t>
-            </a:r>
-            <a:r>
-              <a:rPr lang="en-US" sz="1600" dirty="0" smtClean="0"/>
-              <a:t>s </a:t>
-            </a:r>
-            <a:r>
-              <a:rPr lang="en-US" sz="1600" dirty="0"/>
-              <a:t>;</a:t>
+              <a:t>p + x s ;</a:t>
             </a:r>
           </a:p>
         </p:txBody>
@@ -18462,9 +18192,27 @@
                 <a:tableStyleId>{9DCAF9ED-07DC-4A11-8D7F-57B35C25682E}</a:tableStyleId>
               </a:tblPr>
               <a:tblGrid>
-                <a:gridCol w="1625600"/>
-                <a:gridCol w="1625600"/>
-                <a:gridCol w="1625600"/>
+                <a:gridCol w="1625600">
+                  <a:extLst>
+                    <a:ext uri="{9D8B030D-6E8A-4147-A177-3AD203B41FA5}">
+                      <a16:colId xmlns:a16="http://schemas.microsoft.com/office/drawing/2014/main" val="20000"/>
+                    </a:ext>
+                  </a:extLst>
+                </a:gridCol>
+                <a:gridCol w="1625600">
+                  <a:extLst>
+                    <a:ext uri="{9D8B030D-6E8A-4147-A177-3AD203B41FA5}">
+                      <a16:colId xmlns:a16="http://schemas.microsoft.com/office/drawing/2014/main" val="20001"/>
+                    </a:ext>
+                  </a:extLst>
+                </a:gridCol>
+                <a:gridCol w="1625600">
+                  <a:extLst>
+                    <a:ext uri="{9D8B030D-6E8A-4147-A177-3AD203B41FA5}">
+                      <a16:colId xmlns:a16="http://schemas.microsoft.com/office/drawing/2014/main" val="20002"/>
+                    </a:ext>
+                  </a:extLst>
+                </a:gridCol>
               </a:tblGrid>
               <a:tr h="366486">
                 <a:tc>
@@ -18473,10 +18221,9 @@
                     <a:lstStyle/>
                     <a:p>
                       <a:r>
-                        <a:rPr lang="en-US" dirty="0" smtClean="0"/>
+                        <a:rPr lang="en-US" dirty="0"/>
                         <a:t>Stack</a:t>
                       </a:r>
-                      <a:endParaRPr lang="en-US" dirty="0"/>
                     </a:p>
                   </a:txBody>
                   <a:tcPr>
@@ -18524,10 +18271,9 @@
                     <a:lstStyle/>
                     <a:p>
                       <a:r>
-                        <a:rPr lang="en-US" dirty="0" smtClean="0"/>
+                        <a:rPr lang="en-US" dirty="0"/>
                         <a:t>Input</a:t>
                       </a:r>
-                      <a:endParaRPr lang="en-US" dirty="0"/>
                     </a:p>
                   </a:txBody>
                   <a:tcPr>
@@ -18575,10 +18321,9 @@
                     <a:lstStyle/>
                     <a:p>
                       <a:r>
-                        <a:rPr lang="en-US" dirty="0" smtClean="0"/>
+                        <a:rPr lang="en-US" dirty="0"/>
                         <a:t>Action</a:t>
                       </a:r>
-                      <a:endParaRPr lang="en-US" dirty="0"/>
                     </a:p>
                   </a:txBody>
                   <a:tcPr>
@@ -18620,6 +18365,11 @@
                     </a:lnB>
                   </a:tcPr>
                 </a:tc>
+                <a:extLst>
+                  <a:ext uri="{0D108BD9-81ED-4DB2-BD59-A6C34878D82A}">
+                    <a16:rowId xmlns:a16="http://schemas.microsoft.com/office/drawing/2014/main" val="10000"/>
+                  </a:ext>
+                </a:extLst>
               </a:tr>
               <a:tr h="366486">
                 <a:tc>
@@ -18628,10 +18378,9 @@
                     <a:lstStyle/>
                     <a:p>
                       <a:r>
-                        <a:rPr lang="en-US" dirty="0" smtClean="0"/>
+                        <a:rPr lang="en-US" dirty="0"/>
                         <a:t>&lt;empty&gt;</a:t>
                       </a:r>
-                      <a:endParaRPr lang="en-US" dirty="0"/>
                     </a:p>
                   </a:txBody>
                   <a:tcPr>
@@ -18679,10 +18428,9 @@
                     <a:lstStyle/>
                     <a:p>
                       <a:r>
-                        <a:rPr lang="en-US" dirty="0" smtClean="0"/>
+                        <a:rPr lang="en-US" dirty="0"/>
                         <a:t>p + x s ;</a:t>
                       </a:r>
-                      <a:endParaRPr lang="en-US" dirty="0"/>
                     </a:p>
                   </a:txBody>
                   <a:tcPr>
@@ -18730,10 +18478,9 @@
                     <a:lstStyle/>
                     <a:p>
                       <a:r>
-                        <a:rPr lang="en-US" dirty="0" smtClean="0"/>
+                        <a:rPr lang="en-US" dirty="0"/>
                         <a:t>Shift</a:t>
                       </a:r>
-                      <a:endParaRPr lang="en-US" dirty="0"/>
                     </a:p>
                   </a:txBody>
                   <a:tcPr>
@@ -18775,6 +18522,11 @@
                     </a:lnB>
                   </a:tcPr>
                 </a:tc>
+                <a:extLst>
+                  <a:ext uri="{0D108BD9-81ED-4DB2-BD59-A6C34878D82A}">
+                    <a16:rowId xmlns:a16="http://schemas.microsoft.com/office/drawing/2014/main" val="10001"/>
+                  </a:ext>
+                </a:extLst>
               </a:tr>
               <a:tr h="366486">
                 <a:tc>
@@ -18783,10 +18535,9 @@
                     <a:lstStyle/>
                     <a:p>
                       <a:r>
-                        <a:rPr lang="en-US" dirty="0" smtClean="0"/>
+                        <a:rPr lang="en-US" dirty="0"/>
                         <a:t>p</a:t>
                       </a:r>
-                      <a:endParaRPr lang="en-US" dirty="0"/>
                     </a:p>
                   </a:txBody>
                   <a:tcPr>
@@ -18834,10 +18585,9 @@
                     <a:lstStyle/>
                     <a:p>
                       <a:r>
-                        <a:rPr lang="en-US" dirty="0" smtClean="0"/>
+                        <a:rPr lang="en-US" dirty="0"/>
                         <a:t>+ x s ;</a:t>
                       </a:r>
-                      <a:endParaRPr lang="en-US" dirty="0"/>
                     </a:p>
                   </a:txBody>
                   <a:tcPr>
@@ -18885,10 +18635,9 @@
                     <a:lstStyle/>
                     <a:p>
                       <a:r>
-                        <a:rPr lang="en-US" dirty="0" smtClean="0"/>
+                        <a:rPr lang="en-US" dirty="0"/>
                         <a:t>Shift</a:t>
                       </a:r>
-                      <a:endParaRPr lang="en-US" dirty="0"/>
                     </a:p>
                   </a:txBody>
                   <a:tcPr>
@@ -18930,6 +18679,11 @@
                     </a:lnB>
                   </a:tcPr>
                 </a:tc>
+                <a:extLst>
+                  <a:ext uri="{0D108BD9-81ED-4DB2-BD59-A6C34878D82A}">
+                    <a16:rowId xmlns:a16="http://schemas.microsoft.com/office/drawing/2014/main" val="10002"/>
+                  </a:ext>
+                </a:extLst>
               </a:tr>
               <a:tr h="366486">
                 <a:tc>
@@ -18938,10 +18692,9 @@
                     <a:lstStyle/>
                     <a:p>
                       <a:r>
-                        <a:rPr lang="en-US" dirty="0" smtClean="0"/>
+                        <a:rPr lang="en-US" dirty="0"/>
                         <a:t>p + </a:t>
                       </a:r>
-                      <a:endParaRPr lang="en-US" dirty="0"/>
                     </a:p>
                   </a:txBody>
                   <a:tcPr>
@@ -18989,18 +18742,17 @@
                     <a:lstStyle/>
                     <a:p>
                       <a:r>
-                        <a:rPr lang="en-US" dirty="0" smtClean="0"/>
+                        <a:rPr lang="en-US" dirty="0"/>
                         <a:t>x</a:t>
                       </a:r>
                       <a:r>
-                        <a:rPr lang="en-US" baseline="0" dirty="0" smtClean="0"/>
+                        <a:rPr lang="en-US" baseline="0" dirty="0"/>
                         <a:t> s</a:t>
                       </a:r>
                       <a:r>
-                        <a:rPr lang="en-US" dirty="0" smtClean="0"/>
+                        <a:rPr lang="en-US" dirty="0"/>
                         <a:t> ; </a:t>
                       </a:r>
-                      <a:endParaRPr lang="en-US" dirty="0"/>
                     </a:p>
                   </a:txBody>
                   <a:tcPr>
@@ -19048,10 +18800,9 @@
                     <a:lstStyle/>
                     <a:p>
                       <a:r>
-                        <a:rPr lang="en-US" dirty="0" smtClean="0"/>
+                        <a:rPr lang="en-US" dirty="0"/>
                         <a:t>Shift</a:t>
                       </a:r>
-                      <a:endParaRPr lang="en-US" dirty="0"/>
                     </a:p>
                   </a:txBody>
                   <a:tcPr>
@@ -19093,6 +18844,11 @@
                     </a:lnB>
                   </a:tcPr>
                 </a:tc>
+                <a:extLst>
+                  <a:ext uri="{0D108BD9-81ED-4DB2-BD59-A6C34878D82A}">
+                    <a16:rowId xmlns:a16="http://schemas.microsoft.com/office/drawing/2014/main" val="10003"/>
+                  </a:ext>
+                </a:extLst>
               </a:tr>
               <a:tr h="366486">
                 <a:tc>
@@ -19101,10 +18857,9 @@
                     <a:lstStyle/>
                     <a:p>
                       <a:r>
-                        <a:rPr lang="en-US" dirty="0" smtClean="0"/>
+                        <a:rPr lang="en-US" dirty="0"/>
                         <a:t>p + x </a:t>
                       </a:r>
-                      <a:endParaRPr lang="en-US" dirty="0"/>
                     </a:p>
                   </a:txBody>
                   <a:tcPr>
@@ -19152,10 +18907,9 @@
                     <a:lstStyle/>
                     <a:p>
                       <a:r>
-                        <a:rPr lang="en-US" dirty="0" smtClean="0"/>
+                        <a:rPr lang="en-US" dirty="0"/>
                         <a:t>s ;</a:t>
                       </a:r>
-                      <a:endParaRPr lang="en-US" dirty="0"/>
                     </a:p>
                   </a:txBody>
                   <a:tcPr>
@@ -19203,10 +18957,9 @@
                     <a:lstStyle/>
                     <a:p>
                       <a:r>
-                        <a:rPr lang="en-US" dirty="0" smtClean="0"/>
+                        <a:rPr lang="en-US" dirty="0"/>
                         <a:t>Reduce</a:t>
                       </a:r>
-                      <a:endParaRPr lang="en-US" dirty="0"/>
                     </a:p>
                   </a:txBody>
                   <a:tcPr>
@@ -19248,6 +19001,11 @@
                     </a:lnB>
                   </a:tcPr>
                 </a:tc>
+                <a:extLst>
+                  <a:ext uri="{0D108BD9-81ED-4DB2-BD59-A6C34878D82A}">
+                    <a16:rowId xmlns:a16="http://schemas.microsoft.com/office/drawing/2014/main" val="10004"/>
+                  </a:ext>
+                </a:extLst>
               </a:tr>
               <a:tr h="366486">
                 <a:tc>
@@ -19256,11 +19014,11 @@
                     <a:lstStyle/>
                     <a:p>
                       <a:r>
-                        <a:rPr lang="en-US" dirty="0" smtClean="0"/>
+                        <a:rPr lang="en-US" dirty="0"/>
                         <a:t>p + </a:t>
                       </a:r>
                       <a:r>
-                        <a:rPr lang="en-US" dirty="0" err="1" smtClean="0"/>
+                        <a:rPr lang="en-US" dirty="0" err="1"/>
                         <a:t>var</a:t>
                       </a:r>
                       <a:endParaRPr lang="en-US" dirty="0"/>
@@ -19311,10 +19069,9 @@
                     <a:lstStyle/>
                     <a:p>
                       <a:r>
-                        <a:rPr lang="en-US" dirty="0" smtClean="0"/>
+                        <a:rPr lang="en-US" dirty="0"/>
                         <a:t>s ;</a:t>
                       </a:r>
-                      <a:endParaRPr lang="en-US" dirty="0"/>
                     </a:p>
                   </a:txBody>
                   <a:tcPr>
@@ -19362,10 +19119,9 @@
                     <a:lstStyle/>
                     <a:p>
                       <a:r>
-                        <a:rPr lang="en-US" dirty="0" smtClean="0"/>
+                        <a:rPr lang="en-US" dirty="0"/>
                         <a:t>Reduce</a:t>
                       </a:r>
-                      <a:endParaRPr lang="en-US" dirty="0"/>
                     </a:p>
                   </a:txBody>
                   <a:tcPr>
@@ -19407,6 +19163,11 @@
                     </a:lnB>
                   </a:tcPr>
                 </a:tc>
+                <a:extLst>
+                  <a:ext uri="{0D108BD9-81ED-4DB2-BD59-A6C34878D82A}">
+                    <a16:rowId xmlns:a16="http://schemas.microsoft.com/office/drawing/2014/main" val="10005"/>
+                  </a:ext>
+                </a:extLst>
               </a:tr>
               <a:tr h="366486">
                 <a:tc>
@@ -19415,11 +19176,11 @@
                     <a:lstStyle/>
                     <a:p>
                       <a:r>
-                        <a:rPr lang="en-US" dirty="0" smtClean="0"/>
+                        <a:rPr lang="en-US" dirty="0"/>
                         <a:t>p + </a:t>
                       </a:r>
                       <a:r>
-                        <a:rPr lang="en-US" dirty="0" err="1" smtClean="0"/>
+                        <a:rPr lang="en-US" dirty="0" err="1"/>
                         <a:t>exp</a:t>
                       </a:r>
                       <a:endParaRPr lang="en-US" dirty="0"/>
@@ -19470,10 +19231,9 @@
                     <a:lstStyle/>
                     <a:p>
                       <a:r>
-                        <a:rPr lang="en-US" dirty="0" smtClean="0"/>
+                        <a:rPr lang="en-US" dirty="0"/>
                         <a:t>s ;</a:t>
                       </a:r>
-                      <a:endParaRPr lang="en-US" dirty="0"/>
                     </a:p>
                   </a:txBody>
                   <a:tcPr>
@@ -19521,10 +19281,9 @@
                     <a:lstStyle/>
                     <a:p>
                       <a:r>
-                        <a:rPr lang="en-US" dirty="0" smtClean="0"/>
+                        <a:rPr lang="en-US" dirty="0"/>
                         <a:t>Shift</a:t>
                       </a:r>
-                      <a:endParaRPr lang="en-US" dirty="0"/>
                     </a:p>
                   </a:txBody>
                   <a:tcPr>
@@ -19566,6 +19325,11 @@
                     </a:lnB>
                   </a:tcPr>
                 </a:tc>
+                <a:extLst>
+                  <a:ext uri="{0D108BD9-81ED-4DB2-BD59-A6C34878D82A}">
+                    <a16:rowId xmlns:a16="http://schemas.microsoft.com/office/drawing/2014/main" val="10006"/>
+                  </a:ext>
+                </a:extLst>
               </a:tr>
               <a:tr h="366486">
                 <a:tc>
@@ -19574,18 +19338,17 @@
                     <a:lstStyle/>
                     <a:p>
                       <a:r>
-                        <a:rPr lang="en-US" dirty="0" smtClean="0"/>
+                        <a:rPr lang="en-US" dirty="0"/>
                         <a:t>p + </a:t>
                       </a:r>
                       <a:r>
-                        <a:rPr lang="en-US" dirty="0" err="1" smtClean="0"/>
+                        <a:rPr lang="en-US" dirty="0" err="1"/>
                         <a:t>exp</a:t>
                       </a:r>
                       <a:r>
-                        <a:rPr lang="en-US" dirty="0" smtClean="0"/>
+                        <a:rPr lang="en-US" dirty="0"/>
                         <a:t> s</a:t>
                       </a:r>
-                      <a:endParaRPr lang="en-US" dirty="0"/>
                     </a:p>
                   </a:txBody>
                   <a:tcPr>
@@ -19633,10 +19396,9 @@
                     <a:lstStyle/>
                     <a:p>
                       <a:r>
-                        <a:rPr lang="en-US" dirty="0" smtClean="0"/>
+                        <a:rPr lang="en-US" dirty="0"/>
                         <a:t>;</a:t>
                       </a:r>
-                      <a:endParaRPr lang="en-US" dirty="0"/>
                     </a:p>
                   </a:txBody>
                   <a:tcPr>
@@ -19684,18 +19446,13 @@
                     <a:lstStyle/>
                     <a:p>
                       <a:r>
-                        <a:rPr lang="en-US" dirty="0" smtClean="0">
+                        <a:rPr lang="en-US" dirty="0">
                           <a:solidFill>
                             <a:schemeClr val="tx1"/>
                           </a:solidFill>
                         </a:rPr>
                         <a:t>Shift</a:t>
                       </a:r>
-                      <a:endParaRPr lang="en-US" dirty="0">
-                        <a:solidFill>
-                          <a:schemeClr val="tx1"/>
-                        </a:solidFill>
-                      </a:endParaRPr>
                     </a:p>
                   </a:txBody>
                   <a:tcPr>
@@ -19737,6 +19494,11 @@
                     </a:lnB>
                   </a:tcPr>
                 </a:tc>
+                <a:extLst>
+                  <a:ext uri="{0D108BD9-81ED-4DB2-BD59-A6C34878D82A}">
+                    <a16:rowId xmlns:a16="http://schemas.microsoft.com/office/drawing/2014/main" val="10007"/>
+                  </a:ext>
+                </a:extLst>
               </a:tr>
               <a:tr h="366486">
                 <a:tc>
@@ -19762,26 +19524,22 @@
                         <a:defRPr/>
                       </a:pPr>
                       <a:r>
-                        <a:rPr lang="en-US" dirty="0" smtClean="0"/>
+                        <a:rPr lang="en-US" dirty="0"/>
                         <a:t>p + </a:t>
                       </a:r>
                       <a:r>
-                        <a:rPr lang="en-US" dirty="0" err="1" smtClean="0"/>
+                        <a:rPr lang="en-US" dirty="0" err="1"/>
                         <a:t>exp</a:t>
                       </a:r>
                       <a:r>
-                        <a:rPr lang="en-US" dirty="0" smtClean="0"/>
+                        <a:rPr lang="en-US" dirty="0"/>
                         <a:t> s</a:t>
                       </a:r>
                       <a:r>
                         <a:rPr lang="en-US" baseline="0" dirty="0"/>
-                        <a:t> </a:t>
+                        <a:t> ;</a:t>
                       </a:r>
-                      <a:r>
-                        <a:rPr lang="en-US" baseline="0" dirty="0" smtClean="0"/>
-                        <a:t>;</a:t>
-                      </a:r>
-                      <a:endParaRPr lang="en-US" dirty="0" smtClean="0"/>
+                      <a:endParaRPr lang="en-US" dirty="0"/>
                     </a:p>
                   </a:txBody>
                   <a:tcPr>
@@ -19829,10 +19587,9 @@
                     <a:lstStyle/>
                     <a:p>
                       <a:r>
-                        <a:rPr lang="en-US" dirty="0" smtClean="0"/>
+                        <a:rPr lang="en-US" dirty="0"/>
                         <a:t>&lt;empty&gt;</a:t>
                       </a:r>
-                      <a:endParaRPr lang="en-US" dirty="0"/>
                     </a:p>
                   </a:txBody>
                   <a:tcPr>
@@ -19880,18 +19637,13 @@
                     <a:lstStyle/>
                     <a:p>
                       <a:r>
-                        <a:rPr lang="en-US" dirty="0" smtClean="0">
+                        <a:rPr lang="en-US" dirty="0">
                           <a:solidFill>
                             <a:srgbClr val="FF0000"/>
                           </a:solidFill>
                         </a:rPr>
                         <a:t>Reject</a:t>
                       </a:r>
-                      <a:endParaRPr lang="en-US" dirty="0">
-                        <a:solidFill>
-                          <a:srgbClr val="FF0000"/>
-                        </a:solidFill>
-                      </a:endParaRPr>
                     </a:p>
                   </a:txBody>
                   <a:tcPr>
@@ -19933,6 +19685,11 @@
                     </a:lnB>
                   </a:tcPr>
                 </a:tc>
+                <a:extLst>
+                  <a:ext uri="{0D108BD9-81ED-4DB2-BD59-A6C34878D82A}">
+                    <a16:rowId xmlns:a16="http://schemas.microsoft.com/office/drawing/2014/main" val="10008"/>
+                  </a:ext>
+                </a:extLst>
               </a:tr>
             </a:tbl>
           </a:graphicData>
@@ -19961,10 +19718,9 @@
           <a:lstStyle/>
           <a:p>
             <a:r>
-              <a:rPr lang="en-US" sz="1400" dirty="0" smtClean="0"/>
+              <a:rPr lang="en-US" sz="1400" dirty="0"/>
               <a:t>Let’s try an illegal sentence</a:t>
             </a:r>
-            <a:endParaRPr lang="en-US" sz="1400" dirty="0"/>
           </a:p>
         </p:txBody>
       </p:sp>
@@ -19995,7 +19751,7 @@
           </a:ln>
           <a:extLst>
             <a:ext uri="{909E8E84-426E-40dd-AFC4-6F175D3DCCD1}">
-              <a14:hiddenFill xmlns:a14="http://schemas.microsoft.com/office/drawing/2010/main" xmlns="">
+              <a14:hiddenFill xmlns="" xmlns:a14="http://schemas.microsoft.com/office/drawing/2010/main">
                 <a:solidFill>
                   <a:schemeClr val="accent1"/>
                 </a:solidFill>
@@ -20027,7 +19783,7 @@
               <a:t> 	:	</a:t>
             </a:r>
             <a:r>
-              <a:rPr lang="en-US" sz="1000" dirty="0" err="1" smtClean="0"/>
+              <a:rPr lang="en-US" sz="1000" dirty="0" err="1"/>
               <a:t>stmt</a:t>
             </a:r>
             <a:r>
@@ -20035,21 +19791,73 @@
               <a:t> </a:t>
             </a:r>
             <a:r>
-              <a:rPr lang="en-US" sz="1000" dirty="0" err="1" smtClean="0"/>
+              <a:rPr lang="en-US" sz="1000" dirty="0" err="1"/>
               <a:t>prog</a:t>
             </a:r>
-            <a:endParaRPr lang="en-US" sz="1000" dirty="0" smtClean="0"/>
-          </a:p>
-          <a:p>
+            <a:endParaRPr lang="en-US" sz="1000" dirty="0"/>
+          </a:p>
+          <a:p>
+            <a:r>
+              <a:rPr lang="en-US" sz="1000" dirty="0"/>
+              <a:t>                          |                         ””</a:t>
+            </a:r>
+          </a:p>
+          <a:p>
+            <a:r>
+              <a:rPr lang="en-US" sz="1000" dirty="0"/>
+              <a:t>	;</a:t>
+            </a:r>
+          </a:p>
+          <a:p>
+            <a:endParaRPr lang="en-US" sz="1000" dirty="0"/>
+          </a:p>
+          <a:p>
+            <a:r>
+              <a:rPr lang="en-US" sz="1000" dirty="0" err="1"/>
+              <a:t>stmt</a:t>
+            </a:r>
+            <a:r>
+              <a:rPr lang="en-US" sz="1000" dirty="0"/>
+              <a:t>	:	'p' </a:t>
+            </a:r>
+            <a:r>
+              <a:rPr lang="en-US" sz="1000" dirty="0" err="1"/>
+              <a:t>exp</a:t>
+            </a:r>
+            <a:r>
+              <a:rPr lang="en-US" sz="1000" dirty="0"/>
+              <a:t> ';'</a:t>
+            </a:r>
+          </a:p>
+          <a:p>
+            <a:r>
+              <a:rPr lang="en-US" sz="1000" dirty="0"/>
+              <a:t>	|	's’</a:t>
+            </a:r>
+            <a:r>
+              <a:rPr lang="en-US" sz="1000" dirty="0">
+                <a:solidFill>
+                  <a:srgbClr val="FF0000"/>
+                </a:solidFill>
+              </a:rPr>
+              <a:t> </a:t>
+            </a:r>
+            <a:r>
+              <a:rPr lang="en-US" sz="1000" dirty="0" err="1"/>
+              <a:t>var</a:t>
+            </a:r>
             <a:r>
               <a:rPr lang="en-US" sz="1000" dirty="0"/>
               <a:t> </a:t>
             </a:r>
             <a:r>
-              <a:rPr lang="en-US" sz="1000" dirty="0" smtClean="0"/>
-              <a:t>                         |                         ””</a:t>
-            </a:r>
-            <a:endParaRPr lang="en-US" sz="1000" dirty="0"/>
+              <a:rPr lang="en-US" sz="1000" dirty="0" err="1"/>
+              <a:t>exp</a:t>
+            </a:r>
+            <a:r>
+              <a:rPr lang="en-US" sz="1000" dirty="0"/>
+              <a:t> ';'</a:t>
+            </a:r>
           </a:p>
           <a:p>
             <a:r>
@@ -20063,11 +19871,11 @@
           <a:p>
             <a:r>
               <a:rPr lang="en-US" sz="1000" dirty="0" err="1"/>
-              <a:t>stmt</a:t>
+              <a:t>exp</a:t>
             </a:r>
             <a:r>
               <a:rPr lang="en-US" sz="1000" dirty="0"/>
-              <a:t>	:	'p' </a:t>
+              <a:t>	:	'+' </a:t>
             </a:r>
             <a:r>
               <a:rPr lang="en-US" sz="1000" dirty="0" err="1"/>
@@ -20075,42 +19883,68 @@
             </a:r>
             <a:r>
               <a:rPr lang="en-US" sz="1000" dirty="0"/>
-              <a:t> ';'</a:t>
-            </a:r>
-          </a:p>
-          <a:p>
-            <a:r>
-              <a:rPr lang="en-US" sz="1000" dirty="0"/>
-              <a:t>	|	'</a:t>
-            </a:r>
-            <a:r>
-              <a:rPr lang="en-US" sz="1000" dirty="0" smtClean="0"/>
-              <a:t>s’</a:t>
-            </a:r>
-            <a:r>
-              <a:rPr lang="en-US" sz="1000" dirty="0" smtClean="0">
-                <a:solidFill>
-                  <a:srgbClr val="FF0000"/>
-                </a:solidFill>
-              </a:rPr>
-              <a:t> </a:t>
-            </a:r>
-            <a:r>
-              <a:rPr lang="en-US" sz="1000" dirty="0" err="1" smtClean="0"/>
-              <a:t>var</a:t>
-            </a:r>
-            <a:r>
-              <a:rPr lang="en-US" sz="1000" dirty="0" smtClean="0"/>
               <a:t> </a:t>
             </a:r>
             <a:r>
               <a:rPr lang="en-US" sz="1000" dirty="0" err="1"/>
               <a:t>exp</a:t>
             </a:r>
+            <a:endParaRPr lang="en-US" sz="1000" dirty="0"/>
+          </a:p>
+          <a:p>
             <a:r>
               <a:rPr lang="en-US" sz="1000" dirty="0"/>
-              <a:t> ';'</a:t>
-            </a:r>
+              <a:t>	|	'-' </a:t>
+            </a:r>
+            <a:r>
+              <a:rPr lang="en-US" sz="1000" dirty="0" err="1"/>
+              <a:t>exp</a:t>
+            </a:r>
+            <a:r>
+              <a:rPr lang="en-US" sz="1000" dirty="0"/>
+              <a:t> </a:t>
+            </a:r>
+            <a:r>
+              <a:rPr lang="en-US" sz="1000" dirty="0" err="1"/>
+              <a:t>exp</a:t>
+            </a:r>
+            <a:endParaRPr lang="en-US" sz="1000" dirty="0"/>
+          </a:p>
+          <a:p>
+            <a:r>
+              <a:rPr lang="en-US" sz="1000" dirty="0"/>
+              <a:t>	|	'(' </a:t>
+            </a:r>
+            <a:r>
+              <a:rPr lang="en-US" sz="1000" dirty="0" err="1"/>
+              <a:t>exp</a:t>
+            </a:r>
+            <a:r>
+              <a:rPr lang="en-US" sz="1000" dirty="0"/>
+              <a:t> ')'</a:t>
+            </a:r>
+          </a:p>
+          <a:p>
+            <a:r>
+              <a:rPr lang="en-US" sz="1000" dirty="0"/>
+              <a:t>	|	</a:t>
+            </a:r>
+            <a:r>
+              <a:rPr lang="en-US" sz="1000" dirty="0" err="1"/>
+              <a:t>var</a:t>
+            </a:r>
+            <a:endParaRPr lang="en-US" sz="1000" dirty="0"/>
+          </a:p>
+          <a:p>
+            <a:r>
+              <a:rPr lang="en-US" sz="1000" dirty="0"/>
+              <a:t>	|	</a:t>
+            </a:r>
+            <a:r>
+              <a:rPr lang="en-US" sz="1000" dirty="0" err="1"/>
+              <a:t>num</a:t>
+            </a:r>
+            <a:endParaRPr lang="en-US" sz="1000" dirty="0"/>
           </a:p>
           <a:p>
             <a:r>
@@ -20119,148 +19953,48 @@
             </a:r>
           </a:p>
           <a:p>
-            <a:endParaRPr lang="en-US" sz="1000" dirty="0"/>
+            <a:r>
+              <a:rPr lang="en-US" sz="1000" dirty="0"/>
+              <a:t>	</a:t>
+            </a:r>
           </a:p>
           <a:p>
             <a:r>
               <a:rPr lang="en-US" sz="1000" dirty="0" err="1"/>
-              <a:t>exp</a:t>
+              <a:t>var</a:t>
             </a:r>
             <a:r>
               <a:rPr lang="en-US" sz="1000" dirty="0"/>
-              <a:t>	:	'+' </a:t>
-            </a:r>
-            <a:r>
-              <a:rPr lang="en-US" sz="1000" dirty="0" err="1"/>
-              <a:t>exp</a:t>
-            </a:r>
+              <a:t>  	:	'x' | 'y' | 'z'</a:t>
+            </a:r>
+          </a:p>
+          <a:p>
             <a:r>
               <a:rPr lang="en-US" sz="1000" dirty="0"/>
-              <a:t> </a:t>
-            </a:r>
-            <a:r>
-              <a:rPr lang="en-US" sz="1000" dirty="0" err="1"/>
-              <a:t>exp</a:t>
-            </a:r>
-            <a:endParaRPr lang="en-US" sz="1000" dirty="0"/>
+              <a:t>    	;</a:t>
+            </a:r>
           </a:p>
           <a:p>
             <a:r>
               <a:rPr lang="en-US" sz="1000" dirty="0"/>
-              <a:t>	|	'-' </a:t>
-            </a:r>
-            <a:r>
-              <a:rPr lang="en-US" sz="1000" dirty="0" err="1"/>
-              <a:t>exp</a:t>
-            </a:r>
-            <a:r>
-              <a:rPr lang="en-US" sz="1000" dirty="0"/>
-              <a:t> </a:t>
-            </a:r>
-            <a:r>
-              <a:rPr lang="en-US" sz="1000" dirty="0" err="1"/>
-              <a:t>exp</a:t>
-            </a:r>
-            <a:endParaRPr lang="en-US" sz="1000" dirty="0"/>
-          </a:p>
-          <a:p>
-            <a:r>
-              <a:rPr lang="en-US" sz="1000" dirty="0"/>
-              <a:t>	|	'(' </a:t>
-            </a:r>
-            <a:r>
-              <a:rPr lang="en-US" sz="1000" dirty="0" err="1"/>
-              <a:t>exp</a:t>
-            </a:r>
-            <a:r>
-              <a:rPr lang="en-US" sz="1000" dirty="0"/>
-              <a:t> ')'</a:t>
-            </a:r>
-          </a:p>
-          <a:p>
-            <a:r>
-              <a:rPr lang="en-US" sz="1000" dirty="0"/>
-              <a:t>	|	</a:t>
-            </a:r>
-            <a:r>
-              <a:rPr lang="en-US" sz="1000" dirty="0" err="1" smtClean="0"/>
-              <a:t>var</a:t>
-            </a:r>
-            <a:endParaRPr lang="en-US" sz="1000" dirty="0"/>
-          </a:p>
-          <a:p>
-            <a:r>
-              <a:rPr lang="en-US" sz="1000" dirty="0"/>
-              <a:t>	|	</a:t>
-            </a:r>
+              <a:t>	</a:t>
+            </a:r>
+          </a:p>
+          <a:p>
             <a:r>
               <a:rPr lang="en-US" sz="1000" dirty="0" err="1"/>
               <a:t>num</a:t>
             </a:r>
-            <a:endParaRPr lang="en-US" sz="1000" dirty="0"/>
-          </a:p>
-          <a:p>
             <a:r>
               <a:rPr lang="en-US" sz="1000" dirty="0"/>
-              <a:t>	;</a:t>
+              <a:t>	:	'0’ …'9'</a:t>
             </a:r>
           </a:p>
           <a:p>
             <a:r>
               <a:rPr lang="en-US" sz="1000" dirty="0"/>
-              <a:t>	</a:t>
-            </a:r>
-          </a:p>
-          <a:p>
-            <a:r>
-              <a:rPr lang="en-US" sz="1000" dirty="0" err="1" smtClean="0"/>
-              <a:t>var</a:t>
-            </a:r>
-            <a:r>
-              <a:rPr lang="en-US" sz="1000" dirty="0" smtClean="0"/>
-              <a:t>  	:	'x' | 'y' | 'z'</a:t>
-            </a:r>
-          </a:p>
-          <a:p>
-            <a:r>
-              <a:rPr lang="en-US" sz="1000" dirty="0" smtClean="0"/>
               <a:t>    	;</a:t>
             </a:r>
-          </a:p>
-          <a:p>
-            <a:r>
-              <a:rPr lang="en-US" sz="1000" dirty="0" smtClean="0"/>
-              <a:t>	</a:t>
-            </a:r>
-          </a:p>
-          <a:p>
-            <a:r>
-              <a:rPr lang="en-US" sz="1000" dirty="0" err="1" smtClean="0"/>
-              <a:t>num</a:t>
-            </a:r>
-            <a:r>
-              <a:rPr lang="en-US" sz="1000" dirty="0"/>
-              <a:t>	:	'</a:t>
-            </a:r>
-            <a:r>
-              <a:rPr lang="en-US" sz="1000" dirty="0" smtClean="0"/>
-              <a:t>0’ …'</a:t>
-            </a:r>
-            <a:r>
-              <a:rPr lang="en-US" sz="1000" dirty="0"/>
-              <a:t>9'</a:t>
-            </a:r>
-          </a:p>
-          <a:p>
-            <a:r>
-              <a:rPr lang="en-US" sz="1000" dirty="0"/>
-              <a:t>    	</a:t>
-            </a:r>
-            <a:r>
-              <a:rPr lang="en-US" sz="1000" dirty="0" smtClean="0"/>
-              <a:t>;</a:t>
-            </a:r>
-            <a:endParaRPr lang="en-US" sz="1000" dirty="0"/>
           </a:p>
         </p:txBody>
       </p:sp>
@@ -20274,13 +20008,6 @@
   <p:clrMapOvr>
     <a:masterClrMapping/>
   </p:clrMapOvr>
-  <p:timing>
-    <p:tnLst>
-      <p:par>
-        <p:cTn id="1" dur="indefinite" restart="never" nodeType="tmRoot"/>
-      </p:par>
-    </p:tnLst>
-  </p:timing>
 </p:sld>
 </file>
 
@@ -20317,10 +20044,9 @@
           <a:lstStyle/>
           <a:p>
             <a:r>
-              <a:rPr lang="en-US" dirty="0" smtClean="0"/>
+              <a:rPr lang="en-US" dirty="0"/>
               <a:t>Bottom-Up Parsing – LR(1)</a:t>
             </a:r>
-            <a:endParaRPr lang="en-US" dirty="0"/>
           </a:p>
         </p:txBody>
       </p:sp>
@@ -20351,7 +20077,7 @@
           </a:ln>
           <a:extLst>
             <a:ext uri="{909E8E84-426E-40dd-AFC4-6F175D3DCCD1}">
-              <a14:hiddenFill xmlns:a14="http://schemas.microsoft.com/office/drawing/2010/main" xmlns="">
+              <a14:hiddenFill xmlns="" xmlns:a14="http://schemas.microsoft.com/office/drawing/2010/main">
                 <a:solidFill>
                   <a:schemeClr val="accent1"/>
                 </a:solidFill>
@@ -20397,9 +20123,27 @@
                 <a:tableStyleId>{9DCAF9ED-07DC-4A11-8D7F-57B35C25682E}</a:tableStyleId>
               </a:tblPr>
               <a:tblGrid>
-                <a:gridCol w="1625600"/>
-                <a:gridCol w="1625600"/>
-                <a:gridCol w="1625600"/>
+                <a:gridCol w="1625600">
+                  <a:extLst>
+                    <a:ext uri="{9D8B030D-6E8A-4147-A177-3AD203B41FA5}">
+                      <a16:colId xmlns:a16="http://schemas.microsoft.com/office/drawing/2014/main" val="20000"/>
+                    </a:ext>
+                  </a:extLst>
+                </a:gridCol>
+                <a:gridCol w="1625600">
+                  <a:extLst>
+                    <a:ext uri="{9D8B030D-6E8A-4147-A177-3AD203B41FA5}">
+                      <a16:colId xmlns:a16="http://schemas.microsoft.com/office/drawing/2014/main" val="20001"/>
+                    </a:ext>
+                  </a:extLst>
+                </a:gridCol>
+                <a:gridCol w="1625600">
+                  <a:extLst>
+                    <a:ext uri="{9D8B030D-6E8A-4147-A177-3AD203B41FA5}">
+                      <a16:colId xmlns:a16="http://schemas.microsoft.com/office/drawing/2014/main" val="20002"/>
+                    </a:ext>
+                  </a:extLst>
+                </a:gridCol>
               </a:tblGrid>
               <a:tr h="366486">
                 <a:tc>
@@ -20408,10 +20152,9 @@
                     <a:lstStyle/>
                     <a:p>
                       <a:r>
-                        <a:rPr lang="en-US" dirty="0" smtClean="0"/>
+                        <a:rPr lang="en-US" dirty="0"/>
                         <a:t>Stack</a:t>
                       </a:r>
-                      <a:endParaRPr lang="en-US" dirty="0"/>
                     </a:p>
                   </a:txBody>
                   <a:tcPr>
@@ -20459,10 +20202,9 @@
                     <a:lstStyle/>
                     <a:p>
                       <a:r>
-                        <a:rPr lang="en-US" dirty="0" smtClean="0"/>
+                        <a:rPr lang="en-US" dirty="0"/>
                         <a:t>Input</a:t>
                       </a:r>
-                      <a:endParaRPr lang="en-US" dirty="0"/>
                     </a:p>
                   </a:txBody>
                   <a:tcPr>
@@ -20510,10 +20252,9 @@
                     <a:lstStyle/>
                     <a:p>
                       <a:r>
-                        <a:rPr lang="en-US" dirty="0" smtClean="0"/>
+                        <a:rPr lang="en-US" dirty="0"/>
                         <a:t>Action</a:t>
                       </a:r>
-                      <a:endParaRPr lang="en-US" dirty="0"/>
                     </a:p>
                   </a:txBody>
                   <a:tcPr>
@@ -20555,6 +20296,11 @@
                     </a:lnB>
                   </a:tcPr>
                 </a:tc>
+                <a:extLst>
+                  <a:ext uri="{0D108BD9-81ED-4DB2-BD59-A6C34878D82A}">
+                    <a16:rowId xmlns:a16="http://schemas.microsoft.com/office/drawing/2014/main" val="10000"/>
+                  </a:ext>
+                </a:extLst>
               </a:tr>
               <a:tr h="366486">
                 <a:tc>
@@ -20563,10 +20309,9 @@
                     <a:lstStyle/>
                     <a:p>
                       <a:r>
-                        <a:rPr lang="en-US" dirty="0" smtClean="0"/>
+                        <a:rPr lang="en-US" dirty="0"/>
                         <a:t>&lt;empty&gt;</a:t>
                       </a:r>
-                      <a:endParaRPr lang="en-US" dirty="0"/>
                     </a:p>
                   </a:txBody>
                   <a:tcPr>
@@ -20614,10 +20359,9 @@
                     <a:lstStyle/>
                     <a:p>
                       <a:r>
-                        <a:rPr lang="en-US" dirty="0" smtClean="0"/>
+                        <a:rPr lang="en-US" dirty="0"/>
                         <a:t>p + x 1 ;</a:t>
                       </a:r>
-                      <a:endParaRPr lang="en-US" dirty="0"/>
                     </a:p>
                   </a:txBody>
                   <a:tcPr>
@@ -20665,10 +20409,9 @@
                     <a:lstStyle/>
                     <a:p>
                       <a:r>
-                        <a:rPr lang="en-US" dirty="0" smtClean="0"/>
+                        <a:rPr lang="en-US" dirty="0"/>
                         <a:t>Shift</a:t>
                       </a:r>
-                      <a:endParaRPr lang="en-US" dirty="0"/>
                     </a:p>
                   </a:txBody>
                   <a:tcPr>
@@ -20710,6 +20453,11 @@
                     </a:lnB>
                   </a:tcPr>
                 </a:tc>
+                <a:extLst>
+                  <a:ext uri="{0D108BD9-81ED-4DB2-BD59-A6C34878D82A}">
+                    <a16:rowId xmlns:a16="http://schemas.microsoft.com/office/drawing/2014/main" val="10001"/>
+                  </a:ext>
+                </a:extLst>
               </a:tr>
               <a:tr h="366486">
                 <a:tc>
@@ -20718,10 +20466,9 @@
                     <a:lstStyle/>
                     <a:p>
                       <a:r>
-                        <a:rPr lang="en-US" dirty="0" smtClean="0"/>
+                        <a:rPr lang="en-US" dirty="0"/>
                         <a:t>p</a:t>
                       </a:r>
-                      <a:endParaRPr lang="en-US" dirty="0"/>
                     </a:p>
                   </a:txBody>
                   <a:tcPr>
@@ -20769,10 +20516,9 @@
                     <a:lstStyle/>
                     <a:p>
                       <a:r>
-                        <a:rPr lang="en-US" dirty="0" smtClean="0"/>
+                        <a:rPr lang="en-US" dirty="0"/>
                         <a:t>+ x 1 ;</a:t>
                       </a:r>
-                      <a:endParaRPr lang="en-US" dirty="0"/>
                     </a:p>
                   </a:txBody>
                   <a:tcPr>
@@ -20820,10 +20566,9 @@
                     <a:lstStyle/>
                     <a:p>
                       <a:r>
-                        <a:rPr lang="en-US" dirty="0" smtClean="0"/>
+                        <a:rPr lang="en-US" dirty="0"/>
                         <a:t>Shift</a:t>
                       </a:r>
-                      <a:endParaRPr lang="en-US" dirty="0"/>
                     </a:p>
                   </a:txBody>
                   <a:tcPr>
@@ -20865,6 +20610,11 @@
                     </a:lnB>
                   </a:tcPr>
                 </a:tc>
+                <a:extLst>
+                  <a:ext uri="{0D108BD9-81ED-4DB2-BD59-A6C34878D82A}">
+                    <a16:rowId xmlns:a16="http://schemas.microsoft.com/office/drawing/2014/main" val="10002"/>
+                  </a:ext>
+                </a:extLst>
               </a:tr>
               <a:tr h="366486">
                 <a:tc>
@@ -20873,10 +20623,9 @@
                     <a:lstStyle/>
                     <a:p>
                       <a:r>
-                        <a:rPr lang="en-US" dirty="0" smtClean="0"/>
+                        <a:rPr lang="en-US" dirty="0"/>
                         <a:t>p + </a:t>
                       </a:r>
-                      <a:endParaRPr lang="en-US" dirty="0"/>
                     </a:p>
                   </a:txBody>
                   <a:tcPr>
@@ -20924,10 +20673,9 @@
                     <a:lstStyle/>
                     <a:p>
                       <a:r>
-                        <a:rPr lang="en-US" dirty="0" smtClean="0"/>
+                        <a:rPr lang="en-US" dirty="0"/>
                         <a:t>x 1 ; </a:t>
                       </a:r>
-                      <a:endParaRPr lang="en-US" dirty="0"/>
                     </a:p>
                   </a:txBody>
                   <a:tcPr>
@@ -20975,10 +20723,9 @@
                     <a:lstStyle/>
                     <a:p>
                       <a:r>
-                        <a:rPr lang="en-US" dirty="0" smtClean="0"/>
+                        <a:rPr lang="en-US" dirty="0"/>
                         <a:t>Shift</a:t>
                       </a:r>
-                      <a:endParaRPr lang="en-US" dirty="0"/>
                     </a:p>
                   </a:txBody>
                   <a:tcPr>
@@ -21020,6 +20767,11 @@
                     </a:lnB>
                   </a:tcPr>
                 </a:tc>
+                <a:extLst>
+                  <a:ext uri="{0D108BD9-81ED-4DB2-BD59-A6C34878D82A}">
+                    <a16:rowId xmlns:a16="http://schemas.microsoft.com/office/drawing/2014/main" val="10003"/>
+                  </a:ext>
+                </a:extLst>
               </a:tr>
               <a:tr h="366486">
                 <a:tc>
@@ -21028,10 +20780,9 @@
                     <a:lstStyle/>
                     <a:p>
                       <a:r>
-                        <a:rPr lang="en-US" dirty="0" smtClean="0"/>
+                        <a:rPr lang="en-US" dirty="0"/>
                         <a:t>p + x </a:t>
                       </a:r>
-                      <a:endParaRPr lang="en-US" dirty="0"/>
                     </a:p>
                   </a:txBody>
                   <a:tcPr>
@@ -21079,10 +20830,9 @@
                     <a:lstStyle/>
                     <a:p>
                       <a:r>
-                        <a:rPr lang="en-US" dirty="0" smtClean="0"/>
+                        <a:rPr lang="en-US" dirty="0"/>
                         <a:t>1 ;</a:t>
                       </a:r>
-                      <a:endParaRPr lang="en-US" dirty="0"/>
                     </a:p>
                   </a:txBody>
                   <a:tcPr>
@@ -21130,18 +20880,13 @@
                     <a:lstStyle/>
                     <a:p>
                       <a:r>
-                        <a:rPr lang="en-US" dirty="0" smtClean="0">
+                        <a:rPr lang="en-US" dirty="0">
                           <a:solidFill>
                             <a:srgbClr val="FF0000"/>
                           </a:solidFill>
                         </a:rPr>
                         <a:t>Reject</a:t>
                       </a:r>
-                      <a:endParaRPr lang="en-US" dirty="0">
-                        <a:solidFill>
-                          <a:srgbClr val="FF0000"/>
-                        </a:solidFill>
-                      </a:endParaRPr>
                     </a:p>
                   </a:txBody>
                   <a:tcPr>
@@ -21183,6 +20928,11 @@
                     </a:lnB>
                   </a:tcPr>
                 </a:tc>
+                <a:extLst>
+                  <a:ext uri="{0D108BD9-81ED-4DB2-BD59-A6C34878D82A}">
+                    <a16:rowId xmlns:a16="http://schemas.microsoft.com/office/drawing/2014/main" val="10004"/>
+                  </a:ext>
+                </a:extLst>
               </a:tr>
             </a:tbl>
           </a:graphicData>
@@ -21215,7 +20965,7 @@
           </a:ln>
           <a:extLst>
             <a:ext uri="{909E8E84-426E-40dd-AFC4-6F175D3DCCD1}">
-              <a14:hiddenFill xmlns:a14="http://schemas.microsoft.com/office/drawing/2010/main" xmlns="">
+              <a14:hiddenFill xmlns="" xmlns:a14="http://schemas.microsoft.com/office/drawing/2010/main">
                 <a:solidFill>
                   <a:schemeClr val="accent1"/>
                 </a:solidFill>
@@ -21230,19 +20980,15 @@
           <a:lstStyle/>
           <a:p>
             <a:r>
-              <a:rPr lang="en-US" sz="1000" dirty="0" err="1" smtClean="0"/>
+              <a:rPr lang="en-US" sz="1000" dirty="0" err="1"/>
               <a:t>prog</a:t>
             </a:r>
             <a:r>
-              <a:rPr lang="en-US" sz="1000" dirty="0" smtClean="0"/>
-              <a:t> </a:t>
-            </a:r>
-            <a:r>
               <a:rPr lang="en-US" sz="1000" dirty="0"/>
-              <a:t>	:	</a:t>
-            </a:r>
-            <a:r>
-              <a:rPr lang="en-US" sz="1000" dirty="0" err="1" smtClean="0"/>
+              <a:t> 	:	</a:t>
+            </a:r>
+            <a:r>
+              <a:rPr lang="en-US" sz="1000" dirty="0" err="1"/>
               <a:t>stmt</a:t>
             </a:r>
             <a:r>
@@ -21250,73 +20996,110 @@
               <a:t> </a:t>
             </a:r>
             <a:r>
-              <a:rPr lang="en-US" sz="1000" dirty="0" err="1" smtClean="0"/>
+              <a:rPr lang="en-US" sz="1000" dirty="0" err="1"/>
               <a:t>prog</a:t>
             </a:r>
-            <a:endParaRPr lang="en-US" sz="1000" dirty="0" smtClean="0"/>
-          </a:p>
-          <a:p>
+            <a:endParaRPr lang="en-US" sz="1000" dirty="0"/>
+          </a:p>
+          <a:p>
+            <a:r>
+              <a:rPr lang="en-US" sz="1000" dirty="0"/>
+              <a:t>                          |                         ””</a:t>
+            </a:r>
+          </a:p>
+          <a:p>
+            <a:r>
+              <a:rPr lang="en-US" sz="1000" dirty="0"/>
+              <a:t>	;</a:t>
+            </a:r>
+          </a:p>
+          <a:p>
+            <a:endParaRPr lang="en-US" sz="1000" dirty="0"/>
+          </a:p>
+          <a:p>
+            <a:r>
+              <a:rPr lang="en-US" sz="1000" dirty="0" err="1"/>
+              <a:t>stmt</a:t>
+            </a:r>
+            <a:r>
+              <a:rPr lang="en-US" sz="1000" dirty="0"/>
+              <a:t>	:	'p' </a:t>
+            </a:r>
+            <a:r>
+              <a:rPr lang="en-US" sz="1000" dirty="0" err="1"/>
+              <a:t>exp</a:t>
+            </a:r>
+            <a:r>
+              <a:rPr lang="en-US" sz="1000" dirty="0"/>
+              <a:t> ';'</a:t>
+            </a:r>
+          </a:p>
+          <a:p>
+            <a:r>
+              <a:rPr lang="en-US" sz="1000" dirty="0"/>
+              <a:t>	|	's’ </a:t>
+            </a:r>
+            <a:r>
+              <a:rPr lang="en-US" sz="1000" dirty="0" err="1">
+                <a:solidFill>
+                  <a:srgbClr val="FF0000"/>
+                </a:solidFill>
+              </a:rPr>
+              <a:t>lhsvar</a:t>
+            </a:r>
+            <a:r>
+              <a:rPr lang="en-US" sz="1000" dirty="0">
+                <a:solidFill>
+                  <a:srgbClr val="FF0000"/>
+                </a:solidFill>
+              </a:rPr>
+              <a:t> </a:t>
+            </a:r>
+            <a:r>
+              <a:rPr lang="en-US" sz="1000" dirty="0" err="1"/>
+              <a:t>exp</a:t>
+            </a:r>
+            <a:r>
+              <a:rPr lang="en-US" sz="1000" dirty="0"/>
+              <a:t> ';'</a:t>
+            </a:r>
+          </a:p>
+          <a:p>
+            <a:r>
+              <a:rPr lang="en-US" sz="1000" dirty="0"/>
+              <a:t>	;</a:t>
+            </a:r>
+          </a:p>
+          <a:p>
+            <a:endParaRPr lang="en-US" sz="1000" dirty="0"/>
+          </a:p>
+          <a:p>
+            <a:r>
+              <a:rPr lang="en-US" sz="1000" dirty="0" err="1"/>
+              <a:t>exp</a:t>
+            </a:r>
+            <a:r>
+              <a:rPr lang="en-US" sz="1000" dirty="0"/>
+              <a:t>	:	'+' </a:t>
+            </a:r>
+            <a:r>
+              <a:rPr lang="en-US" sz="1000" dirty="0" err="1"/>
+              <a:t>exp</a:t>
+            </a:r>
             <a:r>
               <a:rPr lang="en-US" sz="1000" dirty="0"/>
               <a:t> </a:t>
             </a:r>
             <a:r>
-              <a:rPr lang="en-US" sz="1000" dirty="0" smtClean="0"/>
-              <a:t>                         |                         ””</a:t>
-            </a:r>
-            <a:endParaRPr lang="en-US" sz="1000" dirty="0"/>
-          </a:p>
-          <a:p>
-            <a:r>
-              <a:rPr lang="en-US" sz="1000" dirty="0"/>
-              <a:t>	;</a:t>
-            </a:r>
-          </a:p>
-          <a:p>
-            <a:endParaRPr lang="en-US" sz="1000" dirty="0"/>
-          </a:p>
-          <a:p>
-            <a:r>
-              <a:rPr lang="en-US" sz="1000" dirty="0" err="1"/>
-              <a:t>stmt</a:t>
-            </a:r>
-            <a:r>
-              <a:rPr lang="en-US" sz="1000" dirty="0"/>
-              <a:t>	:	'p' </a:t>
-            </a:r>
-            <a:r>
               <a:rPr lang="en-US" sz="1000" dirty="0" err="1"/>
               <a:t>exp</a:t>
             </a:r>
+            <a:endParaRPr lang="en-US" sz="1000" dirty="0"/>
+          </a:p>
+          <a:p>
             <a:r>
               <a:rPr lang="en-US" sz="1000" dirty="0"/>
-              <a:t> ';'</a:t>
-            </a:r>
-          </a:p>
-          <a:p>
-            <a:r>
-              <a:rPr lang="en-US" sz="1000" dirty="0"/>
-              <a:t>	|	'</a:t>
-            </a:r>
-            <a:r>
-              <a:rPr lang="en-US" sz="1000" dirty="0" smtClean="0"/>
-              <a:t>s’ </a:t>
-            </a:r>
-            <a:r>
-              <a:rPr lang="en-US" sz="1000" dirty="0" err="1" smtClean="0">
-                <a:solidFill>
-                  <a:srgbClr val="FF0000"/>
-                </a:solidFill>
-              </a:rPr>
-              <a:t>lhsvar</a:t>
-            </a:r>
-            <a:r>
-              <a:rPr lang="en-US" sz="1000" dirty="0" smtClean="0">
-                <a:solidFill>
-                  <a:srgbClr val="FF0000"/>
-                </a:solidFill>
-              </a:rPr>
-              <a:t> </a:t>
+              <a:t>	|	'-' </a:t>
             </a:r>
             <a:r>
               <a:rPr lang="en-US" sz="1000" dirty="0" err="1"/>
@@ -21324,26 +21107,18 @@
             </a:r>
             <a:r>
               <a:rPr lang="en-US" sz="1000" dirty="0"/>
-              <a:t> ';'</a:t>
-            </a:r>
-          </a:p>
-          <a:p>
-            <a:r>
-              <a:rPr lang="en-US" sz="1000" dirty="0"/>
-              <a:t>	;</a:t>
-            </a:r>
-          </a:p>
-          <a:p>
-            <a:endParaRPr lang="en-US" sz="1000" dirty="0"/>
-          </a:p>
-          <a:p>
+              <a:t> </a:t>
+            </a:r>
             <a:r>
               <a:rPr lang="en-US" sz="1000" dirty="0" err="1"/>
               <a:t>exp</a:t>
             </a:r>
+            <a:endParaRPr lang="en-US" sz="1000" dirty="0"/>
+          </a:p>
+          <a:p>
             <a:r>
               <a:rPr lang="en-US" sz="1000" dirty="0"/>
-              <a:t>	:	'+' </a:t>
+              <a:t>	|	'(' </a:t>
             </a:r>
             <a:r>
               <a:rPr lang="en-US" sz="1000" dirty="0" err="1"/>
@@ -21351,44 +21126,6 @@
             </a:r>
             <a:r>
               <a:rPr lang="en-US" sz="1000" dirty="0"/>
-              <a:t> </a:t>
-            </a:r>
-            <a:r>
-              <a:rPr lang="en-US" sz="1000" dirty="0" err="1"/>
-              <a:t>exp</a:t>
-            </a:r>
-            <a:endParaRPr lang="en-US" sz="1000" dirty="0"/>
-          </a:p>
-          <a:p>
-            <a:r>
-              <a:rPr lang="en-US" sz="1000" dirty="0"/>
-              <a:t>	|	'-' </a:t>
-            </a:r>
-            <a:r>
-              <a:rPr lang="en-US" sz="1000" dirty="0" err="1"/>
-              <a:t>exp</a:t>
-            </a:r>
-            <a:r>
-              <a:rPr lang="en-US" sz="1000" dirty="0"/>
-              <a:t> </a:t>
-            </a:r>
-            <a:r>
-              <a:rPr lang="en-US" sz="1000" dirty="0" err="1"/>
-              <a:t>exp</a:t>
-            </a:r>
-            <a:endParaRPr lang="en-US" sz="1000" dirty="0"/>
-          </a:p>
-          <a:p>
-            <a:r>
-              <a:rPr lang="en-US" sz="1000" dirty="0"/>
-              <a:t>	|	'(' </a:t>
-            </a:r>
-            <a:r>
-              <a:rPr lang="en-US" sz="1000" dirty="0" err="1"/>
-              <a:t>exp</a:t>
-            </a:r>
-            <a:r>
-              <a:rPr lang="en-US" sz="1000" dirty="0"/>
               <a:t> ')'</a:t>
             </a:r>
           </a:p>
@@ -21398,7 +21135,7 @@
               <a:t>	|	</a:t>
             </a:r>
             <a:r>
-              <a:rPr lang="en-US" sz="1000" dirty="0" err="1" smtClean="0">
+              <a:rPr lang="en-US" sz="1000" dirty="0" err="1">
                 <a:solidFill>
                   <a:srgbClr val="FF0000"/>
                 </a:solidFill>
@@ -21436,7 +21173,7 @@
           </a:p>
           <a:p>
             <a:r>
-              <a:rPr lang="en-US" sz="1000" dirty="0" err="1" smtClean="0">
+              <a:rPr lang="en-US" sz="1000" dirty="0" err="1">
                 <a:solidFill>
                   <a:srgbClr val="FF0000"/>
                 </a:solidFill>
@@ -21444,25 +21181,25 @@
               <a:t>lhsvar</a:t>
             </a:r>
             <a:r>
-              <a:rPr lang="en-US" sz="1000" dirty="0" smtClean="0"/>
+              <a:rPr lang="en-US" sz="1000" dirty="0"/>
               <a:t>  	:	'x' | 'y' | 'z'</a:t>
             </a:r>
           </a:p>
           <a:p>
             <a:r>
-              <a:rPr lang="en-US" sz="1000" dirty="0" smtClean="0"/>
+              <a:rPr lang="en-US" sz="1000" dirty="0"/>
               <a:t>    	;</a:t>
             </a:r>
           </a:p>
           <a:p>
             <a:r>
-              <a:rPr lang="en-US" sz="1000" dirty="0" smtClean="0"/>
+              <a:rPr lang="en-US" sz="1000" dirty="0"/>
               <a:t>	</a:t>
             </a:r>
           </a:p>
           <a:p>
             <a:r>
-              <a:rPr lang="en-US" sz="1000" dirty="0" err="1" smtClean="0">
+              <a:rPr lang="en-US" sz="1000" dirty="0" err="1">
                 <a:solidFill>
                   <a:srgbClr val="FF0000"/>
                 </a:solidFill>
@@ -21470,13 +21207,13 @@
               <a:t>rhsvar</a:t>
             </a:r>
             <a:r>
-              <a:rPr lang="en-US" sz="1000" dirty="0" smtClean="0"/>
+              <a:rPr lang="en-US" sz="1000" dirty="0"/>
               <a:t>  	:	'x' | 'y' | 'z'</a:t>
             </a:r>
           </a:p>
           <a:p>
             <a:r>
-              <a:rPr lang="en-US" sz="1000" dirty="0" smtClean="0"/>
+              <a:rPr lang="en-US" sz="1000" dirty="0"/>
               <a:t>    	;</a:t>
             </a:r>
           </a:p>
@@ -21490,27 +21227,14 @@
             </a:r>
             <a:r>
               <a:rPr lang="en-US" sz="1000" dirty="0"/>
-              <a:t>	:	'</a:t>
-            </a:r>
-            <a:r>
-              <a:rPr lang="en-US" sz="1000" dirty="0" smtClean="0"/>
-              <a:t>0’ …'</a:t>
-            </a:r>
+              <a:t>	:	'0’ …'9'</a:t>
+            </a:r>
+          </a:p>
+          <a:p>
             <a:r>
               <a:rPr lang="en-US" sz="1000" dirty="0"/>
-              <a:t>9'</a:t>
-            </a:r>
-          </a:p>
-          <a:p>
-            <a:r>
-              <a:rPr lang="en-US" sz="1000" dirty="0"/>
-              <a:t>    	</a:t>
-            </a:r>
-            <a:r>
-              <a:rPr lang="en-US" sz="1000" dirty="0" smtClean="0"/>
-              <a:t>;</a:t>
-            </a:r>
-            <a:endParaRPr lang="en-US" sz="1000" dirty="0"/>
+              <a:t>    	;</a:t>
+            </a:r>
           </a:p>
         </p:txBody>
       </p:sp>
@@ -21537,28 +21261,20 @@
           <a:lstStyle/>
           <a:p>
             <a:r>
-              <a:rPr lang="en-US" sz="1400" dirty="0" smtClean="0"/>
-              <a:t>Let’s try it with the a grammar</a:t>
-            </a:r>
-            <a:r>
               <a:rPr lang="en-US" sz="1400" dirty="0"/>
-              <a:t> </a:t>
-            </a:r>
-            <a:r>
-              <a:rPr lang="en-US" sz="1400" dirty="0" smtClean="0"/>
-              <a:t>where</a:t>
+              <a:t>Let’s try it with the a grammar where</a:t>
             </a:r>
             <a:br>
-              <a:rPr lang="en-US" sz="1400" dirty="0" smtClean="0"/>
+              <a:rPr lang="en-US" sz="1400" dirty="0"/>
             </a:br>
             <a:r>
-              <a:rPr lang="en-US" sz="1400" dirty="0" smtClean="0"/>
+              <a:rPr lang="en-US" sz="1400" dirty="0"/>
               <a:t>left-hand side and right-hand variables</a:t>
             </a:r>
           </a:p>
           <a:p>
             <a:r>
-              <a:rPr lang="en-US" sz="1400" dirty="0" smtClean="0"/>
+              <a:rPr lang="en-US" sz="1400" dirty="0"/>
               <a:t>are differentiated.</a:t>
             </a:r>
           </a:p>
@@ -21587,111 +21303,98 @@
           <a:lstStyle/>
           <a:p>
             <a:r>
-              <a:rPr lang="en-US" sz="1400" dirty="0" smtClean="0"/>
+              <a:rPr lang="en-US" sz="1400" dirty="0"/>
               <a:t>There is a conflict between the </a:t>
             </a:r>
             <a:r>
-              <a:rPr lang="en-US" sz="1400" dirty="0" err="1" smtClean="0"/>
+              <a:rPr lang="en-US" sz="1400" dirty="0" err="1"/>
               <a:t>lhsvar</a:t>
             </a:r>
             <a:r>
-              <a:rPr lang="en-US" sz="1400" dirty="0" smtClean="0"/>
+              <a:rPr lang="en-US" sz="1400" dirty="0"/>
               <a:t> rule and </a:t>
             </a:r>
             <a:r>
-              <a:rPr lang="en-US" sz="1400" dirty="0" err="1" smtClean="0"/>
+              <a:rPr lang="en-US" sz="1400" dirty="0" err="1"/>
               <a:t>rhsvar</a:t>
             </a:r>
             <a:r>
-              <a:rPr lang="en-US" sz="1400" dirty="0" smtClean="0"/>
+              <a:rPr lang="en-US" sz="1400" dirty="0"/>
               <a:t> rule</a:t>
             </a:r>
             <a:br>
-              <a:rPr lang="en-US" sz="1400" dirty="0" smtClean="0"/>
+              <a:rPr lang="en-US" sz="1400" dirty="0"/>
             </a:br>
             <a:r>
-              <a:rPr lang="en-US" sz="1400" dirty="0" smtClean="0"/>
+              <a:rPr lang="en-US" sz="1400" dirty="0"/>
               <a:t>here, we do not have enough information to select one</a:t>
             </a:r>
             <a:br>
-              <a:rPr lang="en-US" sz="1400" dirty="0" smtClean="0"/>
+              <a:rPr lang="en-US" sz="1400" dirty="0"/>
             </a:br>
             <a:r>
-              <a:rPr lang="en-US" sz="1400" dirty="0" smtClean="0"/>
+              <a:rPr lang="en-US" sz="1400" dirty="0"/>
               <a:t>rule over the other.  This is called a </a:t>
             </a:r>
             <a:r>
-              <a:rPr lang="en-US" sz="1400" b="1" dirty="0" smtClean="0"/>
+              <a:rPr lang="en-US" sz="1400" b="1" dirty="0"/>
               <a:t>reduce/reduce conflict</a:t>
             </a:r>
-            <a:r>
-              <a:rPr lang="en-US" sz="1400" dirty="0" smtClean="0"/>
-              <a:t/>
-            </a:r>
             <a:br>
-              <a:rPr lang="en-US" sz="1400" dirty="0" smtClean="0"/>
+              <a:rPr lang="en-US" sz="1400" dirty="0"/>
             </a:br>
             <a:r>
-              <a:rPr lang="en-US" sz="1400" dirty="0" smtClean="0"/>
+              <a:rPr lang="en-US" sz="1400" dirty="0"/>
               <a:t>in bottom-up parsing terminology.</a:t>
             </a:r>
             <a:br>
-              <a:rPr lang="en-US" sz="1400" dirty="0" smtClean="0"/>
+              <a:rPr lang="en-US" sz="1400" dirty="0"/>
             </a:br>
-            <a:r>
-              <a:rPr lang="en-US" sz="1400" dirty="0" smtClean="0"/>
-              <a:t/>
-            </a:r>
             <a:br>
-              <a:rPr lang="en-US" sz="1400" dirty="0" smtClean="0"/>
+              <a:rPr lang="en-US" sz="1400" dirty="0"/>
             </a:br>
             <a:r>
-              <a:rPr lang="en-US" sz="1400" dirty="0" smtClean="0"/>
+              <a:rPr lang="en-US" sz="1400" dirty="0"/>
               <a:t>That means, even though our grammar is a perfectly legal</a:t>
             </a:r>
             <a:br>
-              <a:rPr lang="en-US" sz="1400" dirty="0" smtClean="0"/>
+              <a:rPr lang="en-US" sz="1400" dirty="0"/>
             </a:br>
             <a:r>
-              <a:rPr lang="en-US" sz="1400" dirty="0" smtClean="0"/>
+              <a:rPr lang="en-US" sz="1400" dirty="0"/>
               <a:t>context-free grammar, it is not a grammar that can be used </a:t>
             </a:r>
             <a:br>
-              <a:rPr lang="en-US" sz="1400" dirty="0" smtClean="0"/>
+              <a:rPr lang="en-US" sz="1400" dirty="0"/>
             </a:br>
             <a:r>
-              <a:rPr lang="en-US" sz="1400" dirty="0" smtClean="0"/>
+              <a:rPr lang="en-US" sz="1400" dirty="0"/>
               <a:t>by a bottom-up parser, we say that the </a:t>
             </a:r>
             <a:r>
-              <a:rPr lang="en-US" sz="1400" b="1" dirty="0" smtClean="0"/>
+              <a:rPr lang="en-US" sz="1400" b="1" dirty="0"/>
               <a:t>grammar is not LR(1)</a:t>
             </a:r>
             <a:r>
-              <a:rPr lang="en-US" sz="1400" dirty="0" smtClean="0"/>
+              <a:rPr lang="en-US" sz="1400" dirty="0"/>
               <a:t>.</a:t>
             </a:r>
             <a:br>
-              <a:rPr lang="en-US" sz="1400" dirty="0" smtClean="0"/>
+              <a:rPr lang="en-US" sz="1400" dirty="0"/>
             </a:br>
-            <a:r>
-              <a:rPr lang="en-US" sz="1400" dirty="0" smtClean="0"/>
-              <a:t/>
-            </a:r>
             <a:br>
-              <a:rPr lang="en-US" sz="1400" dirty="0" smtClean="0"/>
+              <a:rPr lang="en-US" sz="1400" dirty="0"/>
             </a:br>
             <a:r>
-              <a:rPr lang="en-US" sz="1400" dirty="0" smtClean="0"/>
+              <a:rPr lang="en-US" sz="1400" dirty="0"/>
               <a:t>We didn’t point this out but there are also grammars which</a:t>
             </a:r>
           </a:p>
           <a:p>
             <a:r>
-              <a:rPr lang="en-US" sz="1400" dirty="0" smtClean="0"/>
+              <a:rPr lang="en-US" sz="1400" dirty="0"/>
               <a:t>are perfectly legal CFG’s that are not LL(1).</a:t>
             </a:r>
-            <a:endParaRPr lang="en-US" sz="1400" dirty="0"/>
           </a:p>
         </p:txBody>
       </p:sp>
@@ -21705,13 +21408,6 @@
   <p:clrMapOvr>
     <a:masterClrMapping/>
   </p:clrMapOvr>
-  <p:timing>
-    <p:tnLst>
-      <p:par>
-        <p:cTn id="1" dur="indefinite" restart="never" nodeType="tmRoot"/>
-      </p:par>
-    </p:tnLst>
-  </p:timing>
 </p:sld>
 </file>
 
@@ -21748,10 +21444,9 @@
           <a:lstStyle/>
           <a:p>
             <a:r>
-              <a:rPr lang="en-US" dirty="0" smtClean="0"/>
+              <a:rPr lang="en-US" dirty="0"/>
               <a:t>Bottom-Up Parsing – LR(1)</a:t>
             </a:r>
-            <a:endParaRPr lang="en-US" dirty="0"/>
           </a:p>
         </p:txBody>
       </p:sp>
@@ -21771,42 +21466,29 @@
           <a:lstStyle/>
           <a:p>
             <a:r>
-              <a:rPr lang="en-US" dirty="0" smtClean="0"/>
+              <a:rPr lang="en-US" dirty="0"/>
               <a:t>LR(1) parsers are implemented in such tools as </a:t>
             </a:r>
             <a:r>
-              <a:rPr lang="en-US" dirty="0" err="1" smtClean="0"/>
+              <a:rPr lang="en-US" dirty="0" err="1"/>
               <a:t>Yacc</a:t>
             </a:r>
             <a:r>
-              <a:rPr lang="en-US" dirty="0" smtClean="0"/>
-              <a:t> (</a:t>
-            </a:r>
-            <a:r>
               <a:rPr lang="en-US" dirty="0"/>
-              <a:t>U</a:t>
-            </a:r>
-            <a:r>
-              <a:rPr lang="en-US" dirty="0" smtClean="0"/>
-              <a:t>nix) and Bison (Linux)</a:t>
+              <a:t> (Unix) and Bison (Linux)</a:t>
             </a:r>
           </a:p>
           <a:p>
             <a:r>
               <a:rPr lang="en-US" dirty="0"/>
-              <a:t>The tool we will be using, Ply, also implements LR(1) parsing</a:t>
-            </a:r>
-            <a:r>
-              <a:rPr lang="en-US" dirty="0" smtClean="0"/>
-              <a:t>.</a:t>
-            </a:r>
-          </a:p>
-          <a:p>
-            <a:r>
-              <a:rPr lang="en-US" dirty="0" smtClean="0"/>
+              <a:t>The tool we will be using, Ply, also implements LR(1) parsing.</a:t>
+            </a:r>
+          </a:p>
+          <a:p>
+            <a:r>
+              <a:rPr lang="en-US" dirty="0"/>
               <a:t>Other tools such as ANTLR implement LL(1) parsing*</a:t>
             </a:r>
-            <a:endParaRPr lang="en-US" dirty="0"/>
           </a:p>
         </p:txBody>
       </p:sp>
@@ -21832,22 +21514,9 @@
           <a:p>
             <a:pPr algn="l"/>
             <a:r>
-              <a:rPr lang="en-US" sz="2000" dirty="0" smtClean="0"/>
-              <a:t>* Actually ANTLR implement LL(k) parsing</a:t>
-            </a:r>
-            <a:r>
               <a:rPr lang="en-US" sz="2000" dirty="0"/>
-              <a:t> </a:t>
-            </a:r>
-            <a:r>
-              <a:rPr lang="en-US" sz="2000" dirty="0" smtClean="0"/>
-              <a:t>a slightly more powerful version of LL(1</a:t>
-            </a:r>
-            <a:r>
-              <a:rPr lang="en-US" sz="2000" smtClean="0"/>
-              <a:t>) parsing.</a:t>
-            </a:r>
-            <a:endParaRPr lang="en-US" sz="2000" dirty="0"/>
+              <a:t>* Actually ANTLR implement LL(k) parsing a slightly more powerful version of LL(1) parsing.</a:t>
+            </a:r>
           </a:p>
         </p:txBody>
       </p:sp>
@@ -21861,13 +21530,6 @@
   <p:clrMapOvr>
     <a:masterClrMapping/>
   </p:clrMapOvr>
-  <p:timing>
-    <p:tnLst>
-      <p:par>
-        <p:cTn id="1" dur="indefinite" restart="never" nodeType="tmRoot"/>
-      </p:par>
-    </p:tnLst>
-  </p:timing>
 </p:sld>
 </file>
 
@@ -21904,10 +21566,9 @@
           <a:lstStyle/>
           <a:p>
             <a:r>
-              <a:rPr lang="en-US" dirty="0" smtClean="0"/>
+              <a:rPr lang="en-US" dirty="0"/>
               <a:t>Parser Generators</a:t>
             </a:r>
-            <a:endParaRPr lang="en-US" dirty="0"/>
           </a:p>
         </p:txBody>
       </p:sp>
@@ -21929,44 +21590,35 @@
           <a:lstStyle/>
           <a:p>
             <a:r>
-              <a:rPr lang="en-US" dirty="0" smtClean="0"/>
+              <a:rPr lang="en-US" dirty="0"/>
               <a:t>Writing parsers by hand if difficult and time consuming</a:t>
             </a:r>
           </a:p>
           <a:p>
             <a:r>
-              <a:rPr lang="en-US" dirty="0" smtClean="0"/>
+              <a:rPr lang="en-US" dirty="0"/>
               <a:t>The resulting parsers are difficult to maintain and extend</a:t>
             </a:r>
           </a:p>
           <a:p>
             <a:r>
-              <a:rPr lang="en-US" dirty="0" smtClean="0"/>
-              <a:t>Ideally we would like a tool that reads a grammar definition and generates a parser from that </a:t>
-            </a:r>
-            <a:r>
-              <a:rPr lang="en-US" dirty="0" smtClean="0"/>
-              <a:t>description</a:t>
-            </a:r>
-          </a:p>
-          <a:p>
-            <a:r>
-              <a:rPr lang="en-US" dirty="0" smtClean="0"/>
+              <a:rPr lang="en-US" dirty="0"/>
+              <a:t>Ideally we would like a tool that reads a grammar definition and generates a parser from that description</a:t>
+            </a:r>
+          </a:p>
+          <a:p>
+            <a:r>
+              <a:rPr lang="en-US" dirty="0"/>
               <a:t>Note:  This is only true for relatively small languages.  Turns out that the parsers for large languages such as Python or Java are written by hand and are typically </a:t>
             </a:r>
             <a:r>
-              <a:rPr lang="en-US" dirty="0" err="1" smtClean="0"/>
+              <a:rPr lang="en-US" dirty="0" err="1"/>
               <a:t>sLL</a:t>
             </a:r>
             <a:r>
-              <a:rPr lang="en-US" dirty="0" smtClean="0"/>
-              <a:t>(1) with many hand </a:t>
-            </a:r>
-            <a:r>
-              <a:rPr lang="en-US" smtClean="0"/>
-              <a:t>coded exceptions built in.</a:t>
-            </a:r>
-            <a:endParaRPr lang="en-US" dirty="0"/>
+              <a:rPr lang="en-US" dirty="0"/>
+              <a:t>(1) with many hand coded exceptions built in.</a:t>
+            </a:r>
           </a:p>
         </p:txBody>
       </p:sp>
@@ -21980,13 +21632,6 @@
   <p:clrMapOvr>
     <a:masterClrMapping/>
   </p:clrMapOvr>
-  <p:timing>
-    <p:tnLst>
-      <p:par>
-        <p:cTn id="1" dur="indefinite" restart="never" nodeType="tmRoot"/>
-      </p:par>
-    </p:tnLst>
-  </p:timing>
 </p:sld>
 </file>
 
@@ -22023,10 +21668,9 @@
           <a:lstStyle/>
           <a:p>
             <a:r>
-              <a:rPr lang="en-US" dirty="0" smtClean="0"/>
+              <a:rPr lang="en-US" dirty="0"/>
               <a:t>Parser Generators</a:t>
             </a:r>
-            <a:endParaRPr lang="en-US" dirty="0"/>
           </a:p>
         </p:txBody>
       </p:sp>
@@ -22067,17 +21711,16 @@
           <a:p>
             <a:pPr algn="ctr"/>
             <a:r>
-              <a:rPr lang="en-US" sz="2000" dirty="0" smtClean="0"/>
+              <a:rPr lang="en-US" sz="2000" dirty="0"/>
               <a:t>Parser</a:t>
             </a:r>
           </a:p>
           <a:p>
             <a:pPr algn="ctr"/>
             <a:r>
-              <a:rPr lang="en-US" sz="2000" dirty="0" smtClean="0"/>
+              <a:rPr lang="en-US" sz="2000" dirty="0"/>
               <a:t>Generator</a:t>
             </a:r>
-            <a:endParaRPr lang="en-US" sz="2000" dirty="0"/>
           </a:p>
         </p:txBody>
       </p:sp>
@@ -22182,17 +21825,16 @@
           <a:lstStyle/>
           <a:p>
             <a:r>
-              <a:rPr lang="en-US" dirty="0" smtClean="0"/>
+              <a:rPr lang="en-US" dirty="0"/>
               <a:t>Grammar</a:t>
             </a:r>
             <a:br>
-              <a:rPr lang="en-US" dirty="0" smtClean="0"/>
+              <a:rPr lang="en-US" dirty="0"/>
             </a:br>
             <a:r>
-              <a:rPr lang="en-US" dirty="0" smtClean="0"/>
+              <a:rPr lang="en-US" dirty="0"/>
               <a:t>File</a:t>
             </a:r>
-            <a:endParaRPr lang="en-US" dirty="0"/>
           </a:p>
         </p:txBody>
       </p:sp>
@@ -22219,14 +21861,14 @@
           <a:lstStyle/>
           <a:p>
             <a:r>
-              <a:rPr lang="en-US" dirty="0" smtClean="0"/>
+              <a:rPr lang="en-US" dirty="0"/>
               <a:t>Parser Code</a:t>
             </a:r>
             <a:br>
-              <a:rPr lang="en-US" dirty="0" smtClean="0"/>
+              <a:rPr lang="en-US" dirty="0"/>
             </a:br>
             <a:r>
-              <a:rPr lang="en-US" dirty="0" smtClean="0"/>
+              <a:rPr lang="en-US" dirty="0"/>
               <a:t>(e.g. Python)</a:t>
             </a:r>
           </a:p>
@@ -22255,10 +21897,9 @@
           <a:lstStyle/>
           <a:p>
             <a:r>
-              <a:rPr lang="en-US" sz="2400" dirty="0" smtClean="0"/>
+              <a:rPr lang="en-US" sz="2400" dirty="0"/>
               <a:t>That looks very much like a translator!</a:t>
             </a:r>
-            <a:endParaRPr lang="en-US" sz="2400" dirty="0"/>
           </a:p>
         </p:txBody>
       </p:sp>
@@ -22272,13 +21913,6 @@
   <p:clrMapOvr>
     <a:masterClrMapping/>
   </p:clrMapOvr>
-  <p:timing>
-    <p:tnLst>
-      <p:par>
-        <p:cTn id="1" dur="indefinite" restart="never" nodeType="tmRoot"/>
-      </p:par>
-    </p:tnLst>
-  </p:timing>
 </p:sld>
 </file>
 
@@ -22528,7 +22162,7 @@
         <a:effectLst/>
         <a:extLst>
           <a:ext uri="{AF507438-7753-43e0-B8FC-AC1667EBCBE1}">
-            <a14:hiddenEffects xmlns:a14="http://schemas.microsoft.com/office/drawing/2010/main" xmlns="">
+            <a14:hiddenEffects xmlns="" xmlns:a14="http://schemas.microsoft.com/office/drawing/2010/main">
               <a:effectLst>
                 <a:outerShdw blurRad="63500" dist="38099" dir="2700000" algn="ctr" rotWithShape="0">
                   <a:schemeClr val="bg2">
@@ -22605,7 +22239,7 @@
         <a:effectLst/>
         <a:extLst>
           <a:ext uri="{AF507438-7753-43e0-B8FC-AC1667EBCBE1}">
-            <a14:hiddenEffects xmlns:a14="http://schemas.microsoft.com/office/drawing/2010/main" xmlns="">
+            <a14:hiddenEffects xmlns="" xmlns:a14="http://schemas.microsoft.com/office/drawing/2010/main">
               <a:effectLst>
                 <a:outerShdw blurRad="63500" dist="38099" dir="2700000" algn="ctr" rotWithShape="0">
                   <a:schemeClr val="bg2">
